--- a/doc/test/AgendaSlidesTextWithSlideNumberDefault.pptx
+++ b/doc/test/AgendaSlidesTextWithSlideNumberDefault.pptx
@@ -35,7 +35,7 @@
     <p:sldId id="314" r:id="rId26"/>
     <p:sldId id="326" r:id="rId27"/>
     <p:sldId id="327" r:id="rId28"/>
-    <p:sldId id="328" r:id="rId29"/>
+    <p:sldId id="331" r:id="rId29"/>
   </p:sldIdLst>
   <p:sldSz cx="9144000" cy="6858000" type="screen4x3"/>
   <p:notesSz cx="6858000" cy="9144000"/>
@@ -184,7 +184,7 @@
             <p14:sldId id="314"/>
             <p14:sldId id="326"/>
             <p14:sldId id="327"/>
-            <p14:sldId id="328"/>
+            <p14:sldId id="331"/>
           </p14:sldIdLst>
         </p14:section>
       </p14:sectionLst>
@@ -289,7 +289,7 @@
           <a:p>
             <a:fld id="{DBF25E5A-1DA2-4ED0-9993-2B21AFA3822E}" type="datetimeFigureOut">
               <a:rPr lang="en-SG" smtClean="0"/>
-              <a:t>26/1/2016</a:t>
+              <a:t>23/1/2017</a:t>
             </a:fld>
             <a:endParaRPr lang="en-SG"/>
           </a:p>
@@ -353,35 +353,35 @@
           <a:p>
             <a:pPr lvl="0"/>
             <a:r>
-              <a:rPr lang="en-US" smtClean="0"/>
+              <a:rPr lang="en-US"/>
               <a:t>Click to edit Master text styles</a:t>
             </a:r>
           </a:p>
           <a:p>
             <a:pPr lvl="1"/>
             <a:r>
-              <a:rPr lang="en-US" smtClean="0"/>
+              <a:rPr lang="en-US"/>
               <a:t>Second level</a:t>
             </a:r>
           </a:p>
           <a:p>
             <a:pPr lvl="2"/>
             <a:r>
-              <a:rPr lang="en-US" smtClean="0"/>
+              <a:rPr lang="en-US"/>
               <a:t>Third level</a:t>
             </a:r>
           </a:p>
           <a:p>
             <a:pPr lvl="3"/>
             <a:r>
-              <a:rPr lang="en-US" smtClean="0"/>
+              <a:rPr lang="en-US"/>
               <a:t>Fourth level</a:t>
             </a:r>
           </a:p>
           <a:p>
             <a:pPr lvl="4"/>
             <a:r>
-              <a:rPr lang="en-US" smtClean="0"/>
+              <a:rPr lang="en-US"/>
               <a:t>Fifth level</a:t>
             </a:r>
             <a:endParaRPr lang="en-SG"/>
@@ -602,10 +602,9 @@
           <a:lstStyle/>
           <a:p>
             <a:r>
-              <a:rPr lang="en-SG" smtClean="0"/>
+              <a:rPr lang="en-SG"/>
               <a:t>This notes page is used to store data - Do not edit the notes. UFBUVGVtcGxhdGVNYXJrZXI=@VGl0bGUgMQ==@UHB0TGFic0FnZW5kYV8mXkBDb250ZW50U2hhcGVfJl5AMjAxNjAxMjYxODAxMjI4MDE1MA==@228010063</a:t>
             </a:r>
-            <a:endParaRPr lang="en-SG"/>
           </a:p>
         </p:txBody>
       </p:sp>
@@ -767,10 +766,9 @@
           <a:lstStyle/>
           <a:p>
             <a:r>
-              <a:rPr lang="en-US" smtClean="0"/>
+              <a:rPr lang="en-US"/>
               <a:t>Click to edit Master title style</a:t>
             </a:r>
-            <a:endParaRPr lang="en-US"/>
           </a:p>
         </p:txBody>
       </p:sp>
@@ -886,10 +884,9 @@
           </a:lstStyle>
           <a:p>
             <a:r>
-              <a:rPr lang="en-US" smtClean="0"/>
+              <a:rPr lang="en-US"/>
               <a:t>Click to edit Master subtitle style</a:t>
             </a:r>
-            <a:endParaRPr lang="en-US"/>
           </a:p>
         </p:txBody>
       </p:sp>
@@ -910,7 +907,7 @@
           <a:p>
             <a:fld id="{E48C683D-3395-46D3-BF9E-903A3AF3FF2D}" type="datetime1">
               <a:rPr lang="en-US" smtClean="0"/>
-              <a:t>1/26/2016</a:t>
+              <a:t>1/23/2017</a:t>
             </a:fld>
             <a:endParaRPr lang="en-US"/>
           </a:p>
@@ -1004,10 +1001,9 @@
           <a:lstStyle/>
           <a:p>
             <a:r>
-              <a:rPr lang="en-US" smtClean="0"/>
+              <a:rPr lang="en-US"/>
               <a:t>Click to edit Master title style</a:t>
             </a:r>
-            <a:endParaRPr lang="en-US"/>
           </a:p>
         </p:txBody>
       </p:sp>
@@ -1028,38 +1024,37 @@
           <a:p>
             <a:pPr lvl="0"/>
             <a:r>
-              <a:rPr lang="en-US" smtClean="0"/>
+              <a:rPr lang="en-US"/>
               <a:t>Click to edit Master text styles</a:t>
             </a:r>
           </a:p>
           <a:p>
             <a:pPr lvl="1"/>
             <a:r>
-              <a:rPr lang="en-US" smtClean="0"/>
+              <a:rPr lang="en-US"/>
               <a:t>Second level</a:t>
             </a:r>
           </a:p>
           <a:p>
             <a:pPr lvl="2"/>
             <a:r>
-              <a:rPr lang="en-US" smtClean="0"/>
+              <a:rPr lang="en-US"/>
               <a:t>Third level</a:t>
             </a:r>
           </a:p>
           <a:p>
             <a:pPr lvl="3"/>
             <a:r>
-              <a:rPr lang="en-US" smtClean="0"/>
+              <a:rPr lang="en-US"/>
               <a:t>Fourth level</a:t>
             </a:r>
           </a:p>
           <a:p>
             <a:pPr lvl="4"/>
             <a:r>
-              <a:rPr lang="en-US" smtClean="0"/>
+              <a:rPr lang="en-US"/>
               <a:t>Fifth level</a:t>
             </a:r>
-            <a:endParaRPr lang="en-US"/>
           </a:p>
         </p:txBody>
       </p:sp>
@@ -1080,7 +1075,7 @@
           <a:p>
             <a:fld id="{74821124-6C44-4AB3-B69D-ECA5CA5FA42B}" type="datetime1">
               <a:rPr lang="en-US" smtClean="0"/>
-              <a:t>1/26/2016</a:t>
+              <a:t>1/23/2017</a:t>
             </a:fld>
             <a:endParaRPr lang="en-US"/>
           </a:p>
@@ -1179,10 +1174,9 @@
           <a:lstStyle/>
           <a:p>
             <a:r>
-              <a:rPr lang="en-US" smtClean="0"/>
+              <a:rPr lang="en-US"/>
               <a:t>Click to edit Master title style</a:t>
             </a:r>
-            <a:endParaRPr lang="en-US"/>
           </a:p>
         </p:txBody>
       </p:sp>
@@ -1208,38 +1202,37 @@
           <a:p>
             <a:pPr lvl="0"/>
             <a:r>
-              <a:rPr lang="en-US" smtClean="0"/>
+              <a:rPr lang="en-US"/>
               <a:t>Click to edit Master text styles</a:t>
             </a:r>
           </a:p>
           <a:p>
             <a:pPr lvl="1"/>
             <a:r>
-              <a:rPr lang="en-US" smtClean="0"/>
+              <a:rPr lang="en-US"/>
               <a:t>Second level</a:t>
             </a:r>
           </a:p>
           <a:p>
             <a:pPr lvl="2"/>
             <a:r>
-              <a:rPr lang="en-US" smtClean="0"/>
+              <a:rPr lang="en-US"/>
               <a:t>Third level</a:t>
             </a:r>
           </a:p>
           <a:p>
             <a:pPr lvl="3"/>
             <a:r>
-              <a:rPr lang="en-US" smtClean="0"/>
+              <a:rPr lang="en-US"/>
               <a:t>Fourth level</a:t>
             </a:r>
           </a:p>
           <a:p>
             <a:pPr lvl="4"/>
             <a:r>
-              <a:rPr lang="en-US" smtClean="0"/>
+              <a:rPr lang="en-US"/>
               <a:t>Fifth level</a:t>
             </a:r>
-            <a:endParaRPr lang="en-US"/>
           </a:p>
         </p:txBody>
       </p:sp>
@@ -1260,7 +1253,7 @@
           <a:p>
             <a:fld id="{88F0F44A-2702-406D-B711-F1B627E409B2}" type="datetime1">
               <a:rPr lang="en-US" smtClean="0"/>
-              <a:t>1/26/2016</a:t>
+              <a:t>1/23/2017</a:t>
             </a:fld>
             <a:endParaRPr lang="en-US"/>
           </a:p>
@@ -1354,7 +1347,7 @@
           <a:lstStyle/>
           <a:p>
             <a:r>
-              <a:rPr lang="en-US" smtClean="0"/>
+              <a:rPr lang="en-US"/>
               <a:t>Click to edit Master title style</a:t>
             </a:r>
             <a:endParaRPr lang="en-SG"/>
@@ -1378,35 +1371,35 @@
           <a:p>
             <a:pPr lvl="0"/>
             <a:r>
-              <a:rPr lang="en-US" smtClean="0"/>
+              <a:rPr lang="en-US"/>
               <a:t>Click to edit Master text styles</a:t>
             </a:r>
           </a:p>
           <a:p>
             <a:pPr lvl="1"/>
             <a:r>
-              <a:rPr lang="en-US" smtClean="0"/>
+              <a:rPr lang="en-US"/>
               <a:t>Second level</a:t>
             </a:r>
           </a:p>
           <a:p>
             <a:pPr lvl="2"/>
             <a:r>
-              <a:rPr lang="en-US" smtClean="0"/>
+              <a:rPr lang="en-US"/>
               <a:t>Third level</a:t>
             </a:r>
           </a:p>
           <a:p>
             <a:pPr lvl="3"/>
             <a:r>
-              <a:rPr lang="en-US" smtClean="0"/>
+              <a:rPr lang="en-US"/>
               <a:t>Fourth level</a:t>
             </a:r>
           </a:p>
           <a:p>
             <a:pPr lvl="4"/>
             <a:r>
-              <a:rPr lang="en-US" smtClean="0"/>
+              <a:rPr lang="en-US"/>
               <a:t>Fifth level</a:t>
             </a:r>
             <a:endParaRPr lang="en-SG"/>
@@ -1430,7 +1423,7 @@
           <a:p>
             <a:fld id="{4FF4215C-EF9E-4499-8028-3F6D416200A1}" type="datetime1">
               <a:rPr lang="en-US" smtClean="0"/>
-              <a:t>1/26/2016</a:t>
+              <a:t>1/23/2017</a:t>
             </a:fld>
             <a:endParaRPr lang="en-US"/>
           </a:p>
@@ -1529,10 +1522,9 @@
           <a:lstStyle/>
           <a:p>
             <a:r>
-              <a:rPr lang="en-US" smtClean="0"/>
+              <a:rPr lang="en-US"/>
               <a:t>Click to edit Master title style</a:t>
             </a:r>
-            <a:endParaRPr lang="en-US"/>
           </a:p>
         </p:txBody>
       </p:sp>
@@ -1648,10 +1640,9 @@
           </a:lstStyle>
           <a:p>
             <a:r>
-              <a:rPr lang="en-US" smtClean="0"/>
+              <a:rPr lang="en-US"/>
               <a:t>Click to edit Master subtitle style</a:t>
             </a:r>
-            <a:endParaRPr lang="en-US"/>
           </a:p>
         </p:txBody>
       </p:sp>
@@ -1672,7 +1663,7 @@
           <a:p>
             <a:fld id="{F52725C5-6827-4E2D-9543-1539AA3954B8}" type="datetime1">
               <a:rPr lang="en-US" smtClean="0"/>
-              <a:t>1/26/2016</a:t>
+              <a:t>1/23/2017</a:t>
             </a:fld>
             <a:endParaRPr lang="en-US"/>
           </a:p>
@@ -1766,10 +1757,9 @@
           <a:lstStyle/>
           <a:p>
             <a:r>
-              <a:rPr lang="en-US" smtClean="0"/>
+              <a:rPr lang="en-US"/>
               <a:t>Click to edit Master title style</a:t>
             </a:r>
-            <a:endParaRPr lang="en-US"/>
           </a:p>
         </p:txBody>
       </p:sp>
@@ -1790,38 +1780,37 @@
           <a:p>
             <a:pPr lvl="0"/>
             <a:r>
-              <a:rPr lang="en-US" smtClean="0"/>
+              <a:rPr lang="en-US"/>
               <a:t>Click to edit Master text styles</a:t>
             </a:r>
           </a:p>
           <a:p>
             <a:pPr lvl="1"/>
             <a:r>
-              <a:rPr lang="en-US" smtClean="0"/>
+              <a:rPr lang="en-US"/>
               <a:t>Second level</a:t>
             </a:r>
           </a:p>
           <a:p>
             <a:pPr lvl="2"/>
             <a:r>
-              <a:rPr lang="en-US" smtClean="0"/>
+              <a:rPr lang="en-US"/>
               <a:t>Third level</a:t>
             </a:r>
           </a:p>
           <a:p>
             <a:pPr lvl="3"/>
             <a:r>
-              <a:rPr lang="en-US" smtClean="0"/>
+              <a:rPr lang="en-US"/>
               <a:t>Fourth level</a:t>
             </a:r>
           </a:p>
           <a:p>
             <a:pPr lvl="4"/>
             <a:r>
-              <a:rPr lang="en-US" smtClean="0"/>
+              <a:rPr lang="en-US"/>
               <a:t>Fifth level</a:t>
             </a:r>
-            <a:endParaRPr lang="en-US"/>
           </a:p>
         </p:txBody>
       </p:sp>
@@ -1842,7 +1831,7 @@
           <a:p>
             <a:fld id="{84C3D210-5214-43E7-8E4B-0BD91EAD03A4}" type="datetime1">
               <a:rPr lang="en-US" smtClean="0"/>
-              <a:t>1/26/2016</a:t>
+              <a:t>1/23/2017</a:t>
             </a:fld>
             <a:endParaRPr lang="en-US"/>
           </a:p>
@@ -1945,10 +1934,9 @@
           </a:lstStyle>
           <a:p>
             <a:r>
-              <a:rPr lang="en-US" smtClean="0"/>
+              <a:rPr lang="en-US"/>
               <a:t>Click to edit Master title style</a:t>
             </a:r>
-            <a:endParaRPr lang="en-US"/>
           </a:p>
         </p:txBody>
       </p:sp>
@@ -2065,7 +2053,7 @@
           <a:p>
             <a:pPr lvl="0"/>
             <a:r>
-              <a:rPr lang="en-US" smtClean="0"/>
+              <a:rPr lang="en-US"/>
               <a:t>Click to edit Master text styles</a:t>
             </a:r>
           </a:p>
@@ -2088,7 +2076,7 @@
           <a:p>
             <a:fld id="{CABE04C8-2FA4-426D-90FA-3147AA463E81}" type="datetime1">
               <a:rPr lang="en-US" smtClean="0"/>
-              <a:t>1/26/2016</a:t>
+              <a:t>1/23/2017</a:t>
             </a:fld>
             <a:endParaRPr lang="en-US"/>
           </a:p>
@@ -2182,10 +2170,9 @@
           <a:lstStyle/>
           <a:p>
             <a:r>
-              <a:rPr lang="en-US" smtClean="0"/>
+              <a:rPr lang="en-US"/>
               <a:t>Click to edit Master title style</a:t>
             </a:r>
-            <a:endParaRPr lang="en-US"/>
           </a:p>
         </p:txBody>
       </p:sp>
@@ -2239,38 +2226,37 @@
           <a:p>
             <a:pPr lvl="0"/>
             <a:r>
-              <a:rPr lang="en-US" smtClean="0"/>
+              <a:rPr lang="en-US"/>
               <a:t>Click to edit Master text styles</a:t>
             </a:r>
           </a:p>
           <a:p>
             <a:pPr lvl="1"/>
             <a:r>
-              <a:rPr lang="en-US" smtClean="0"/>
+              <a:rPr lang="en-US"/>
               <a:t>Second level</a:t>
             </a:r>
           </a:p>
           <a:p>
             <a:pPr lvl="2"/>
             <a:r>
-              <a:rPr lang="en-US" smtClean="0"/>
+              <a:rPr lang="en-US"/>
               <a:t>Third level</a:t>
             </a:r>
           </a:p>
           <a:p>
             <a:pPr lvl="3"/>
             <a:r>
-              <a:rPr lang="en-US" smtClean="0"/>
+              <a:rPr lang="en-US"/>
               <a:t>Fourth level</a:t>
             </a:r>
           </a:p>
           <a:p>
             <a:pPr lvl="4"/>
             <a:r>
-              <a:rPr lang="en-US" smtClean="0"/>
+              <a:rPr lang="en-US"/>
               <a:t>Fifth level</a:t>
             </a:r>
-            <a:endParaRPr lang="en-US"/>
           </a:p>
         </p:txBody>
       </p:sp>
@@ -2324,38 +2310,37 @@
           <a:p>
             <a:pPr lvl="0"/>
             <a:r>
-              <a:rPr lang="en-US" smtClean="0"/>
+              <a:rPr lang="en-US"/>
               <a:t>Click to edit Master text styles</a:t>
             </a:r>
           </a:p>
           <a:p>
             <a:pPr lvl="1"/>
             <a:r>
-              <a:rPr lang="en-US" smtClean="0"/>
+              <a:rPr lang="en-US"/>
               <a:t>Second level</a:t>
             </a:r>
           </a:p>
           <a:p>
             <a:pPr lvl="2"/>
             <a:r>
-              <a:rPr lang="en-US" smtClean="0"/>
+              <a:rPr lang="en-US"/>
               <a:t>Third level</a:t>
             </a:r>
           </a:p>
           <a:p>
             <a:pPr lvl="3"/>
             <a:r>
-              <a:rPr lang="en-US" smtClean="0"/>
+              <a:rPr lang="en-US"/>
               <a:t>Fourth level</a:t>
             </a:r>
           </a:p>
           <a:p>
             <a:pPr lvl="4"/>
             <a:r>
-              <a:rPr lang="en-US" smtClean="0"/>
+              <a:rPr lang="en-US"/>
               <a:t>Fifth level</a:t>
             </a:r>
-            <a:endParaRPr lang="en-US"/>
           </a:p>
         </p:txBody>
       </p:sp>
@@ -2376,7 +2361,7 @@
           <a:p>
             <a:fld id="{16C6764C-CF34-401D-86AA-8E9442BA2BC5}" type="datetime1">
               <a:rPr lang="en-US" smtClean="0"/>
-              <a:t>1/26/2016</a:t>
+              <a:t>1/23/2017</a:t>
             </a:fld>
             <a:endParaRPr lang="en-US"/>
           </a:p>
@@ -2474,10 +2459,9 @@
           </a:lstStyle>
           <a:p>
             <a:r>
-              <a:rPr lang="en-US" smtClean="0"/>
+              <a:rPr lang="en-US"/>
               <a:t>Click to edit Master title style</a:t>
             </a:r>
-            <a:endParaRPr lang="en-US"/>
           </a:p>
         </p:txBody>
       </p:sp>
@@ -2540,7 +2524,7 @@
           <a:p>
             <a:pPr lvl="0"/>
             <a:r>
-              <a:rPr lang="en-US" smtClean="0"/>
+              <a:rPr lang="en-US"/>
               <a:t>Click to edit Master text styles</a:t>
             </a:r>
           </a:p>
@@ -2596,38 +2580,37 @@
           <a:p>
             <a:pPr lvl="0"/>
             <a:r>
-              <a:rPr lang="en-US" smtClean="0"/>
+              <a:rPr lang="en-US"/>
               <a:t>Click to edit Master text styles</a:t>
             </a:r>
           </a:p>
           <a:p>
             <a:pPr lvl="1"/>
             <a:r>
-              <a:rPr lang="en-US" smtClean="0"/>
+              <a:rPr lang="en-US"/>
               <a:t>Second level</a:t>
             </a:r>
           </a:p>
           <a:p>
             <a:pPr lvl="2"/>
             <a:r>
-              <a:rPr lang="en-US" smtClean="0"/>
+              <a:rPr lang="en-US"/>
               <a:t>Third level</a:t>
             </a:r>
           </a:p>
           <a:p>
             <a:pPr lvl="3"/>
             <a:r>
-              <a:rPr lang="en-US" smtClean="0"/>
+              <a:rPr lang="en-US"/>
               <a:t>Fourth level</a:t>
             </a:r>
           </a:p>
           <a:p>
             <a:pPr lvl="4"/>
             <a:r>
-              <a:rPr lang="en-US" smtClean="0"/>
+              <a:rPr lang="en-US"/>
               <a:t>Fifth level</a:t>
             </a:r>
-            <a:endParaRPr lang="en-US"/>
           </a:p>
         </p:txBody>
       </p:sp>
@@ -2690,7 +2673,7 @@
           <a:p>
             <a:pPr lvl="0"/>
             <a:r>
-              <a:rPr lang="en-US" smtClean="0"/>
+              <a:rPr lang="en-US"/>
               <a:t>Click to edit Master text styles</a:t>
             </a:r>
           </a:p>
@@ -2746,38 +2729,37 @@
           <a:p>
             <a:pPr lvl="0"/>
             <a:r>
-              <a:rPr lang="en-US" smtClean="0"/>
+              <a:rPr lang="en-US"/>
               <a:t>Click to edit Master text styles</a:t>
             </a:r>
           </a:p>
           <a:p>
             <a:pPr lvl="1"/>
             <a:r>
-              <a:rPr lang="en-US" smtClean="0"/>
+              <a:rPr lang="en-US"/>
               <a:t>Second level</a:t>
             </a:r>
           </a:p>
           <a:p>
             <a:pPr lvl="2"/>
             <a:r>
-              <a:rPr lang="en-US" smtClean="0"/>
+              <a:rPr lang="en-US"/>
               <a:t>Third level</a:t>
             </a:r>
           </a:p>
           <a:p>
             <a:pPr lvl="3"/>
             <a:r>
-              <a:rPr lang="en-US" smtClean="0"/>
+              <a:rPr lang="en-US"/>
               <a:t>Fourth level</a:t>
             </a:r>
           </a:p>
           <a:p>
             <a:pPr lvl="4"/>
             <a:r>
-              <a:rPr lang="en-US" smtClean="0"/>
+              <a:rPr lang="en-US"/>
               <a:t>Fifth level</a:t>
             </a:r>
-            <a:endParaRPr lang="en-US"/>
           </a:p>
         </p:txBody>
       </p:sp>
@@ -2798,7 +2780,7 @@
           <a:p>
             <a:fld id="{7A6304A5-3728-4433-A75D-59FC32371DB6}" type="datetime1">
               <a:rPr lang="en-US" smtClean="0"/>
-              <a:t>1/26/2016</a:t>
+              <a:t>1/23/2017</a:t>
             </a:fld>
             <a:endParaRPr lang="en-US"/>
           </a:p>
@@ -2892,10 +2874,9 @@
           <a:lstStyle/>
           <a:p>
             <a:r>
-              <a:rPr lang="en-US" smtClean="0"/>
+              <a:rPr lang="en-US"/>
               <a:t>Click to edit Master title style</a:t>
             </a:r>
-            <a:endParaRPr lang="en-US"/>
           </a:p>
         </p:txBody>
       </p:sp>
@@ -2916,7 +2897,7 @@
           <a:p>
             <a:fld id="{ECEC8789-70ED-426B-B532-587D6FE3BE94}" type="datetime1">
               <a:rPr lang="en-US" smtClean="0"/>
-              <a:t>1/26/2016</a:t>
+              <a:t>1/23/2017</a:t>
             </a:fld>
             <a:endParaRPr lang="en-US"/>
           </a:p>
@@ -3011,7 +2992,7 @@
           <a:p>
             <a:fld id="{8BC900E6-7C7F-42EC-9A9D-A635DE0275A7}" type="datetime1">
               <a:rPr lang="en-US" smtClean="0"/>
-              <a:t>1/26/2016</a:t>
+              <a:t>1/23/2017</a:t>
             </a:fld>
             <a:endParaRPr lang="en-US"/>
           </a:p>
@@ -3105,10 +3086,9 @@
           <a:lstStyle/>
           <a:p>
             <a:r>
-              <a:rPr lang="en-US" smtClean="0"/>
+              <a:rPr lang="en-US"/>
               <a:t>Click to edit Master title style</a:t>
             </a:r>
-            <a:endParaRPr lang="en-US"/>
           </a:p>
         </p:txBody>
       </p:sp>
@@ -3129,38 +3109,37 @@
           <a:p>
             <a:pPr lvl="0"/>
             <a:r>
-              <a:rPr lang="en-US" smtClean="0"/>
+              <a:rPr lang="en-US"/>
               <a:t>Click to edit Master text styles</a:t>
             </a:r>
           </a:p>
           <a:p>
             <a:pPr lvl="1"/>
             <a:r>
-              <a:rPr lang="en-US" smtClean="0"/>
+              <a:rPr lang="en-US"/>
               <a:t>Second level</a:t>
             </a:r>
           </a:p>
           <a:p>
             <a:pPr lvl="2"/>
             <a:r>
-              <a:rPr lang="en-US" smtClean="0"/>
+              <a:rPr lang="en-US"/>
               <a:t>Third level</a:t>
             </a:r>
           </a:p>
           <a:p>
             <a:pPr lvl="3"/>
             <a:r>
-              <a:rPr lang="en-US" smtClean="0"/>
+              <a:rPr lang="en-US"/>
               <a:t>Fourth level</a:t>
             </a:r>
           </a:p>
           <a:p>
             <a:pPr lvl="4"/>
             <a:r>
-              <a:rPr lang="en-US" smtClean="0"/>
+              <a:rPr lang="en-US"/>
               <a:t>Fifth level</a:t>
             </a:r>
-            <a:endParaRPr lang="en-US"/>
           </a:p>
         </p:txBody>
       </p:sp>
@@ -3181,7 +3160,7 @@
           <a:p>
             <a:fld id="{841E30D6-B7D9-43E8-B216-0FAF86DD2559}" type="datetime1">
               <a:rPr lang="en-US" smtClean="0"/>
-              <a:t>1/26/2016</a:t>
+              <a:t>1/23/2017</a:t>
             </a:fld>
             <a:endParaRPr lang="en-US"/>
           </a:p>
@@ -3284,10 +3263,9 @@
           </a:lstStyle>
           <a:p>
             <a:r>
-              <a:rPr lang="en-US" smtClean="0"/>
+              <a:rPr lang="en-US"/>
               <a:t>Click to edit Master title style</a:t>
             </a:r>
-            <a:endParaRPr lang="en-US"/>
           </a:p>
         </p:txBody>
       </p:sp>
@@ -3341,38 +3319,37 @@
           <a:p>
             <a:pPr lvl="0"/>
             <a:r>
-              <a:rPr lang="en-US" smtClean="0"/>
+              <a:rPr lang="en-US"/>
               <a:t>Click to edit Master text styles</a:t>
             </a:r>
           </a:p>
           <a:p>
             <a:pPr lvl="1"/>
             <a:r>
-              <a:rPr lang="en-US" smtClean="0"/>
+              <a:rPr lang="en-US"/>
               <a:t>Second level</a:t>
             </a:r>
           </a:p>
           <a:p>
             <a:pPr lvl="2"/>
             <a:r>
-              <a:rPr lang="en-US" smtClean="0"/>
+              <a:rPr lang="en-US"/>
               <a:t>Third level</a:t>
             </a:r>
           </a:p>
           <a:p>
             <a:pPr lvl="3"/>
             <a:r>
-              <a:rPr lang="en-US" smtClean="0"/>
+              <a:rPr lang="en-US"/>
               <a:t>Fourth level</a:t>
             </a:r>
           </a:p>
           <a:p>
             <a:pPr lvl="4"/>
             <a:r>
-              <a:rPr lang="en-US" smtClean="0"/>
+              <a:rPr lang="en-US"/>
               <a:t>Fifth level</a:t>
             </a:r>
-            <a:endParaRPr lang="en-US"/>
           </a:p>
         </p:txBody>
       </p:sp>
@@ -3435,7 +3412,7 @@
           <a:p>
             <a:pPr lvl="0"/>
             <a:r>
-              <a:rPr lang="en-US" smtClean="0"/>
+              <a:rPr lang="en-US"/>
               <a:t>Click to edit Master text styles</a:t>
             </a:r>
           </a:p>
@@ -3458,7 +3435,7 @@
           <a:p>
             <a:fld id="{49B6DA3E-3C8E-4D5C-8441-630DBE174E8D}" type="datetime1">
               <a:rPr lang="en-US" smtClean="0"/>
-              <a:t>1/26/2016</a:t>
+              <a:t>1/23/2017</a:t>
             </a:fld>
             <a:endParaRPr lang="en-US"/>
           </a:p>
@@ -3561,10 +3538,9 @@
           </a:lstStyle>
           <a:p>
             <a:r>
-              <a:rPr lang="en-US" smtClean="0"/>
+              <a:rPr lang="en-US"/>
               <a:t>Click to edit Master title style</a:t>
             </a:r>
-            <a:endParaRPr lang="en-US"/>
           </a:p>
         </p:txBody>
       </p:sp>
@@ -3688,7 +3664,7 @@
           <a:p>
             <a:pPr lvl="0"/>
             <a:r>
-              <a:rPr lang="en-US" smtClean="0"/>
+              <a:rPr lang="en-US"/>
               <a:t>Click to edit Master text styles</a:t>
             </a:r>
           </a:p>
@@ -3711,7 +3687,7 @@
           <a:p>
             <a:fld id="{F97EC72C-BC15-4474-A9FE-7CD8CD567FE0}" type="datetime1">
               <a:rPr lang="en-US" smtClean="0"/>
-              <a:t>1/26/2016</a:t>
+              <a:t>1/23/2017</a:t>
             </a:fld>
             <a:endParaRPr lang="en-US"/>
           </a:p>
@@ -3805,10 +3781,9 @@
           <a:lstStyle/>
           <a:p>
             <a:r>
-              <a:rPr lang="en-US" smtClean="0"/>
+              <a:rPr lang="en-US"/>
               <a:t>Click to edit Master title style</a:t>
             </a:r>
-            <a:endParaRPr lang="en-US"/>
           </a:p>
         </p:txBody>
       </p:sp>
@@ -3829,38 +3804,37 @@
           <a:p>
             <a:pPr lvl="0"/>
             <a:r>
-              <a:rPr lang="en-US" smtClean="0"/>
+              <a:rPr lang="en-US"/>
               <a:t>Click to edit Master text styles</a:t>
             </a:r>
           </a:p>
           <a:p>
             <a:pPr lvl="1"/>
             <a:r>
-              <a:rPr lang="en-US" smtClean="0"/>
+              <a:rPr lang="en-US"/>
               <a:t>Second level</a:t>
             </a:r>
           </a:p>
           <a:p>
             <a:pPr lvl="2"/>
             <a:r>
-              <a:rPr lang="en-US" smtClean="0"/>
+              <a:rPr lang="en-US"/>
               <a:t>Third level</a:t>
             </a:r>
           </a:p>
           <a:p>
             <a:pPr lvl="3"/>
             <a:r>
-              <a:rPr lang="en-US" smtClean="0"/>
+              <a:rPr lang="en-US"/>
               <a:t>Fourth level</a:t>
             </a:r>
           </a:p>
           <a:p>
             <a:pPr lvl="4"/>
             <a:r>
-              <a:rPr lang="en-US" smtClean="0"/>
+              <a:rPr lang="en-US"/>
               <a:t>Fifth level</a:t>
             </a:r>
-            <a:endParaRPr lang="en-US"/>
           </a:p>
         </p:txBody>
       </p:sp>
@@ -3881,7 +3855,7 @@
           <a:p>
             <a:fld id="{7A5C7CC7-A7C7-44A2-A763-681A3139D55C}" type="datetime1">
               <a:rPr lang="en-US" smtClean="0"/>
-              <a:t>1/26/2016</a:t>
+              <a:t>1/23/2017</a:t>
             </a:fld>
             <a:endParaRPr lang="en-US"/>
           </a:p>
@@ -3980,10 +3954,9 @@
           <a:lstStyle/>
           <a:p>
             <a:r>
-              <a:rPr lang="en-US" smtClean="0"/>
+              <a:rPr lang="en-US"/>
               <a:t>Click to edit Master title style</a:t>
             </a:r>
-            <a:endParaRPr lang="en-US"/>
           </a:p>
         </p:txBody>
       </p:sp>
@@ -4009,38 +3982,37 @@
           <a:p>
             <a:pPr lvl="0"/>
             <a:r>
-              <a:rPr lang="en-US" smtClean="0"/>
+              <a:rPr lang="en-US"/>
               <a:t>Click to edit Master text styles</a:t>
             </a:r>
           </a:p>
           <a:p>
             <a:pPr lvl="1"/>
             <a:r>
-              <a:rPr lang="en-US" smtClean="0"/>
+              <a:rPr lang="en-US"/>
               <a:t>Second level</a:t>
             </a:r>
           </a:p>
           <a:p>
             <a:pPr lvl="2"/>
             <a:r>
-              <a:rPr lang="en-US" smtClean="0"/>
+              <a:rPr lang="en-US"/>
               <a:t>Third level</a:t>
             </a:r>
           </a:p>
           <a:p>
             <a:pPr lvl="3"/>
             <a:r>
-              <a:rPr lang="en-US" smtClean="0"/>
+              <a:rPr lang="en-US"/>
               <a:t>Fourth level</a:t>
             </a:r>
           </a:p>
           <a:p>
             <a:pPr lvl="4"/>
             <a:r>
-              <a:rPr lang="en-US" smtClean="0"/>
+              <a:rPr lang="en-US"/>
               <a:t>Fifth level</a:t>
             </a:r>
-            <a:endParaRPr lang="en-US"/>
           </a:p>
         </p:txBody>
       </p:sp>
@@ -4061,7 +4033,7 @@
           <a:p>
             <a:fld id="{E8587F4F-5FAD-4F4C-AFC6-D917D1614028}" type="datetime1">
               <a:rPr lang="en-US" smtClean="0"/>
-              <a:t>1/26/2016</a:t>
+              <a:t>1/23/2017</a:t>
             </a:fld>
             <a:endParaRPr lang="en-US"/>
           </a:p>
@@ -4155,7 +4127,7 @@
           <a:lstStyle/>
           <a:p>
             <a:r>
-              <a:rPr lang="en-US" smtClean="0"/>
+              <a:rPr lang="en-US"/>
               <a:t>Click to edit Master title style</a:t>
             </a:r>
             <a:endParaRPr lang="en-SG"/>
@@ -4179,35 +4151,35 @@
           <a:p>
             <a:pPr lvl="0"/>
             <a:r>
-              <a:rPr lang="en-US" smtClean="0"/>
+              <a:rPr lang="en-US"/>
               <a:t>Click to edit Master text styles</a:t>
             </a:r>
           </a:p>
           <a:p>
             <a:pPr lvl="1"/>
             <a:r>
-              <a:rPr lang="en-US" smtClean="0"/>
+              <a:rPr lang="en-US"/>
               <a:t>Second level</a:t>
             </a:r>
           </a:p>
           <a:p>
             <a:pPr lvl="2"/>
             <a:r>
-              <a:rPr lang="en-US" smtClean="0"/>
+              <a:rPr lang="en-US"/>
               <a:t>Third level</a:t>
             </a:r>
           </a:p>
           <a:p>
             <a:pPr lvl="3"/>
             <a:r>
-              <a:rPr lang="en-US" smtClean="0"/>
+              <a:rPr lang="en-US"/>
               <a:t>Fourth level</a:t>
             </a:r>
           </a:p>
           <a:p>
             <a:pPr lvl="4"/>
             <a:r>
-              <a:rPr lang="en-US" smtClean="0"/>
+              <a:rPr lang="en-US"/>
               <a:t>Fifth level</a:t>
             </a:r>
             <a:endParaRPr lang="en-SG"/>
@@ -4231,7 +4203,7 @@
           <a:p>
             <a:fld id="{A4E079AD-47BF-4602-90E1-6DFC049A5484}" type="datetime1">
               <a:rPr lang="en-US" smtClean="0"/>
-              <a:t>1/26/2016</a:t>
+              <a:t>1/23/2017</a:t>
             </a:fld>
             <a:endParaRPr lang="en-US"/>
           </a:p>
@@ -4338,10 +4310,9 @@
           <a:lstStyle/>
           <a:p>
             <a:r>
-              <a:rPr lang="en-US" smtClean="0"/>
+              <a:rPr lang="en-US"/>
               <a:t>Click to edit Master title style</a:t>
             </a:r>
-            <a:endParaRPr lang="en-US"/>
           </a:p>
         </p:txBody>
       </p:sp>
@@ -4457,10 +4428,9 @@
           </a:lstStyle>
           <a:p>
             <a:r>
-              <a:rPr lang="en-US" smtClean="0"/>
+              <a:rPr lang="en-US"/>
               <a:t>Click to edit Master subtitle style</a:t>
             </a:r>
-            <a:endParaRPr lang="en-US"/>
           </a:p>
         </p:txBody>
       </p:sp>
@@ -4481,7 +4451,7 @@
           <a:p>
             <a:fld id="{A03A44E6-E8D4-49E9-90E3-CACB6DAAD05B}" type="datetime1">
               <a:rPr lang="en-US" smtClean="0"/>
-              <a:t>1/26/2016</a:t>
+              <a:t>1/23/2017</a:t>
             </a:fld>
             <a:endParaRPr lang="en-US"/>
           </a:p>
@@ -4583,10 +4553,9 @@
           <a:lstStyle/>
           <a:p>
             <a:r>
-              <a:rPr lang="en-US" smtClean="0"/>
+              <a:rPr lang="en-US"/>
               <a:t>Click to edit Master title style</a:t>
             </a:r>
-            <a:endParaRPr lang="en-US"/>
           </a:p>
         </p:txBody>
       </p:sp>
@@ -4607,38 +4576,37 @@
           <a:p>
             <a:pPr lvl="0"/>
             <a:r>
-              <a:rPr lang="en-US" smtClean="0"/>
+              <a:rPr lang="en-US"/>
               <a:t>Click to edit Master text styles</a:t>
             </a:r>
           </a:p>
           <a:p>
             <a:pPr lvl="1"/>
             <a:r>
-              <a:rPr lang="en-US" smtClean="0"/>
+              <a:rPr lang="en-US"/>
               <a:t>Second level</a:t>
             </a:r>
           </a:p>
           <a:p>
             <a:pPr lvl="2"/>
             <a:r>
-              <a:rPr lang="en-US" smtClean="0"/>
+              <a:rPr lang="en-US"/>
               <a:t>Third level</a:t>
             </a:r>
           </a:p>
           <a:p>
             <a:pPr lvl="3"/>
             <a:r>
-              <a:rPr lang="en-US" smtClean="0"/>
+              <a:rPr lang="en-US"/>
               <a:t>Fourth level</a:t>
             </a:r>
           </a:p>
           <a:p>
             <a:pPr lvl="4"/>
             <a:r>
-              <a:rPr lang="en-US" smtClean="0"/>
+              <a:rPr lang="en-US"/>
               <a:t>Fifth level</a:t>
             </a:r>
-            <a:endParaRPr lang="en-US"/>
           </a:p>
         </p:txBody>
       </p:sp>
@@ -4659,7 +4627,7 @@
           <a:p>
             <a:fld id="{32DBB816-C144-476E-951D-DEB86EEDC065}" type="datetime1">
               <a:rPr lang="en-US" smtClean="0"/>
-              <a:t>1/26/2016</a:t>
+              <a:t>1/23/2017</a:t>
             </a:fld>
             <a:endParaRPr lang="en-US"/>
           </a:p>
@@ -4770,10 +4738,9 @@
           </a:lstStyle>
           <a:p>
             <a:r>
-              <a:rPr lang="en-US" smtClean="0"/>
+              <a:rPr lang="en-US"/>
               <a:t>Click to edit Master title style</a:t>
             </a:r>
-            <a:endParaRPr lang="en-US"/>
           </a:p>
         </p:txBody>
       </p:sp>
@@ -4890,7 +4857,7 @@
           <a:p>
             <a:pPr lvl="0"/>
             <a:r>
-              <a:rPr lang="en-US" smtClean="0"/>
+              <a:rPr lang="en-US"/>
               <a:t>Click to edit Master text styles</a:t>
             </a:r>
           </a:p>
@@ -4913,7 +4880,7 @@
           <a:p>
             <a:fld id="{65D3BB8F-F6A8-4BB5-A7E1-80E720C01870}" type="datetime1">
               <a:rPr lang="en-US" smtClean="0"/>
-              <a:t>1/26/2016</a:t>
+              <a:t>1/23/2017</a:t>
             </a:fld>
             <a:endParaRPr lang="en-US"/>
           </a:p>
@@ -5015,10 +4982,9 @@
           <a:lstStyle/>
           <a:p>
             <a:r>
-              <a:rPr lang="en-US" smtClean="0"/>
+              <a:rPr lang="en-US"/>
               <a:t>Click to edit Master title style</a:t>
             </a:r>
-            <a:endParaRPr lang="en-US"/>
           </a:p>
         </p:txBody>
       </p:sp>
@@ -5072,38 +5038,37 @@
           <a:p>
             <a:pPr lvl="0"/>
             <a:r>
-              <a:rPr lang="en-US" smtClean="0"/>
+              <a:rPr lang="en-US"/>
               <a:t>Click to edit Master text styles</a:t>
             </a:r>
           </a:p>
           <a:p>
             <a:pPr lvl="1"/>
             <a:r>
-              <a:rPr lang="en-US" smtClean="0"/>
+              <a:rPr lang="en-US"/>
               <a:t>Second level</a:t>
             </a:r>
           </a:p>
           <a:p>
             <a:pPr lvl="2"/>
             <a:r>
-              <a:rPr lang="en-US" smtClean="0"/>
+              <a:rPr lang="en-US"/>
               <a:t>Third level</a:t>
             </a:r>
           </a:p>
           <a:p>
             <a:pPr lvl="3"/>
             <a:r>
-              <a:rPr lang="en-US" smtClean="0"/>
+              <a:rPr lang="en-US"/>
               <a:t>Fourth level</a:t>
             </a:r>
           </a:p>
           <a:p>
             <a:pPr lvl="4"/>
             <a:r>
-              <a:rPr lang="en-US" smtClean="0"/>
+              <a:rPr lang="en-US"/>
               <a:t>Fifth level</a:t>
             </a:r>
-            <a:endParaRPr lang="en-US"/>
           </a:p>
         </p:txBody>
       </p:sp>
@@ -5157,38 +5122,37 @@
           <a:p>
             <a:pPr lvl="0"/>
             <a:r>
-              <a:rPr lang="en-US" smtClean="0"/>
+              <a:rPr lang="en-US"/>
               <a:t>Click to edit Master text styles</a:t>
             </a:r>
           </a:p>
           <a:p>
             <a:pPr lvl="1"/>
             <a:r>
-              <a:rPr lang="en-US" smtClean="0"/>
+              <a:rPr lang="en-US"/>
               <a:t>Second level</a:t>
             </a:r>
           </a:p>
           <a:p>
             <a:pPr lvl="2"/>
             <a:r>
-              <a:rPr lang="en-US" smtClean="0"/>
+              <a:rPr lang="en-US"/>
               <a:t>Third level</a:t>
             </a:r>
           </a:p>
           <a:p>
             <a:pPr lvl="3"/>
             <a:r>
-              <a:rPr lang="en-US" smtClean="0"/>
+              <a:rPr lang="en-US"/>
               <a:t>Fourth level</a:t>
             </a:r>
           </a:p>
           <a:p>
             <a:pPr lvl="4"/>
             <a:r>
-              <a:rPr lang="en-US" smtClean="0"/>
+              <a:rPr lang="en-US"/>
               <a:t>Fifth level</a:t>
             </a:r>
-            <a:endParaRPr lang="en-US"/>
           </a:p>
         </p:txBody>
       </p:sp>
@@ -5209,7 +5173,7 @@
           <a:p>
             <a:fld id="{4A608807-CF6D-4535-941D-9CD5EC0CF299}" type="datetime1">
               <a:rPr lang="en-US" smtClean="0"/>
-              <a:t>1/26/2016</a:t>
+              <a:t>1/23/2017</a:t>
             </a:fld>
             <a:endParaRPr lang="en-US"/>
           </a:p>
@@ -5315,10 +5279,9 @@
           </a:lstStyle>
           <a:p>
             <a:r>
-              <a:rPr lang="en-US" smtClean="0"/>
+              <a:rPr lang="en-US"/>
               <a:t>Click to edit Master title style</a:t>
             </a:r>
-            <a:endParaRPr lang="en-US"/>
           </a:p>
         </p:txBody>
       </p:sp>
@@ -5381,7 +5344,7 @@
           <a:p>
             <a:pPr lvl="0"/>
             <a:r>
-              <a:rPr lang="en-US" smtClean="0"/>
+              <a:rPr lang="en-US"/>
               <a:t>Click to edit Master text styles</a:t>
             </a:r>
           </a:p>
@@ -5437,38 +5400,37 @@
           <a:p>
             <a:pPr lvl="0"/>
             <a:r>
-              <a:rPr lang="en-US" smtClean="0"/>
+              <a:rPr lang="en-US"/>
               <a:t>Click to edit Master text styles</a:t>
             </a:r>
           </a:p>
           <a:p>
             <a:pPr lvl="1"/>
             <a:r>
-              <a:rPr lang="en-US" smtClean="0"/>
+              <a:rPr lang="en-US"/>
               <a:t>Second level</a:t>
             </a:r>
           </a:p>
           <a:p>
             <a:pPr lvl="2"/>
             <a:r>
-              <a:rPr lang="en-US" smtClean="0"/>
+              <a:rPr lang="en-US"/>
               <a:t>Third level</a:t>
             </a:r>
           </a:p>
           <a:p>
             <a:pPr lvl="3"/>
             <a:r>
-              <a:rPr lang="en-US" smtClean="0"/>
+              <a:rPr lang="en-US"/>
               <a:t>Fourth level</a:t>
             </a:r>
           </a:p>
           <a:p>
             <a:pPr lvl="4"/>
             <a:r>
-              <a:rPr lang="en-US" smtClean="0"/>
+              <a:rPr lang="en-US"/>
               <a:t>Fifth level</a:t>
             </a:r>
-            <a:endParaRPr lang="en-US"/>
           </a:p>
         </p:txBody>
       </p:sp>
@@ -5531,7 +5493,7 @@
           <a:p>
             <a:pPr lvl="0"/>
             <a:r>
-              <a:rPr lang="en-US" smtClean="0"/>
+              <a:rPr lang="en-US"/>
               <a:t>Click to edit Master text styles</a:t>
             </a:r>
           </a:p>
@@ -5587,38 +5549,37 @@
           <a:p>
             <a:pPr lvl="0"/>
             <a:r>
-              <a:rPr lang="en-US" smtClean="0"/>
+              <a:rPr lang="en-US"/>
               <a:t>Click to edit Master text styles</a:t>
             </a:r>
           </a:p>
           <a:p>
             <a:pPr lvl="1"/>
             <a:r>
-              <a:rPr lang="en-US" smtClean="0"/>
+              <a:rPr lang="en-US"/>
               <a:t>Second level</a:t>
             </a:r>
           </a:p>
           <a:p>
             <a:pPr lvl="2"/>
             <a:r>
-              <a:rPr lang="en-US" smtClean="0"/>
+              <a:rPr lang="en-US"/>
               <a:t>Third level</a:t>
             </a:r>
           </a:p>
           <a:p>
             <a:pPr lvl="3"/>
             <a:r>
-              <a:rPr lang="en-US" smtClean="0"/>
+              <a:rPr lang="en-US"/>
               <a:t>Fourth level</a:t>
             </a:r>
           </a:p>
           <a:p>
             <a:pPr lvl="4"/>
             <a:r>
-              <a:rPr lang="en-US" smtClean="0"/>
+              <a:rPr lang="en-US"/>
               <a:t>Fifth level</a:t>
             </a:r>
-            <a:endParaRPr lang="en-US"/>
           </a:p>
         </p:txBody>
       </p:sp>
@@ -5639,7 +5600,7 @@
           <a:p>
             <a:fld id="{16B0049A-7B25-4151-A386-BF3C23675314}" type="datetime1">
               <a:rPr lang="en-US" smtClean="0"/>
-              <a:t>1/26/2016</a:t>
+              <a:t>1/23/2017</a:t>
             </a:fld>
             <a:endParaRPr lang="en-US"/>
           </a:p>
@@ -5742,10 +5703,9 @@
           </a:lstStyle>
           <a:p>
             <a:r>
-              <a:rPr lang="en-US" smtClean="0"/>
+              <a:rPr lang="en-US"/>
               <a:t>Click to edit Master title style</a:t>
             </a:r>
-            <a:endParaRPr lang="en-US"/>
           </a:p>
         </p:txBody>
       </p:sp>
@@ -5862,7 +5822,7 @@
           <a:p>
             <a:pPr lvl="0"/>
             <a:r>
-              <a:rPr lang="en-US" smtClean="0"/>
+              <a:rPr lang="en-US"/>
               <a:t>Click to edit Master text styles</a:t>
             </a:r>
           </a:p>
@@ -5885,7 +5845,7 @@
           <a:p>
             <a:fld id="{14C3D302-F44D-4C48-9AB4-E66C7AAD59FC}" type="datetime1">
               <a:rPr lang="en-US" smtClean="0"/>
-              <a:t>1/26/2016</a:t>
+              <a:t>1/23/2017</a:t>
             </a:fld>
             <a:endParaRPr lang="en-US"/>
           </a:p>
@@ -5987,10 +5947,9 @@
           <a:lstStyle/>
           <a:p>
             <a:r>
-              <a:rPr lang="en-US" smtClean="0"/>
+              <a:rPr lang="en-US"/>
               <a:t>Click to edit Master title style</a:t>
             </a:r>
-            <a:endParaRPr lang="en-US"/>
           </a:p>
         </p:txBody>
       </p:sp>
@@ -6011,7 +5970,7 @@
           <a:p>
             <a:fld id="{4669EECD-01E4-4572-8BD0-2717E3AC353F}" type="datetime1">
               <a:rPr lang="en-US" smtClean="0"/>
-              <a:t>1/26/2016</a:t>
+              <a:t>1/23/2017</a:t>
             </a:fld>
             <a:endParaRPr lang="en-US"/>
           </a:p>
@@ -6114,7 +6073,7 @@
           <a:p>
             <a:fld id="{FBF63299-772A-4EF5-BD70-5AE6174D1B6C}" type="datetime1">
               <a:rPr lang="en-US" smtClean="0"/>
-              <a:t>1/26/2016</a:t>
+              <a:t>1/23/2017</a:t>
             </a:fld>
             <a:endParaRPr lang="en-US"/>
           </a:p>
@@ -6225,10 +6184,9 @@
           </a:lstStyle>
           <a:p>
             <a:r>
-              <a:rPr lang="en-US" smtClean="0"/>
+              <a:rPr lang="en-US"/>
               <a:t>Click to edit Master title style</a:t>
             </a:r>
-            <a:endParaRPr lang="en-US"/>
           </a:p>
         </p:txBody>
       </p:sp>
@@ -6282,38 +6240,37 @@
           <a:p>
             <a:pPr lvl="0"/>
             <a:r>
-              <a:rPr lang="en-US" smtClean="0"/>
+              <a:rPr lang="en-US"/>
               <a:t>Click to edit Master text styles</a:t>
             </a:r>
           </a:p>
           <a:p>
             <a:pPr lvl="1"/>
             <a:r>
-              <a:rPr lang="en-US" smtClean="0"/>
+              <a:rPr lang="en-US"/>
               <a:t>Second level</a:t>
             </a:r>
           </a:p>
           <a:p>
             <a:pPr lvl="2"/>
             <a:r>
-              <a:rPr lang="en-US" smtClean="0"/>
+              <a:rPr lang="en-US"/>
               <a:t>Third level</a:t>
             </a:r>
           </a:p>
           <a:p>
             <a:pPr lvl="3"/>
             <a:r>
-              <a:rPr lang="en-US" smtClean="0"/>
+              <a:rPr lang="en-US"/>
               <a:t>Fourth level</a:t>
             </a:r>
           </a:p>
           <a:p>
             <a:pPr lvl="4"/>
             <a:r>
-              <a:rPr lang="en-US" smtClean="0"/>
+              <a:rPr lang="en-US"/>
               <a:t>Fifth level</a:t>
             </a:r>
-            <a:endParaRPr lang="en-US"/>
           </a:p>
         </p:txBody>
       </p:sp>
@@ -6376,7 +6333,7 @@
           <a:p>
             <a:pPr lvl="0"/>
             <a:r>
-              <a:rPr lang="en-US" smtClean="0"/>
+              <a:rPr lang="en-US"/>
               <a:t>Click to edit Master text styles</a:t>
             </a:r>
           </a:p>
@@ -6399,7 +6356,7 @@
           <a:p>
             <a:fld id="{BA37D725-F957-4CB0-95B7-2EACDECFF9EB}" type="datetime1">
               <a:rPr lang="en-US" smtClean="0"/>
-              <a:t>1/26/2016</a:t>
+              <a:t>1/23/2017</a:t>
             </a:fld>
             <a:endParaRPr lang="en-US"/>
           </a:p>
@@ -6510,10 +6467,9 @@
           </a:lstStyle>
           <a:p>
             <a:r>
-              <a:rPr lang="en-US" smtClean="0"/>
+              <a:rPr lang="en-US"/>
               <a:t>Click to edit Master title style</a:t>
             </a:r>
-            <a:endParaRPr lang="en-US"/>
           </a:p>
         </p:txBody>
       </p:sp>
@@ -6637,7 +6593,7 @@
           <a:p>
             <a:pPr lvl="0"/>
             <a:r>
-              <a:rPr lang="en-US" smtClean="0"/>
+              <a:rPr lang="en-US"/>
               <a:t>Click to edit Master text styles</a:t>
             </a:r>
           </a:p>
@@ -6660,7 +6616,7 @@
           <a:p>
             <a:fld id="{C3D550D7-A999-41A7-9C9D-0907FC814ADA}" type="datetime1">
               <a:rPr lang="en-US" smtClean="0"/>
-              <a:t>1/26/2016</a:t>
+              <a:t>1/23/2017</a:t>
             </a:fld>
             <a:endParaRPr lang="en-US"/>
           </a:p>
@@ -6762,10 +6718,9 @@
           <a:lstStyle/>
           <a:p>
             <a:r>
-              <a:rPr lang="en-US" smtClean="0"/>
+              <a:rPr lang="en-US"/>
               <a:t>Click to edit Master title style</a:t>
             </a:r>
-            <a:endParaRPr lang="en-US"/>
           </a:p>
         </p:txBody>
       </p:sp>
@@ -6786,38 +6741,37 @@
           <a:p>
             <a:pPr lvl="0"/>
             <a:r>
-              <a:rPr lang="en-US" smtClean="0"/>
+              <a:rPr lang="en-US"/>
               <a:t>Click to edit Master text styles</a:t>
             </a:r>
           </a:p>
           <a:p>
             <a:pPr lvl="1"/>
             <a:r>
-              <a:rPr lang="en-US" smtClean="0"/>
+              <a:rPr lang="en-US"/>
               <a:t>Second level</a:t>
             </a:r>
           </a:p>
           <a:p>
             <a:pPr lvl="2"/>
             <a:r>
-              <a:rPr lang="en-US" smtClean="0"/>
+              <a:rPr lang="en-US"/>
               <a:t>Third level</a:t>
             </a:r>
           </a:p>
           <a:p>
             <a:pPr lvl="3"/>
             <a:r>
-              <a:rPr lang="en-US" smtClean="0"/>
+              <a:rPr lang="en-US"/>
               <a:t>Fourth level</a:t>
             </a:r>
           </a:p>
           <a:p>
             <a:pPr lvl="4"/>
             <a:r>
-              <a:rPr lang="en-US" smtClean="0"/>
+              <a:rPr lang="en-US"/>
               <a:t>Fifth level</a:t>
             </a:r>
-            <a:endParaRPr lang="en-US"/>
           </a:p>
         </p:txBody>
       </p:sp>
@@ -6838,7 +6792,7 @@
           <a:p>
             <a:fld id="{94CBEF62-12B4-4E5F-BF0F-771E98D7289F}" type="datetime1">
               <a:rPr lang="en-US" smtClean="0"/>
-              <a:t>1/26/2016</a:t>
+              <a:t>1/23/2017</a:t>
             </a:fld>
             <a:endParaRPr lang="en-US"/>
           </a:p>
@@ -6945,10 +6899,9 @@
           <a:lstStyle/>
           <a:p>
             <a:r>
-              <a:rPr lang="en-US" smtClean="0"/>
+              <a:rPr lang="en-US"/>
               <a:t>Click to edit Master title style</a:t>
             </a:r>
-            <a:endParaRPr lang="en-US"/>
           </a:p>
         </p:txBody>
       </p:sp>
@@ -6974,38 +6927,37 @@
           <a:p>
             <a:pPr lvl="0"/>
             <a:r>
-              <a:rPr lang="en-US" smtClean="0"/>
+              <a:rPr lang="en-US"/>
               <a:t>Click to edit Master text styles</a:t>
             </a:r>
           </a:p>
           <a:p>
             <a:pPr lvl="1"/>
             <a:r>
-              <a:rPr lang="en-US" smtClean="0"/>
+              <a:rPr lang="en-US"/>
               <a:t>Second level</a:t>
             </a:r>
           </a:p>
           <a:p>
             <a:pPr lvl="2"/>
             <a:r>
-              <a:rPr lang="en-US" smtClean="0"/>
+              <a:rPr lang="en-US"/>
               <a:t>Third level</a:t>
             </a:r>
           </a:p>
           <a:p>
             <a:pPr lvl="3"/>
             <a:r>
-              <a:rPr lang="en-US" smtClean="0"/>
+              <a:rPr lang="en-US"/>
               <a:t>Fourth level</a:t>
             </a:r>
           </a:p>
           <a:p>
             <a:pPr lvl="4"/>
             <a:r>
-              <a:rPr lang="en-US" smtClean="0"/>
+              <a:rPr lang="en-US"/>
               <a:t>Fifth level</a:t>
             </a:r>
-            <a:endParaRPr lang="en-US"/>
           </a:p>
         </p:txBody>
       </p:sp>
@@ -7026,7 +6978,7 @@
           <a:p>
             <a:fld id="{BCA8447D-ABEA-40EB-B9FF-53F7381F0DEE}" type="datetime1">
               <a:rPr lang="en-US" smtClean="0"/>
-              <a:t>1/26/2016</a:t>
+              <a:t>1/23/2017</a:t>
             </a:fld>
             <a:endParaRPr lang="en-US"/>
           </a:p>
@@ -7120,7 +7072,7 @@
           <a:lstStyle/>
           <a:p>
             <a:r>
-              <a:rPr lang="en-US" smtClean="0"/>
+              <a:rPr lang="en-US"/>
               <a:t>Click to edit Master title style</a:t>
             </a:r>
             <a:endParaRPr lang="en-SG"/>
@@ -7144,35 +7096,35 @@
           <a:p>
             <a:pPr lvl="0"/>
             <a:r>
-              <a:rPr lang="en-US" smtClean="0"/>
+              <a:rPr lang="en-US"/>
               <a:t>Click to edit Master text styles</a:t>
             </a:r>
           </a:p>
           <a:p>
             <a:pPr lvl="1"/>
             <a:r>
-              <a:rPr lang="en-US" smtClean="0"/>
+              <a:rPr lang="en-US"/>
               <a:t>Second level</a:t>
             </a:r>
           </a:p>
           <a:p>
             <a:pPr lvl="2"/>
             <a:r>
-              <a:rPr lang="en-US" smtClean="0"/>
+              <a:rPr lang="en-US"/>
               <a:t>Third level</a:t>
             </a:r>
           </a:p>
           <a:p>
             <a:pPr lvl="3"/>
             <a:r>
-              <a:rPr lang="en-US" smtClean="0"/>
+              <a:rPr lang="en-US"/>
               <a:t>Fourth level</a:t>
             </a:r>
           </a:p>
           <a:p>
             <a:pPr lvl="4"/>
             <a:r>
-              <a:rPr lang="en-US" smtClean="0"/>
+              <a:rPr lang="en-US"/>
               <a:t>Fifth level</a:t>
             </a:r>
             <a:endParaRPr lang="en-SG"/>
@@ -7196,7 +7148,7 @@
           <a:p>
             <a:fld id="{C3A25FC6-4A5B-4D03-B6E2-74CEF1309020}" type="datetime1">
               <a:rPr lang="en-US" smtClean="0"/>
-              <a:t>1/26/2016</a:t>
+              <a:t>1/23/2017</a:t>
             </a:fld>
             <a:endParaRPr lang="en-US"/>
           </a:p>
@@ -7290,10 +7242,9 @@
           <a:lstStyle/>
           <a:p>
             <a:r>
-              <a:rPr lang="en-US" smtClean="0"/>
+              <a:rPr lang="en-US"/>
               <a:t>Click to edit Master title style</a:t>
             </a:r>
-            <a:endParaRPr lang="en-US"/>
           </a:p>
         </p:txBody>
       </p:sp>
@@ -7347,38 +7298,37 @@
           <a:p>
             <a:pPr lvl="0"/>
             <a:r>
-              <a:rPr lang="en-US" smtClean="0"/>
+              <a:rPr lang="en-US"/>
               <a:t>Click to edit Master text styles</a:t>
             </a:r>
           </a:p>
           <a:p>
             <a:pPr lvl="1"/>
             <a:r>
-              <a:rPr lang="en-US" smtClean="0"/>
+              <a:rPr lang="en-US"/>
               <a:t>Second level</a:t>
             </a:r>
           </a:p>
           <a:p>
             <a:pPr lvl="2"/>
             <a:r>
-              <a:rPr lang="en-US" smtClean="0"/>
+              <a:rPr lang="en-US"/>
               <a:t>Third level</a:t>
             </a:r>
           </a:p>
           <a:p>
             <a:pPr lvl="3"/>
             <a:r>
-              <a:rPr lang="en-US" smtClean="0"/>
+              <a:rPr lang="en-US"/>
               <a:t>Fourth level</a:t>
             </a:r>
           </a:p>
           <a:p>
             <a:pPr lvl="4"/>
             <a:r>
-              <a:rPr lang="en-US" smtClean="0"/>
+              <a:rPr lang="en-US"/>
               <a:t>Fifth level</a:t>
             </a:r>
-            <a:endParaRPr lang="en-US"/>
           </a:p>
         </p:txBody>
       </p:sp>
@@ -7432,38 +7382,37 @@
           <a:p>
             <a:pPr lvl="0"/>
             <a:r>
-              <a:rPr lang="en-US" smtClean="0"/>
+              <a:rPr lang="en-US"/>
               <a:t>Click to edit Master text styles</a:t>
             </a:r>
           </a:p>
           <a:p>
             <a:pPr lvl="1"/>
             <a:r>
-              <a:rPr lang="en-US" smtClean="0"/>
+              <a:rPr lang="en-US"/>
               <a:t>Second level</a:t>
             </a:r>
           </a:p>
           <a:p>
             <a:pPr lvl="2"/>
             <a:r>
-              <a:rPr lang="en-US" smtClean="0"/>
+              <a:rPr lang="en-US"/>
               <a:t>Third level</a:t>
             </a:r>
           </a:p>
           <a:p>
             <a:pPr lvl="3"/>
             <a:r>
-              <a:rPr lang="en-US" smtClean="0"/>
+              <a:rPr lang="en-US"/>
               <a:t>Fourth level</a:t>
             </a:r>
           </a:p>
           <a:p>
             <a:pPr lvl="4"/>
             <a:r>
-              <a:rPr lang="en-US" smtClean="0"/>
+              <a:rPr lang="en-US"/>
               <a:t>Fifth level</a:t>
             </a:r>
-            <a:endParaRPr lang="en-US"/>
           </a:p>
         </p:txBody>
       </p:sp>
@@ -7484,7 +7433,7 @@
           <a:p>
             <a:fld id="{4B1E226B-FA54-4BDC-8201-19269D734AFD}" type="datetime1">
               <a:rPr lang="en-US" smtClean="0"/>
-              <a:t>1/26/2016</a:t>
+              <a:t>1/23/2017</a:t>
             </a:fld>
             <a:endParaRPr lang="en-US"/>
           </a:p>
@@ -7582,10 +7531,9 @@
           </a:lstStyle>
           <a:p>
             <a:r>
-              <a:rPr lang="en-US" smtClean="0"/>
+              <a:rPr lang="en-US"/>
               <a:t>Click to edit Master title style</a:t>
             </a:r>
-            <a:endParaRPr lang="en-US"/>
           </a:p>
         </p:txBody>
       </p:sp>
@@ -7648,7 +7596,7 @@
           <a:p>
             <a:pPr lvl="0"/>
             <a:r>
-              <a:rPr lang="en-US" smtClean="0"/>
+              <a:rPr lang="en-US"/>
               <a:t>Click to edit Master text styles</a:t>
             </a:r>
           </a:p>
@@ -7704,38 +7652,37 @@
           <a:p>
             <a:pPr lvl="0"/>
             <a:r>
-              <a:rPr lang="en-US" smtClean="0"/>
+              <a:rPr lang="en-US"/>
               <a:t>Click to edit Master text styles</a:t>
             </a:r>
           </a:p>
           <a:p>
             <a:pPr lvl="1"/>
             <a:r>
-              <a:rPr lang="en-US" smtClean="0"/>
+              <a:rPr lang="en-US"/>
               <a:t>Second level</a:t>
             </a:r>
           </a:p>
           <a:p>
             <a:pPr lvl="2"/>
             <a:r>
-              <a:rPr lang="en-US" smtClean="0"/>
+              <a:rPr lang="en-US"/>
               <a:t>Third level</a:t>
             </a:r>
           </a:p>
           <a:p>
             <a:pPr lvl="3"/>
             <a:r>
-              <a:rPr lang="en-US" smtClean="0"/>
+              <a:rPr lang="en-US"/>
               <a:t>Fourth level</a:t>
             </a:r>
           </a:p>
           <a:p>
             <a:pPr lvl="4"/>
             <a:r>
-              <a:rPr lang="en-US" smtClean="0"/>
+              <a:rPr lang="en-US"/>
               <a:t>Fifth level</a:t>
             </a:r>
-            <a:endParaRPr lang="en-US"/>
           </a:p>
         </p:txBody>
       </p:sp>
@@ -7798,7 +7745,7 @@
           <a:p>
             <a:pPr lvl="0"/>
             <a:r>
-              <a:rPr lang="en-US" smtClean="0"/>
+              <a:rPr lang="en-US"/>
               <a:t>Click to edit Master text styles</a:t>
             </a:r>
           </a:p>
@@ -7854,38 +7801,37 @@
           <a:p>
             <a:pPr lvl="0"/>
             <a:r>
-              <a:rPr lang="en-US" smtClean="0"/>
+              <a:rPr lang="en-US"/>
               <a:t>Click to edit Master text styles</a:t>
             </a:r>
           </a:p>
           <a:p>
             <a:pPr lvl="1"/>
             <a:r>
-              <a:rPr lang="en-US" smtClean="0"/>
+              <a:rPr lang="en-US"/>
               <a:t>Second level</a:t>
             </a:r>
           </a:p>
           <a:p>
             <a:pPr lvl="2"/>
             <a:r>
-              <a:rPr lang="en-US" smtClean="0"/>
+              <a:rPr lang="en-US"/>
               <a:t>Third level</a:t>
             </a:r>
           </a:p>
           <a:p>
             <a:pPr lvl="3"/>
             <a:r>
-              <a:rPr lang="en-US" smtClean="0"/>
+              <a:rPr lang="en-US"/>
               <a:t>Fourth level</a:t>
             </a:r>
           </a:p>
           <a:p>
             <a:pPr lvl="4"/>
             <a:r>
-              <a:rPr lang="en-US" smtClean="0"/>
+              <a:rPr lang="en-US"/>
               <a:t>Fifth level</a:t>
             </a:r>
-            <a:endParaRPr lang="en-US"/>
           </a:p>
         </p:txBody>
       </p:sp>
@@ -7906,7 +7852,7 @@
           <a:p>
             <a:fld id="{A48FD302-A4C5-460E-821E-F0758F7B09DB}" type="datetime1">
               <a:rPr lang="en-US" smtClean="0"/>
-              <a:t>1/26/2016</a:t>
+              <a:t>1/23/2017</a:t>
             </a:fld>
             <a:endParaRPr lang="en-US"/>
           </a:p>
@@ -8000,10 +7946,9 @@
           <a:lstStyle/>
           <a:p>
             <a:r>
-              <a:rPr lang="en-US" smtClean="0"/>
+              <a:rPr lang="en-US"/>
               <a:t>Click to edit Master title style</a:t>
             </a:r>
-            <a:endParaRPr lang="en-US"/>
           </a:p>
         </p:txBody>
       </p:sp>
@@ -8024,7 +7969,7 @@
           <a:p>
             <a:fld id="{64F717C0-D4DB-442B-8C0B-8E7BE0603337}" type="datetime1">
               <a:rPr lang="en-US" smtClean="0"/>
-              <a:t>1/26/2016</a:t>
+              <a:t>1/23/2017</a:t>
             </a:fld>
             <a:endParaRPr lang="en-US"/>
           </a:p>
@@ -8119,7 +8064,7 @@
           <a:p>
             <a:fld id="{63D346FC-DDDE-41B4-8118-AA4FFA556266}" type="datetime1">
               <a:rPr lang="en-US" smtClean="0"/>
-              <a:t>1/26/2016</a:t>
+              <a:t>1/23/2017</a:t>
             </a:fld>
             <a:endParaRPr lang="en-US"/>
           </a:p>
@@ -8222,10 +8167,9 @@
           </a:lstStyle>
           <a:p>
             <a:r>
-              <a:rPr lang="en-US" smtClean="0"/>
+              <a:rPr lang="en-US"/>
               <a:t>Click to edit Master title style</a:t>
             </a:r>
-            <a:endParaRPr lang="en-US"/>
           </a:p>
         </p:txBody>
       </p:sp>
@@ -8279,38 +8223,37 @@
           <a:p>
             <a:pPr lvl="0"/>
             <a:r>
-              <a:rPr lang="en-US" smtClean="0"/>
+              <a:rPr lang="en-US"/>
               <a:t>Click to edit Master text styles</a:t>
             </a:r>
           </a:p>
           <a:p>
             <a:pPr lvl="1"/>
             <a:r>
-              <a:rPr lang="en-US" smtClean="0"/>
+              <a:rPr lang="en-US"/>
               <a:t>Second level</a:t>
             </a:r>
           </a:p>
           <a:p>
             <a:pPr lvl="2"/>
             <a:r>
-              <a:rPr lang="en-US" smtClean="0"/>
+              <a:rPr lang="en-US"/>
               <a:t>Third level</a:t>
             </a:r>
           </a:p>
           <a:p>
             <a:pPr lvl="3"/>
             <a:r>
-              <a:rPr lang="en-US" smtClean="0"/>
+              <a:rPr lang="en-US"/>
               <a:t>Fourth level</a:t>
             </a:r>
           </a:p>
           <a:p>
             <a:pPr lvl="4"/>
             <a:r>
-              <a:rPr lang="en-US" smtClean="0"/>
+              <a:rPr lang="en-US"/>
               <a:t>Fifth level</a:t>
             </a:r>
-            <a:endParaRPr lang="en-US"/>
           </a:p>
         </p:txBody>
       </p:sp>
@@ -8373,7 +8316,7 @@
           <a:p>
             <a:pPr lvl="0"/>
             <a:r>
-              <a:rPr lang="en-US" smtClean="0"/>
+              <a:rPr lang="en-US"/>
               <a:t>Click to edit Master text styles</a:t>
             </a:r>
           </a:p>
@@ -8396,7 +8339,7 @@
           <a:p>
             <a:fld id="{ADB0AC3C-FFED-4EAE-A34D-B9688C9307A5}" type="datetime1">
               <a:rPr lang="en-US" smtClean="0"/>
-              <a:t>1/26/2016</a:t>
+              <a:t>1/23/2017</a:t>
             </a:fld>
             <a:endParaRPr lang="en-US"/>
           </a:p>
@@ -8499,10 +8442,9 @@
           </a:lstStyle>
           <a:p>
             <a:r>
-              <a:rPr lang="en-US" smtClean="0"/>
+              <a:rPr lang="en-US"/>
               <a:t>Click to edit Master title style</a:t>
             </a:r>
-            <a:endParaRPr lang="en-US"/>
           </a:p>
         </p:txBody>
       </p:sp>
@@ -8626,7 +8568,7 @@
           <a:p>
             <a:pPr lvl="0"/>
             <a:r>
-              <a:rPr lang="en-US" smtClean="0"/>
+              <a:rPr lang="en-US"/>
               <a:t>Click to edit Master text styles</a:t>
             </a:r>
           </a:p>
@@ -8649,7 +8591,7 @@
           <a:p>
             <a:fld id="{D7BB1A1F-54B4-4384-8791-9183BFC3954E}" type="datetime1">
               <a:rPr lang="en-US" smtClean="0"/>
-              <a:t>1/26/2016</a:t>
+              <a:t>1/23/2017</a:t>
             </a:fld>
             <a:endParaRPr lang="en-US"/>
           </a:p>
@@ -8758,10 +8700,9 @@
           <a:lstStyle/>
           <a:p>
             <a:r>
-              <a:rPr lang="en-US" smtClean="0"/>
+              <a:rPr lang="en-US"/>
               <a:t>Click to edit Master title style</a:t>
             </a:r>
-            <a:endParaRPr lang="en-US"/>
           </a:p>
         </p:txBody>
       </p:sp>
@@ -8792,38 +8733,37 @@
           <a:p>
             <a:pPr lvl="0"/>
             <a:r>
-              <a:rPr lang="en-US" smtClean="0"/>
+              <a:rPr lang="en-US"/>
               <a:t>Click to edit Master text styles</a:t>
             </a:r>
           </a:p>
           <a:p>
             <a:pPr lvl="1"/>
             <a:r>
-              <a:rPr lang="en-US" smtClean="0"/>
+              <a:rPr lang="en-US"/>
               <a:t>Second level</a:t>
             </a:r>
           </a:p>
           <a:p>
             <a:pPr lvl="2"/>
             <a:r>
-              <a:rPr lang="en-US" smtClean="0"/>
+              <a:rPr lang="en-US"/>
               <a:t>Third level</a:t>
             </a:r>
           </a:p>
           <a:p>
             <a:pPr lvl="3"/>
             <a:r>
-              <a:rPr lang="en-US" smtClean="0"/>
+              <a:rPr lang="en-US"/>
               <a:t>Fourth level</a:t>
             </a:r>
           </a:p>
           <a:p>
             <a:pPr lvl="4"/>
             <a:r>
-              <a:rPr lang="en-US" smtClean="0"/>
+              <a:rPr lang="en-US"/>
               <a:t>Fifth level</a:t>
             </a:r>
-            <a:endParaRPr lang="en-US"/>
           </a:p>
         </p:txBody>
       </p:sp>
@@ -8862,7 +8802,7 @@
           <a:p>
             <a:fld id="{4FF4215C-EF9E-4499-8028-3F6D416200A1}" type="datetime1">
               <a:rPr lang="en-US" smtClean="0"/>
-              <a:t>1/26/2016</a:t>
+              <a:t>1/23/2017</a:t>
             </a:fld>
             <a:endParaRPr lang="en-US"/>
           </a:p>
@@ -9275,10 +9215,9 @@
           <a:lstStyle/>
           <a:p>
             <a:r>
-              <a:rPr lang="en-US" smtClean="0"/>
+              <a:rPr lang="en-US"/>
               <a:t>Click to edit Master title style</a:t>
             </a:r>
-            <a:endParaRPr lang="en-US"/>
           </a:p>
         </p:txBody>
       </p:sp>
@@ -9309,38 +9248,37 @@
           <a:p>
             <a:pPr lvl="0"/>
             <a:r>
-              <a:rPr lang="en-US" smtClean="0"/>
+              <a:rPr lang="en-US"/>
               <a:t>Click to edit Master text styles</a:t>
             </a:r>
           </a:p>
           <a:p>
             <a:pPr lvl="1"/>
             <a:r>
-              <a:rPr lang="en-US" smtClean="0"/>
+              <a:rPr lang="en-US"/>
               <a:t>Second level</a:t>
             </a:r>
           </a:p>
           <a:p>
             <a:pPr lvl="2"/>
             <a:r>
-              <a:rPr lang="en-US" smtClean="0"/>
+              <a:rPr lang="en-US"/>
               <a:t>Third level</a:t>
             </a:r>
           </a:p>
           <a:p>
             <a:pPr lvl="3"/>
             <a:r>
-              <a:rPr lang="en-US" smtClean="0"/>
+              <a:rPr lang="en-US"/>
               <a:t>Fourth level</a:t>
             </a:r>
           </a:p>
           <a:p>
             <a:pPr lvl="4"/>
             <a:r>
-              <a:rPr lang="en-US" smtClean="0"/>
+              <a:rPr lang="en-US"/>
               <a:t>Fifth level</a:t>
             </a:r>
-            <a:endParaRPr lang="en-US"/>
           </a:p>
         </p:txBody>
       </p:sp>
@@ -9379,7 +9317,7 @@
           <a:p>
             <a:fld id="{A4E079AD-47BF-4602-90E1-6DFC049A5484}" type="datetime1">
               <a:rPr lang="en-US" smtClean="0"/>
-              <a:t>1/26/2016</a:t>
+              <a:t>1/23/2017</a:t>
             </a:fld>
             <a:endParaRPr lang="en-US"/>
           </a:p>
@@ -9790,10 +9728,9 @@
           <a:lstStyle/>
           <a:p>
             <a:r>
-              <a:rPr lang="en-US" dirty="0" smtClean="0"/>
+              <a:rPr lang="en-US" dirty="0"/>
               <a:t>Click to edit Master title style</a:t>
             </a:r>
-            <a:endParaRPr lang="en-US" dirty="0"/>
           </a:p>
         </p:txBody>
       </p:sp>
@@ -9824,38 +9761,37 @@
           <a:p>
             <a:pPr lvl="0"/>
             <a:r>
-              <a:rPr lang="en-US" smtClean="0"/>
+              <a:rPr lang="en-US"/>
               <a:t>Click to edit Master text styles</a:t>
             </a:r>
           </a:p>
           <a:p>
             <a:pPr lvl="1"/>
             <a:r>
-              <a:rPr lang="en-US" smtClean="0"/>
+              <a:rPr lang="en-US"/>
               <a:t>Second level</a:t>
             </a:r>
           </a:p>
           <a:p>
             <a:pPr lvl="2"/>
             <a:r>
-              <a:rPr lang="en-US" smtClean="0"/>
+              <a:rPr lang="en-US"/>
               <a:t>Third level</a:t>
             </a:r>
           </a:p>
           <a:p>
             <a:pPr lvl="3"/>
             <a:r>
-              <a:rPr lang="en-US" smtClean="0"/>
+              <a:rPr lang="en-US"/>
               <a:t>Fourth level</a:t>
             </a:r>
           </a:p>
           <a:p>
             <a:pPr lvl="4"/>
             <a:r>
-              <a:rPr lang="en-US" smtClean="0"/>
+              <a:rPr lang="en-US"/>
               <a:t>Fifth level</a:t>
             </a:r>
-            <a:endParaRPr lang="en-US"/>
           </a:p>
         </p:txBody>
       </p:sp>
@@ -9894,7 +9830,7 @@
           <a:p>
             <a:fld id="{C3A25FC6-4A5B-4D03-B6E2-74CEF1309020}" type="datetime1">
               <a:rPr lang="en-US" smtClean="0"/>
-              <a:t>1/26/2016</a:t>
+              <a:t>1/23/2017</a:t>
             </a:fld>
             <a:endParaRPr lang="en-US"/>
           </a:p>
@@ -10297,7 +10233,7 @@
           <a:p>
             <a:pPr algn="ctr"/>
             <a:r>
-              <a:rPr lang="en-SG" b="1" smtClean="0">
+              <a:rPr lang="en-SG" b="1">
                 <a:solidFill>
                   <a:srgbClr val="FFFF00"/>
                 </a:solidFill>
@@ -10308,18 +10244,13 @@
           <a:p>
             <a:pPr algn="ctr"/>
             <a:r>
-              <a:rPr lang="en-SG" smtClean="0">
+              <a:rPr lang="en-SG">
                 <a:solidFill>
                   <a:srgbClr val="FFFFFF"/>
                 </a:solidFill>
               </a:rPr>
               <a:t>Adjust the design of this slide and click the 'Sync Agenda' (in Agenda Lab) to replicate the design in the other slides.</a:t>
             </a:r>
-            <a:endParaRPr lang="en-SG">
-              <a:solidFill>
-                <a:srgbClr val="FFFFFF"/>
-              </a:solidFill>
-            </a:endParaRPr>
           </a:p>
         </p:txBody>
       </p:sp>
@@ -10339,10 +10270,9 @@
           <a:lstStyle/>
           <a:p>
             <a:r>
-              <a:rPr lang="en-SG" smtClean="0"/>
+              <a:rPr lang="en-SG"/>
               <a:t>Agenda</a:t>
             </a:r>
-            <a:endParaRPr lang="en-SG"/>
           </a:p>
         </p:txBody>
       </p:sp>
@@ -10362,7 +10292,7 @@
           <a:lstStyle/>
           <a:p>
             <a:r>
-              <a:rPr lang="en-SG" smtClean="0">
+              <a:rPr lang="en-SG">
                 <a:solidFill>
                   <a:srgbClr val="808080"/>
                 </a:solidFill>
@@ -10372,7 +10302,7 @@
           </a:p>
           <a:p>
             <a:r>
-              <a:rPr lang="en-SG" smtClean="0">
+              <a:rPr lang="en-SG">
                 <a:solidFill>
                   <a:srgbClr val="FF0000"/>
                 </a:solidFill>
@@ -10382,18 +10312,13 @@
           </a:p>
           <a:p>
             <a:r>
-              <a:rPr lang="en-SG" smtClean="0">
+              <a:rPr lang="en-SG">
                 <a:solidFill>
                   <a:srgbClr val="000000"/>
                 </a:solidFill>
               </a:rPr>
               <a:t>Unvisited bullet format</a:t>
             </a:r>
-            <a:endParaRPr lang="en-SG">
-              <a:solidFill>
-                <a:srgbClr val="000000"/>
-              </a:solidFill>
-            </a:endParaRPr>
           </a:p>
         </p:txBody>
       </p:sp>
@@ -10407,13 +10332,13 @@
   <p:clrMapOvr>
     <a:masterClrMapping/>
   </p:clrMapOvr>
-  <mc:AlternateContent xmlns:mc="http://schemas.openxmlformats.org/markup-compatibility/2006">
-    <mc:Choice xmlns:p14="http://schemas.microsoft.com/office/powerpoint/2010/main" Requires="p14">
+  <mc:AlternateContent xmlns:mc="http://schemas.openxmlformats.org/markup-compatibility/2006" xmlns:p14="http://schemas.microsoft.com/office/powerpoint/2010/main">
+    <mc:Choice Requires="p14">
       <p:transition spd="slow" p14:dur="800">
         <p:push dir="u"/>
       </p:transition>
     </mc:Choice>
-    <mc:Fallback>
+    <mc:Fallback xmlns="">
       <p:transition spd="slow">
         <p:push dir="u"/>
       </p:transition>
@@ -10758,30 +10683,24 @@
           <a:p>
             <a:pPr lvl="0"/>
             <a:r>
-              <a:rPr lang="en-SG" smtClean="0"/>
+              <a:rPr lang="en-SG"/>
               <a:t>One Slide</a:t>
             </a:r>
-            <a:endParaRPr lang="en-SG"/>
           </a:p>
           <a:p>
             <a:pPr lvl="0"/>
             <a:r>
-              <a:rPr lang="en-SG" smtClean="0">
+              <a:rPr lang="en-SG">
                 <a:solidFill>
                   <a:srgbClr val="FF0000"/>
                 </a:solidFill>
               </a:rPr>
               <a:t>Two Slides</a:t>
             </a:r>
-            <a:endParaRPr lang="en-SG">
-              <a:solidFill>
-                <a:srgbClr val="FF0000"/>
-              </a:solidFill>
-            </a:endParaRPr>
-          </a:p>
-          <a:p>
-            <a:r>
-              <a:rPr lang="en-SG" smtClean="0">
+          </a:p>
+          <a:p>
+            <a:r>
+              <a:rPr lang="en-SG">
                 <a:solidFill>
                   <a:srgbClr val="000000"/>
                 </a:solidFill>
@@ -10791,7 +10710,7 @@
           </a:p>
           <a:p>
             <a:r>
-              <a:rPr lang="en-SG" smtClean="0">
+              <a:rPr lang="en-SG">
                 <a:solidFill>
                   <a:srgbClr val="000000"/>
                 </a:solidFill>
@@ -10801,7 +10720,7 @@
           </a:p>
           <a:p>
             <a:r>
-              <a:rPr lang="ja-JP" altLang="en-US" smtClean="0">
+              <a:rPr lang="ja-JP" altLang="en-US">
                 <a:solidFill>
                   <a:srgbClr val="000000"/>
                 </a:solidFill>
@@ -10809,7 +10728,7 @@
               <a:t>あいうえお</a:t>
             </a:r>
             <a:r>
-              <a:rPr lang="en-SG" smtClean="0">
+              <a:rPr lang="en-SG">
                 <a:solidFill>
                   <a:srgbClr val="000000"/>
                 </a:solidFill>
@@ -10830,13 +10749,13 @@
   <p:clrMapOvr>
     <a:masterClrMapping/>
   </p:clrMapOvr>
-  <mc:AlternateContent xmlns:mc="http://schemas.openxmlformats.org/markup-compatibility/2006">
-    <mc:Choice xmlns:p14="http://schemas.microsoft.com/office/powerpoint/2010/main" Requires="p14">
+  <mc:AlternateContent xmlns:mc="http://schemas.openxmlformats.org/markup-compatibility/2006" xmlns:p14="http://schemas.microsoft.com/office/powerpoint/2010/main">
+    <mc:Choice Requires="p14">
       <p:transition spd="slow" p14:dur="800">
         <p:push dir="u"/>
       </p:transition>
     </mc:Choice>
-    <mc:Fallback>
+    <mc:Fallback xmlns="">
       <p:transition spd="slow">
         <p:push dir="u"/>
       </p:transition>
@@ -11177,38 +11096,31 @@
           <a:p>
             <a:pPr lvl="0"/>
             <a:r>
-              <a:rPr lang="en-SG" smtClean="0"/>
+              <a:rPr lang="en-SG"/>
               <a:t>One Slide</a:t>
             </a:r>
-            <a:endParaRPr lang="en-SG"/>
           </a:p>
           <a:p>
             <a:pPr lvl="0"/>
             <a:r>
-              <a:rPr lang="en-SG" smtClean="0"/>
+              <a:rPr lang="en-SG"/>
               <a:t>Two Slides</a:t>
             </a:r>
-            <a:endParaRPr lang="en-SG"/>
           </a:p>
           <a:p>
             <a:pPr lvl="0"/>
             <a:r>
-              <a:rPr lang="en-SG" smtClean="0">
+              <a:rPr lang="en-SG">
                 <a:solidFill>
                   <a:srgbClr val="FF0000"/>
                 </a:solidFill>
               </a:rPr>
               <a:t>Same Name</a:t>
             </a:r>
-            <a:endParaRPr lang="en-SG">
-              <a:solidFill>
-                <a:srgbClr val="FF0000"/>
-              </a:solidFill>
-            </a:endParaRPr>
-          </a:p>
-          <a:p>
-            <a:r>
-              <a:rPr lang="en-SG" smtClean="0">
+          </a:p>
+          <a:p>
+            <a:r>
+              <a:rPr lang="en-SG">
                 <a:solidFill>
                   <a:srgbClr val="000000"/>
                 </a:solidFill>
@@ -11218,7 +11130,7 @@
           </a:p>
           <a:p>
             <a:r>
-              <a:rPr lang="ja-JP" altLang="en-US" smtClean="0">
+              <a:rPr lang="ja-JP" altLang="en-US">
                 <a:solidFill>
                   <a:srgbClr val="000000"/>
                 </a:solidFill>
@@ -11226,7 +11138,7 @@
               <a:t>あいうえお</a:t>
             </a:r>
             <a:r>
-              <a:rPr lang="en-SG" smtClean="0">
+              <a:rPr lang="en-SG">
                 <a:solidFill>
                   <a:srgbClr val="000000"/>
                 </a:solidFill>
@@ -11247,13 +11159,13 @@
   <p:clrMapOvr>
     <a:masterClrMapping/>
   </p:clrMapOvr>
-  <mc:AlternateContent xmlns:mc="http://schemas.openxmlformats.org/markup-compatibility/2006">
-    <mc:Choice xmlns:p14="http://schemas.microsoft.com/office/powerpoint/2010/main" Requires="p14">
+  <mc:AlternateContent xmlns:mc="http://schemas.openxmlformats.org/markup-compatibility/2006" xmlns:p14="http://schemas.microsoft.com/office/powerpoint/2010/main">
+    <mc:Choice Requires="p14">
       <p:transition p14:dur="250">
         <p:fade/>
       </p:transition>
     </mc:Choice>
-    <mc:Fallback>
+    <mc:Fallback xmlns="">
       <p:transition>
         <p:fade/>
       </p:transition>
@@ -11521,10 +11433,9 @@
           </a:lstStyle>
           <a:p>
             <a:r>
-              <a:rPr lang="en-US" dirty="0" smtClean="0"/>
+              <a:rPr lang="en-US" dirty="0"/>
               <a:t>Pattern</a:t>
             </a:r>
-            <a:endParaRPr lang="en-US" dirty="0"/>
           </a:p>
         </p:txBody>
       </p:sp>
@@ -11561,25 +11472,18 @@
   <p:clrMapOvr>
     <a:masterClrMapping/>
   </p:clrMapOvr>
-  <mc:AlternateContent xmlns:mc="http://schemas.openxmlformats.org/markup-compatibility/2006">
-    <mc:Choice xmlns:p14="http://schemas.microsoft.com/office/powerpoint/2010/main" Requires="p14">
+  <mc:AlternateContent xmlns:mc="http://schemas.openxmlformats.org/markup-compatibility/2006" xmlns:p14="http://schemas.microsoft.com/office/powerpoint/2010/main">
+    <mc:Choice Requires="p14">
       <p:transition spd="slow" p14:dur="800">
         <p:push dir="u"/>
       </p:transition>
     </mc:Choice>
-    <mc:Fallback>
+    <mc:Fallback xmlns="">
       <p:transition spd="slow">
         <p:push dir="u"/>
       </p:transition>
     </mc:Fallback>
   </mc:AlternateContent>
-  <p:timing>
-    <p:tnLst>
-      <p:par>
-        <p:cTn id="1" dur="indefinite" restart="never" nodeType="tmRoot"/>
-      </p:par>
-    </p:tnLst>
-  </p:timing>
 </p:sld>
 </file>
 
@@ -11633,13 +11537,6 @@
   <p:clrMapOvr>
     <a:masterClrMapping/>
   </p:clrMapOvr>
-  <p:timing>
-    <p:tnLst>
-      <p:par>
-        <p:cTn id="1" dur="indefinite" restart="never" nodeType="tmRoot"/>
-      </p:par>
-    </p:tnLst>
-  </p:timing>
 </p:sld>
 </file>
 
@@ -11870,38 +11767,31 @@
           <a:p>
             <a:pPr lvl="0"/>
             <a:r>
-              <a:rPr lang="en-SG" smtClean="0"/>
+              <a:rPr lang="en-SG"/>
               <a:t>One Slide</a:t>
             </a:r>
-            <a:endParaRPr lang="en-SG"/>
           </a:p>
           <a:p>
             <a:pPr lvl="0"/>
             <a:r>
-              <a:rPr lang="en-SG" smtClean="0"/>
+              <a:rPr lang="en-SG"/>
               <a:t>Two Slides</a:t>
             </a:r>
-            <a:endParaRPr lang="en-SG"/>
           </a:p>
           <a:p>
             <a:pPr lvl="0"/>
             <a:r>
-              <a:rPr lang="en-SG" smtClean="0">
+              <a:rPr lang="en-SG">
                 <a:solidFill>
                   <a:srgbClr val="FF0000"/>
                 </a:solidFill>
               </a:rPr>
               <a:t>Same Name</a:t>
             </a:r>
-            <a:endParaRPr lang="en-SG">
-              <a:solidFill>
-                <a:srgbClr val="FF0000"/>
-              </a:solidFill>
-            </a:endParaRPr>
-          </a:p>
-          <a:p>
-            <a:r>
-              <a:rPr lang="en-SG" smtClean="0">
+          </a:p>
+          <a:p>
+            <a:r>
+              <a:rPr lang="en-SG">
                 <a:solidFill>
                   <a:srgbClr val="000000"/>
                 </a:solidFill>
@@ -11911,7 +11801,7 @@
           </a:p>
           <a:p>
             <a:r>
-              <a:rPr lang="ja-JP" altLang="en-US" smtClean="0">
+              <a:rPr lang="ja-JP" altLang="en-US">
                 <a:solidFill>
                   <a:srgbClr val="000000"/>
                 </a:solidFill>
@@ -11919,7 +11809,7 @@
               <a:t>あいうえお</a:t>
             </a:r>
             <a:r>
-              <a:rPr lang="en-SG" smtClean="0">
+              <a:rPr lang="en-SG">
                 <a:solidFill>
                   <a:srgbClr val="000000"/>
                 </a:solidFill>
@@ -11940,13 +11830,13 @@
   <p:clrMapOvr>
     <a:masterClrMapping/>
   </p:clrMapOvr>
-  <mc:AlternateContent xmlns:mc="http://schemas.openxmlformats.org/markup-compatibility/2006">
-    <mc:Choice xmlns:p14="http://schemas.microsoft.com/office/powerpoint/2010/main" Requires="p14">
+  <mc:AlternateContent xmlns:mc="http://schemas.openxmlformats.org/markup-compatibility/2006" xmlns:p14="http://schemas.microsoft.com/office/powerpoint/2010/main">
+    <mc:Choice Requires="p14">
       <p:transition spd="slow" p14:dur="800">
         <p:push dir="u"/>
       </p:transition>
     </mc:Choice>
-    <mc:Fallback>
+    <mc:Fallback xmlns="">
       <p:transition spd="slow">
         <p:push dir="u"/>
       </p:transition>
@@ -12287,46 +12177,38 @@
           <a:p>
             <a:pPr lvl="0"/>
             <a:r>
-              <a:rPr lang="en-SG" smtClean="0"/>
+              <a:rPr lang="en-SG"/>
               <a:t>One Slide</a:t>
             </a:r>
-            <a:endParaRPr lang="en-SG"/>
           </a:p>
           <a:p>
             <a:pPr lvl="0"/>
             <a:r>
-              <a:rPr lang="en-SG" smtClean="0"/>
+              <a:rPr lang="en-SG"/>
               <a:t>Two Slides</a:t>
             </a:r>
-            <a:endParaRPr lang="en-SG"/>
           </a:p>
           <a:p>
             <a:pPr lvl="0"/>
             <a:r>
-              <a:rPr lang="en-SG" smtClean="0"/>
+              <a:rPr lang="en-SG"/>
               <a:t>Same Name</a:t>
             </a:r>
-            <a:endParaRPr lang="en-SG"/>
           </a:p>
           <a:p>
             <a:pPr lvl="0"/>
             <a:r>
-              <a:rPr lang="en-SG" smtClean="0">
+              <a:rPr lang="en-SG">
                 <a:solidFill>
                   <a:srgbClr val="FF0000"/>
                 </a:solidFill>
               </a:rPr>
               <a:t>Same Name</a:t>
             </a:r>
-            <a:endParaRPr lang="en-SG">
-              <a:solidFill>
-                <a:srgbClr val="FF0000"/>
-              </a:solidFill>
-            </a:endParaRPr>
-          </a:p>
-          <a:p>
-            <a:r>
-              <a:rPr lang="ja-JP" altLang="en-US" smtClean="0">
+          </a:p>
+          <a:p>
+            <a:r>
+              <a:rPr lang="ja-JP" altLang="en-US">
                 <a:solidFill>
                   <a:srgbClr val="000000"/>
                 </a:solidFill>
@@ -12334,7 +12216,7 @@
               <a:t>あいうえお</a:t>
             </a:r>
             <a:r>
-              <a:rPr lang="en-SG" smtClean="0">
+              <a:rPr lang="en-SG">
                 <a:solidFill>
                   <a:srgbClr val="000000"/>
                 </a:solidFill>
@@ -12355,13 +12237,13 @@
   <p:clrMapOvr>
     <a:masterClrMapping/>
   </p:clrMapOvr>
-  <mc:AlternateContent xmlns:mc="http://schemas.openxmlformats.org/markup-compatibility/2006">
-    <mc:Choice xmlns:p14="http://schemas.microsoft.com/office/powerpoint/2010/main" Requires="p14">
+  <mc:AlternateContent xmlns:mc="http://schemas.openxmlformats.org/markup-compatibility/2006" xmlns:p14="http://schemas.microsoft.com/office/powerpoint/2010/main">
+    <mc:Choice Requires="p14">
       <p:transition p14:dur="250">
         <p:fade/>
       </p:transition>
     </mc:Choice>
-    <mc:Fallback>
+    <mc:Fallback xmlns="">
       <p:transition>
         <p:fade/>
       </p:transition>
@@ -12545,7 +12427,7 @@
           <a:lstStyle/>
           <a:p>
             <a:r>
-              <a:rPr lang="en-US" sz="6000" dirty="0" smtClean="0"/>
+              <a:rPr lang="en-US" sz="6000" dirty="0"/>
               <a:t>Test Image</a:t>
             </a:r>
             <a:endParaRPr lang="en-SG" sz="6000" dirty="0"/>
@@ -12585,25 +12467,18 @@
   <p:clrMapOvr>
     <a:masterClrMapping/>
   </p:clrMapOvr>
-  <mc:AlternateContent xmlns:mc="http://schemas.openxmlformats.org/markup-compatibility/2006">
-    <mc:Choice xmlns:p14="http://schemas.microsoft.com/office/powerpoint/2010/main" Requires="p14">
+  <mc:AlternateContent xmlns:mc="http://schemas.openxmlformats.org/markup-compatibility/2006" xmlns:p14="http://schemas.microsoft.com/office/powerpoint/2010/main">
+    <mc:Choice Requires="p14">
       <p:transition spd="slow" p14:dur="800">
         <p:push dir="u"/>
       </p:transition>
     </mc:Choice>
-    <mc:Fallback>
+    <mc:Fallback xmlns="">
       <p:transition spd="slow">
         <p:push dir="u"/>
       </p:transition>
     </mc:Fallback>
   </mc:AlternateContent>
-  <p:timing>
-    <p:tnLst>
-      <p:par>
-        <p:cTn id="1" dur="indefinite" restart="never" nodeType="tmRoot"/>
-      </p:par>
-    </p:tnLst>
-  </p:timing>
 </p:sld>
 </file>
 
@@ -12647,7 +12522,7 @@
           <a:lstStyle/>
           <a:p>
             <a:r>
-              <a:rPr lang="en-US" sz="6000" dirty="0" smtClean="0"/>
+              <a:rPr lang="en-US" sz="6000" dirty="0"/>
               <a:t>A long section</a:t>
             </a:r>
             <a:endParaRPr lang="en-SG" sz="6000" dirty="0"/>
@@ -12687,13 +12562,6 @@
   <p:clrMapOvr>
     <a:masterClrMapping/>
   </p:clrMapOvr>
-  <p:timing>
-    <p:tnLst>
-      <p:par>
-        <p:cTn id="1" dur="indefinite" restart="never" nodeType="tmRoot"/>
-      </p:par>
-    </p:tnLst>
-  </p:timing>
 </p:sld>
 </file>
 
@@ -12755,13 +12623,6 @@
   <p:clrMapOvr>
     <a:masterClrMapping/>
   </p:clrMapOvr>
-  <p:timing>
-    <p:tnLst>
-      <p:par>
-        <p:cTn id="1" dur="indefinite" restart="never" nodeType="tmRoot"/>
-      </p:par>
-    </p:tnLst>
-  </p:timing>
 </p:sld>
 </file>
 
@@ -12824,13 +12685,6 @@
   <p:clrMapOvr>
     <a:masterClrMapping/>
   </p:clrMapOvr>
-  <p:timing>
-    <p:tnLst>
-      <p:par>
-        <p:cTn id="1" dur="indefinite" restart="never" nodeType="tmRoot"/>
-      </p:par>
-    </p:tnLst>
-  </p:timing>
 </p:sld>
 </file>
 
@@ -12869,7 +12723,7 @@
           <a:lstStyle/>
           <a:p>
             <a:r>
-              <a:rPr lang="en-US" sz="5400" b="1" dirty="0" err="1" smtClean="0">
+              <a:rPr lang="en-US" sz="5400" b="1" dirty="0" err="1">
                 <a:solidFill>
                   <a:schemeClr val="accent6">
                     <a:lumMod val="75000"/>
@@ -12879,7 +12733,7 @@
               <a:t>PowerPointLabs</a:t>
             </a:r>
             <a:r>
-              <a:rPr lang="en-US" sz="5400" b="1" dirty="0" smtClean="0">
+              <a:rPr lang="en-US" sz="5400" b="1" dirty="0">
                 <a:solidFill>
                   <a:schemeClr val="accent6">
                     <a:lumMod val="75000"/>
@@ -12917,7 +12771,7 @@
               <a:buNone/>
             </a:pPr>
             <a:r>
-              <a:rPr lang="en-US" b="1" dirty="0" smtClean="0">
+              <a:rPr lang="en-US" b="1" dirty="0">
                 <a:solidFill>
                   <a:srgbClr val="0070C0"/>
                 </a:solidFill>
@@ -12928,34 +12782,21 @@
           <a:p>
             <a:pPr marL="285750" indent="-285750"/>
             <a:r>
-              <a:rPr lang="en-US" b="1" dirty="0" smtClean="0">
-                <a:solidFill>
-                  <a:srgbClr val="0070C0"/>
-                </a:solidFill>
-              </a:rPr>
-              <a:t>DO </a:t>
-            </a:r>
-            <a:r>
               <a:rPr lang="en-US" b="1" dirty="0">
                 <a:solidFill>
                   <a:srgbClr val="0070C0"/>
                 </a:solidFill>
               </a:rPr>
-              <a:t>NOT SAVE </a:t>
-            </a:r>
-            <a:r>
-              <a:rPr lang="en-US" dirty="0" smtClean="0">
+              <a:t>DO NOT SAVE </a:t>
+            </a:r>
+            <a:r>
+              <a:rPr lang="en-US" dirty="0">
                 <a:solidFill>
                   <a:srgbClr val="0070C0"/>
                 </a:solidFill>
               </a:rPr>
               <a:t>these slides after testing. Keep this file in its original form.</a:t>
             </a:r>
-            <a:endParaRPr lang="en-US" dirty="0">
-              <a:solidFill>
-                <a:srgbClr val="0070C0"/>
-              </a:solidFill>
-            </a:endParaRPr>
           </a:p>
           <a:p>
             <a:pPr marL="285750" indent="-285750"/>
@@ -12965,47 +12806,7 @@
                   <a:srgbClr val="0070C0"/>
                 </a:solidFill>
               </a:rPr>
-              <a:t>If </a:t>
-            </a:r>
-            <a:r>
-              <a:rPr lang="en-US" dirty="0" smtClean="0">
-                <a:solidFill>
-                  <a:srgbClr val="0070C0"/>
-                </a:solidFill>
-              </a:rPr>
-              <a:t>your </a:t>
-            </a:r>
-            <a:r>
-              <a:rPr lang="en-US" dirty="0">
-                <a:solidFill>
-                  <a:srgbClr val="0070C0"/>
-                </a:solidFill>
-              </a:rPr>
-              <a:t>result </a:t>
-            </a:r>
-            <a:r>
-              <a:rPr lang="en-US" dirty="0" smtClean="0">
-                <a:solidFill>
-                  <a:srgbClr val="0070C0"/>
-                </a:solidFill>
-              </a:rPr>
-              <a:t>is different from the </a:t>
-            </a:r>
-            <a:r>
-              <a:rPr lang="en-US" dirty="0">
-                <a:solidFill>
-                  <a:srgbClr val="0070C0"/>
-                </a:solidFill>
-              </a:rPr>
-              <a:t>expected output, </a:t>
-            </a:r>
-            <a:r>
-              <a:rPr lang="en-US" dirty="0" smtClean="0">
-                <a:solidFill>
-                  <a:srgbClr val="0070C0"/>
-                </a:solidFill>
-              </a:rPr>
-              <a:t>please submit a bug report (attach slides/screenshots as necessary).</a:t>
+              <a:t>If your result is different from the expected output, please submit a bug report (attach slides/screenshots as necessary).</a:t>
             </a:r>
             <a:endParaRPr lang="en-SG" dirty="0">
               <a:solidFill>
@@ -13051,13 +12852,6 @@
   <p:clrMapOvr>
     <a:masterClrMapping/>
   </p:clrMapOvr>
-  <p:timing>
-    <p:tnLst>
-      <p:par>
-        <p:cTn id="1" dur="indefinite" restart="never" nodeType="tmRoot"/>
-      </p:par>
-    </p:tnLst>
-  </p:timing>
 </p:sld>
 </file>
 
@@ -13111,13 +12905,6 @@
   <p:clrMapOvr>
     <a:masterClrMapping/>
   </p:clrMapOvr>
-  <p:timing>
-    <p:tnLst>
-      <p:par>
-        <p:cTn id="1" dur="indefinite" restart="never" nodeType="tmRoot"/>
-      </p:par>
-    </p:tnLst>
-  </p:timing>
 </p:sld>
 </file>
 
@@ -13348,46 +13135,38 @@
           <a:p>
             <a:pPr lvl="0"/>
             <a:r>
-              <a:rPr lang="en-SG" smtClean="0"/>
+              <a:rPr lang="en-SG"/>
               <a:t>One Slide</a:t>
             </a:r>
-            <a:endParaRPr lang="en-SG"/>
           </a:p>
           <a:p>
             <a:pPr lvl="0"/>
             <a:r>
-              <a:rPr lang="en-SG" smtClean="0"/>
+              <a:rPr lang="en-SG"/>
               <a:t>Two Slides</a:t>
             </a:r>
-            <a:endParaRPr lang="en-SG"/>
           </a:p>
           <a:p>
             <a:pPr lvl="0"/>
             <a:r>
-              <a:rPr lang="en-SG" smtClean="0"/>
+              <a:rPr lang="en-SG"/>
               <a:t>Same Name</a:t>
             </a:r>
-            <a:endParaRPr lang="en-SG"/>
           </a:p>
           <a:p>
             <a:pPr lvl="0"/>
             <a:r>
-              <a:rPr lang="en-SG" smtClean="0">
+              <a:rPr lang="en-SG">
                 <a:solidFill>
                   <a:srgbClr val="FF0000"/>
                 </a:solidFill>
               </a:rPr>
               <a:t>Same Name</a:t>
             </a:r>
-            <a:endParaRPr lang="en-SG">
-              <a:solidFill>
-                <a:srgbClr val="FF0000"/>
-              </a:solidFill>
-            </a:endParaRPr>
-          </a:p>
-          <a:p>
-            <a:r>
-              <a:rPr lang="ja-JP" altLang="en-US" smtClean="0">
+          </a:p>
+          <a:p>
+            <a:r>
+              <a:rPr lang="ja-JP" altLang="en-US">
                 <a:solidFill>
                   <a:srgbClr val="000000"/>
                 </a:solidFill>
@@ -13395,7 +13174,7 @@
               <a:t>あいうえお</a:t>
             </a:r>
             <a:r>
-              <a:rPr lang="en-SG" smtClean="0">
+              <a:rPr lang="en-SG">
                 <a:solidFill>
                   <a:srgbClr val="000000"/>
                 </a:solidFill>
@@ -13416,13 +13195,13 @@
   <p:clrMapOvr>
     <a:masterClrMapping/>
   </p:clrMapOvr>
-  <mc:AlternateContent xmlns:mc="http://schemas.openxmlformats.org/markup-compatibility/2006">
-    <mc:Choice xmlns:p14="http://schemas.microsoft.com/office/powerpoint/2010/main" Requires="p14">
+  <mc:AlternateContent xmlns:mc="http://schemas.openxmlformats.org/markup-compatibility/2006" xmlns:p14="http://schemas.microsoft.com/office/powerpoint/2010/main">
+    <mc:Choice Requires="p14">
       <p:transition spd="slow" p14:dur="800">
         <p:push dir="u"/>
       </p:transition>
     </mc:Choice>
-    <mc:Fallback>
+    <mc:Fallback xmlns="">
       <p:transition spd="slow">
         <p:push dir="u"/>
       </p:transition>
@@ -13763,39 +13542,35 @@
           <a:p>
             <a:pPr lvl="0"/>
             <a:r>
-              <a:rPr lang="en-SG" smtClean="0"/>
+              <a:rPr lang="en-SG"/>
               <a:t>One Slide</a:t>
             </a:r>
-            <a:endParaRPr lang="en-SG"/>
           </a:p>
           <a:p>
             <a:pPr lvl="0"/>
             <a:r>
-              <a:rPr lang="en-SG" smtClean="0"/>
+              <a:rPr lang="en-SG"/>
               <a:t>Two Slides</a:t>
             </a:r>
-            <a:endParaRPr lang="en-SG"/>
           </a:p>
           <a:p>
             <a:pPr lvl="0"/>
             <a:r>
-              <a:rPr lang="en-SG" smtClean="0"/>
+              <a:rPr lang="en-SG"/>
               <a:t>Same Name</a:t>
             </a:r>
-            <a:endParaRPr lang="en-SG"/>
           </a:p>
           <a:p>
             <a:pPr lvl="0"/>
             <a:r>
-              <a:rPr lang="en-SG" smtClean="0"/>
+              <a:rPr lang="en-SG"/>
               <a:t>Same Name</a:t>
             </a:r>
-            <a:endParaRPr lang="en-SG"/>
           </a:p>
           <a:p>
             <a:pPr lvl="0"/>
             <a:r>
-              <a:rPr lang="ja-JP" altLang="en-US" smtClean="0">
+              <a:rPr lang="ja-JP" altLang="en-US">
                 <a:solidFill>
                   <a:srgbClr val="FF0000"/>
                 </a:solidFill>
@@ -13803,18 +13578,13 @@
               <a:t>あいうえお</a:t>
             </a:r>
             <a:r>
-              <a:rPr lang="en-SG" smtClean="0">
+              <a:rPr lang="en-SG">
                 <a:solidFill>
                   <a:srgbClr val="FF0000"/>
                 </a:solidFill>
               </a:rPr>
               <a:t>kl)(*&amp;%$#@85v_+)0_@#%L:CF]1</a:t>
             </a:r>
-            <a:endParaRPr lang="en-SG">
-              <a:solidFill>
-                <a:srgbClr val="FF0000"/>
-              </a:solidFill>
-            </a:endParaRPr>
           </a:p>
           <a:p>
             <a:endParaRPr lang="en-SG"/>
@@ -13831,13 +13601,13 @@
   <p:clrMapOvr>
     <a:masterClrMapping/>
   </p:clrMapOvr>
-  <mc:AlternateContent xmlns:mc="http://schemas.openxmlformats.org/markup-compatibility/2006">
-    <mc:Choice xmlns:p14="http://schemas.microsoft.com/office/powerpoint/2010/main" Requires="p14">
+  <mc:AlternateContent xmlns:mc="http://schemas.openxmlformats.org/markup-compatibility/2006" xmlns:p14="http://schemas.microsoft.com/office/powerpoint/2010/main">
+    <mc:Choice Requires="p14">
       <p:transition p14:dur="250">
         <p:fade/>
       </p:transition>
     </mc:Choice>
-    <mc:Fallback>
+    <mc:Fallback xmlns="">
       <p:transition>
         <p:fade/>
       </p:transition>
@@ -14009,25 +13779,18 @@
   <p:clrMapOvr>
     <a:masterClrMapping/>
   </p:clrMapOvr>
-  <mc:AlternateContent xmlns:mc="http://schemas.openxmlformats.org/markup-compatibility/2006">
-    <mc:Choice xmlns:p14="http://schemas.microsoft.com/office/powerpoint/2010/main" Requires="p14">
+  <mc:AlternateContent xmlns:mc="http://schemas.openxmlformats.org/markup-compatibility/2006" xmlns:p14="http://schemas.microsoft.com/office/powerpoint/2010/main">
+    <mc:Choice Requires="p14">
       <p:transition spd="slow" p14:dur="800">
         <p:push dir="u"/>
       </p:transition>
     </mc:Choice>
-    <mc:Fallback>
+    <mc:Fallback xmlns="">
       <p:transition spd="slow">
         <p:push dir="u"/>
       </p:transition>
     </mc:Fallback>
   </mc:AlternateContent>
-  <p:timing>
-    <p:tnLst>
-      <p:par>
-        <p:cTn id="1" dur="indefinite" restart="never" nodeType="tmRoot"/>
-      </p:par>
-    </p:tnLst>
-  </p:timing>
 </p:sld>
 </file>
 
@@ -14258,39 +14021,35 @@
           <a:p>
             <a:pPr lvl="0"/>
             <a:r>
-              <a:rPr lang="en-SG" smtClean="0"/>
+              <a:rPr lang="en-SG"/>
               <a:t>One Slide</a:t>
             </a:r>
-            <a:endParaRPr lang="en-SG"/>
           </a:p>
           <a:p>
             <a:pPr lvl="0"/>
             <a:r>
-              <a:rPr lang="en-SG" smtClean="0"/>
+              <a:rPr lang="en-SG"/>
               <a:t>Two Slides</a:t>
             </a:r>
-            <a:endParaRPr lang="en-SG"/>
           </a:p>
           <a:p>
             <a:pPr lvl="0"/>
             <a:r>
-              <a:rPr lang="en-SG" smtClean="0"/>
+              <a:rPr lang="en-SG"/>
               <a:t>Same Name</a:t>
             </a:r>
-            <a:endParaRPr lang="en-SG"/>
           </a:p>
           <a:p>
             <a:pPr lvl="0"/>
             <a:r>
-              <a:rPr lang="en-SG" smtClean="0"/>
+              <a:rPr lang="en-SG"/>
               <a:t>Same Name</a:t>
             </a:r>
-            <a:endParaRPr lang="en-SG"/>
           </a:p>
           <a:p>
             <a:pPr lvl="0"/>
             <a:r>
-              <a:rPr lang="ja-JP" altLang="en-US" smtClean="0">
+              <a:rPr lang="ja-JP" altLang="en-US">
                 <a:solidFill>
                   <a:srgbClr val="FF0000"/>
                 </a:solidFill>
@@ -14298,18 +14057,13 @@
               <a:t>あいうえお</a:t>
             </a:r>
             <a:r>
-              <a:rPr lang="en-SG" smtClean="0">
+              <a:rPr lang="en-SG">
                 <a:solidFill>
                   <a:srgbClr val="FF0000"/>
                 </a:solidFill>
               </a:rPr>
               <a:t>kl)(*&amp;%$#@85v_+)0_@#%L:CF]1</a:t>
             </a:r>
-            <a:endParaRPr lang="en-SG">
-              <a:solidFill>
-                <a:srgbClr val="FF0000"/>
-              </a:solidFill>
-            </a:endParaRPr>
           </a:p>
           <a:p>
             <a:endParaRPr lang="en-SG"/>
@@ -14326,13 +14080,13 @@
   <p:clrMapOvr>
     <a:masterClrMapping/>
   </p:clrMapOvr>
-  <mc:AlternateContent xmlns:mc="http://schemas.openxmlformats.org/markup-compatibility/2006">
-    <mc:Choice xmlns:p14="http://schemas.microsoft.com/office/powerpoint/2010/main" Requires="p14">
+  <mc:AlternateContent xmlns:mc="http://schemas.openxmlformats.org/markup-compatibility/2006" xmlns:p14="http://schemas.microsoft.com/office/powerpoint/2010/main">
+    <mc:Choice Requires="p14">
       <p:transition spd="slow" p14:dur="800">
         <p:push dir="u"/>
       </p:transition>
     </mc:Choice>
-    <mc:Fallback>
+    <mc:Fallback xmlns="">
       <p:transition spd="slow">
         <p:push dir="u"/>
       </p:transition>
@@ -14673,46 +14427,41 @@
           <a:p>
             <a:pPr lvl="0"/>
             <a:r>
-              <a:rPr lang="en-SG" smtClean="0"/>
+              <a:rPr lang="en-SG"/>
               <a:t>One Slide</a:t>
             </a:r>
-            <a:endParaRPr lang="en-SG"/>
           </a:p>
           <a:p>
             <a:pPr lvl="0"/>
             <a:r>
-              <a:rPr lang="en-SG" smtClean="0"/>
+              <a:rPr lang="en-SG"/>
               <a:t>Two Slides</a:t>
             </a:r>
-            <a:endParaRPr lang="en-SG"/>
           </a:p>
           <a:p>
             <a:pPr lvl="0"/>
             <a:r>
-              <a:rPr lang="en-SG" smtClean="0"/>
+              <a:rPr lang="en-SG"/>
               <a:t>Same Name</a:t>
             </a:r>
-            <a:endParaRPr lang="en-SG"/>
           </a:p>
           <a:p>
             <a:pPr lvl="0"/>
             <a:r>
-              <a:rPr lang="en-SG" smtClean="0"/>
+              <a:rPr lang="en-SG"/>
               <a:t>Same Name</a:t>
             </a:r>
-            <a:endParaRPr lang="en-SG"/>
           </a:p>
           <a:p>
             <a:pPr lvl="0"/>
             <a:r>
-              <a:rPr lang="ja-JP" altLang="en-US" smtClean="0"/>
+              <a:rPr lang="ja-JP" altLang="en-US"/>
               <a:t>あいうえお</a:t>
             </a:r>
             <a:r>
-              <a:rPr lang="en-SG" smtClean="0"/>
+              <a:rPr lang="en-SG"/>
               <a:t>kl)(*&amp;%$#@85v_+)0_@#%L:CF]1</a:t>
             </a:r>
-            <a:endParaRPr lang="en-SG"/>
           </a:p>
           <a:p>
             <a:endParaRPr lang="en-SG"/>
@@ -14729,13 +14478,13 @@
   <p:clrMapOvr>
     <a:masterClrMapping/>
   </p:clrMapOvr>
-  <mc:AlternateContent xmlns:mc="http://schemas.openxmlformats.org/markup-compatibility/2006">
-    <mc:Choice xmlns:p14="http://schemas.microsoft.com/office/powerpoint/2010/main" Requires="p14">
+  <mc:AlternateContent xmlns:mc="http://schemas.openxmlformats.org/markup-compatibility/2006" xmlns:p14="http://schemas.microsoft.com/office/powerpoint/2010/main">
+    <mc:Choice Requires="p14">
       <p:transition p14:dur="250">
         <p:fade/>
       </p:transition>
     </mc:Choice>
-    <mc:Fallback>
+    <mc:Fallback xmlns="">
       <p:transition>
         <p:fade/>
       </p:transition>
@@ -14893,7 +14642,7 @@
         <p:nvPicPr>
           <p:cNvPr id="3" name="Picture 2"/>
           <p:cNvPicPr>
-            <a:picLocks/>
+            <a:picLocks noChangeAspect="1"/>
           </p:cNvPicPr>
           <p:nvPr/>
         </p:nvPicPr>
@@ -14911,8 +14660,8 @@
         </p:blipFill>
         <p:spPr>
           <a:xfrm>
-            <a:off x="649224" y="992124"/>
-            <a:ext cx="7845552" cy="4873752"/>
+            <a:off x="0" y="1029202"/>
+            <a:ext cx="9144000" cy="4799596"/>
           </a:xfrm>
           <a:prstGeom prst="rect">
             <a:avLst/>
@@ -14922,21 +14671,13 @@
     </p:spTree>
     <p:extLst>
       <p:ext uri="{BB962C8B-B14F-4D97-AF65-F5344CB8AC3E}">
-        <p14:creationId xmlns:p14="http://schemas.microsoft.com/office/powerpoint/2010/main" val="3094590778"/>
+        <p14:creationId xmlns:p14="http://schemas.microsoft.com/office/powerpoint/2010/main" val="3827446842"/>
       </p:ext>
     </p:extLst>
   </p:cSld>
   <p:clrMapOvr>
     <a:masterClrMapping/>
   </p:clrMapOvr>
-  <mc:AlternateContent xmlns:mc="http://schemas.openxmlformats.org/markup-compatibility/2006">
-    <mc:Choice xmlns:p14="http://schemas.microsoft.com/office/powerpoint/2010/main" Requires="p14">
-      <p:transition spd="slow" p14:dur="2000"/>
-    </mc:Choice>
-    <mc:Fallback>
-      <p:transition spd="slow"/>
-    </mc:Fallback>
-  </mc:AlternateContent>
 </p:sld>
 </file>
 
@@ -15166,7 +14907,7 @@
           </a:lstStyle>
           <a:p>
             <a:r>
-              <a:rPr lang="en-SG" smtClean="0">
+              <a:rPr lang="en-SG">
                 <a:solidFill>
                   <a:srgbClr val="000000"/>
                 </a:solidFill>
@@ -15176,7 +14917,7 @@
           </a:p>
           <a:p>
             <a:r>
-              <a:rPr lang="en-SG" smtClean="0">
+              <a:rPr lang="en-SG">
                 <a:solidFill>
                   <a:srgbClr val="000000"/>
                 </a:solidFill>
@@ -15186,7 +14927,7 @@
           </a:p>
           <a:p>
             <a:r>
-              <a:rPr lang="en-SG" smtClean="0">
+              <a:rPr lang="en-SG">
                 <a:solidFill>
                   <a:srgbClr val="000000"/>
                 </a:solidFill>
@@ -15196,7 +14937,7 @@
           </a:p>
           <a:p>
             <a:r>
-              <a:rPr lang="en-SG" smtClean="0">
+              <a:rPr lang="en-SG">
                 <a:solidFill>
                   <a:srgbClr val="000000"/>
                 </a:solidFill>
@@ -15206,7 +14947,7 @@
           </a:p>
           <a:p>
             <a:r>
-              <a:rPr lang="ja-JP" altLang="en-US" smtClean="0">
+              <a:rPr lang="ja-JP" altLang="en-US">
                 <a:solidFill>
                   <a:srgbClr val="000000"/>
                 </a:solidFill>
@@ -15214,7 +14955,7 @@
               <a:t>あいうえお</a:t>
             </a:r>
             <a:r>
-              <a:rPr lang="en-SG" smtClean="0">
+              <a:rPr lang="en-SG">
                 <a:solidFill>
                   <a:srgbClr val="000000"/>
                 </a:solidFill>
@@ -15235,13 +14976,13 @@
   <p:clrMapOvr>
     <a:masterClrMapping/>
   </p:clrMapOvr>
-  <mc:AlternateContent xmlns:mc="http://schemas.openxmlformats.org/markup-compatibility/2006">
-    <mc:Choice xmlns:p14="http://schemas.microsoft.com/office/powerpoint/2010/main" Requires="p14">
+  <mc:AlternateContent xmlns:mc="http://schemas.openxmlformats.org/markup-compatibility/2006" xmlns:p14="http://schemas.microsoft.com/office/powerpoint/2010/main">
+    <mc:Choice Requires="p14">
       <p:transition spd="slow" p14:dur="800">
         <p:push dir="u"/>
       </p:transition>
     </mc:Choice>
-    <mc:Fallback>
+    <mc:Fallback xmlns="">
       <p:transition spd="slow">
         <p:push dir="u"/>
       </p:transition>
@@ -15582,22 +15323,17 @@
           <a:p>
             <a:pPr lvl="0"/>
             <a:r>
-              <a:rPr lang="en-SG" smtClean="0">
+              <a:rPr lang="en-SG">
                 <a:solidFill>
                   <a:srgbClr val="FF0000"/>
                 </a:solidFill>
               </a:rPr>
               <a:t>One Slide</a:t>
             </a:r>
-            <a:endParaRPr lang="en-SG">
-              <a:solidFill>
-                <a:srgbClr val="FF0000"/>
-              </a:solidFill>
-            </a:endParaRPr>
-          </a:p>
-          <a:p>
-            <a:r>
-              <a:rPr lang="en-SG" smtClean="0">
+          </a:p>
+          <a:p>
+            <a:r>
+              <a:rPr lang="en-SG">
                 <a:solidFill>
                   <a:srgbClr val="000000"/>
                 </a:solidFill>
@@ -15607,7 +15343,7 @@
           </a:p>
           <a:p>
             <a:r>
-              <a:rPr lang="en-SG" smtClean="0">
+              <a:rPr lang="en-SG">
                 <a:solidFill>
                   <a:srgbClr val="000000"/>
                 </a:solidFill>
@@ -15617,7 +15353,7 @@
           </a:p>
           <a:p>
             <a:r>
-              <a:rPr lang="en-SG" smtClean="0">
+              <a:rPr lang="en-SG">
                 <a:solidFill>
                   <a:srgbClr val="000000"/>
                 </a:solidFill>
@@ -15627,7 +15363,7 @@
           </a:p>
           <a:p>
             <a:r>
-              <a:rPr lang="ja-JP" altLang="en-US" smtClean="0">
+              <a:rPr lang="ja-JP" altLang="en-US">
                 <a:solidFill>
                   <a:srgbClr val="000000"/>
                 </a:solidFill>
@@ -15635,7 +15371,7 @@
               <a:t>あいうえお</a:t>
             </a:r>
             <a:r>
-              <a:rPr lang="en-SG" smtClean="0">
+              <a:rPr lang="en-SG">
                 <a:solidFill>
                   <a:srgbClr val="000000"/>
                 </a:solidFill>
@@ -15656,13 +15392,13 @@
   <p:clrMapOvr>
     <a:masterClrMapping/>
   </p:clrMapOvr>
-  <mc:AlternateContent xmlns:mc="http://schemas.openxmlformats.org/markup-compatibility/2006">
-    <mc:Choice xmlns:p14="http://schemas.microsoft.com/office/powerpoint/2010/main" Requires="p14">
+  <mc:AlternateContent xmlns:mc="http://schemas.openxmlformats.org/markup-compatibility/2006" xmlns:p14="http://schemas.microsoft.com/office/powerpoint/2010/main">
+    <mc:Choice Requires="p14">
       <p:transition p14:dur="250">
         <p:fade/>
       </p:transition>
     </mc:Choice>
-    <mc:Fallback>
+    <mc:Fallback xmlns="">
       <p:transition>
         <p:fade/>
       </p:transition>
@@ -15827,7 +15563,7 @@
           <a:p>
             <a:pPr algn="l"/>
             <a:r>
-              <a:rPr lang="en-US" sz="7200" dirty="0" smtClean="0">
+              <a:rPr lang="en-US" sz="7200" dirty="0">
                 <a:solidFill>
                   <a:schemeClr val="bg1"/>
                 </a:solidFill>
@@ -15865,7 +15601,7 @@
           <a:lstStyle/>
           <a:p>
             <a:r>
-              <a:rPr lang="en-US" sz="2400" b="1" dirty="0" smtClean="0">
+              <a:rPr lang="en-US" sz="2400" b="1" dirty="0">
                 <a:solidFill>
                   <a:schemeClr val="bg1"/>
                 </a:solidFill>
@@ -15879,7 +15615,7 @@
               <a:buChar char="•"/>
             </a:pPr>
             <a:r>
-              <a:rPr lang="en-US" sz="2400" dirty="0" smtClean="0">
+              <a:rPr lang="en-US" sz="2400" dirty="0">
                 <a:solidFill>
                   <a:schemeClr val="bg1"/>
                 </a:solidFill>
@@ -15922,25 +15658,18 @@
   <p:clrMapOvr>
     <a:masterClrMapping/>
   </p:clrMapOvr>
-  <mc:AlternateContent xmlns:mc="http://schemas.openxmlformats.org/markup-compatibility/2006">
-    <mc:Choice xmlns:p14="http://schemas.microsoft.com/office/powerpoint/2010/main" Requires="p14">
+  <mc:AlternateContent xmlns:mc="http://schemas.openxmlformats.org/markup-compatibility/2006" xmlns:p14="http://schemas.microsoft.com/office/powerpoint/2010/main">
+    <mc:Choice Requires="p14">
       <p:transition spd="slow" p14:dur="800">
         <p:push dir="u"/>
       </p:transition>
     </mc:Choice>
-    <mc:Fallback>
+    <mc:Fallback xmlns="">
       <p:transition spd="slow">
         <p:push dir="u"/>
       </p:transition>
     </mc:Fallback>
   </mc:AlternateContent>
-  <p:timing>
-    <p:tnLst>
-      <p:par>
-        <p:cTn id="1" dur="indefinite" restart="never" nodeType="tmRoot"/>
-      </p:par>
-    </p:tnLst>
-  </p:timing>
 </p:sld>
 </file>
 
@@ -16171,22 +15900,17 @@
           <a:p>
             <a:pPr lvl="0"/>
             <a:r>
-              <a:rPr lang="en-SG" smtClean="0">
+              <a:rPr lang="en-SG">
                 <a:solidFill>
                   <a:srgbClr val="FF0000"/>
                 </a:solidFill>
               </a:rPr>
               <a:t>One Slide</a:t>
             </a:r>
-            <a:endParaRPr lang="en-SG">
-              <a:solidFill>
-                <a:srgbClr val="FF0000"/>
-              </a:solidFill>
-            </a:endParaRPr>
-          </a:p>
-          <a:p>
-            <a:r>
-              <a:rPr lang="en-SG" smtClean="0">
+          </a:p>
+          <a:p>
+            <a:r>
+              <a:rPr lang="en-SG">
                 <a:solidFill>
                   <a:srgbClr val="000000"/>
                 </a:solidFill>
@@ -16196,7 +15920,7 @@
           </a:p>
           <a:p>
             <a:r>
-              <a:rPr lang="en-SG" smtClean="0">
+              <a:rPr lang="en-SG">
                 <a:solidFill>
                   <a:srgbClr val="000000"/>
                 </a:solidFill>
@@ -16206,7 +15930,7 @@
           </a:p>
           <a:p>
             <a:r>
-              <a:rPr lang="en-SG" smtClean="0">
+              <a:rPr lang="en-SG">
                 <a:solidFill>
                   <a:srgbClr val="000000"/>
                 </a:solidFill>
@@ -16216,7 +15940,7 @@
           </a:p>
           <a:p>
             <a:r>
-              <a:rPr lang="ja-JP" altLang="en-US" smtClean="0">
+              <a:rPr lang="ja-JP" altLang="en-US">
                 <a:solidFill>
                   <a:srgbClr val="000000"/>
                 </a:solidFill>
@@ -16224,7 +15948,7 @@
               <a:t>あいうえお</a:t>
             </a:r>
             <a:r>
-              <a:rPr lang="en-SG" smtClean="0">
+              <a:rPr lang="en-SG">
                 <a:solidFill>
                   <a:srgbClr val="000000"/>
                 </a:solidFill>
@@ -16245,13 +15969,13 @@
   <p:clrMapOvr>
     <a:masterClrMapping/>
   </p:clrMapOvr>
-  <mc:AlternateContent xmlns:mc="http://schemas.openxmlformats.org/markup-compatibility/2006">
-    <mc:Choice xmlns:p14="http://schemas.microsoft.com/office/powerpoint/2010/main" Requires="p14">
+  <mc:AlternateContent xmlns:mc="http://schemas.openxmlformats.org/markup-compatibility/2006" xmlns:p14="http://schemas.microsoft.com/office/powerpoint/2010/main">
+    <mc:Choice Requires="p14">
       <p:transition spd="slow" p14:dur="800">
         <p:push dir="u"/>
       </p:transition>
     </mc:Choice>
-    <mc:Fallback>
+    <mc:Fallback xmlns="">
       <p:transition spd="slow">
         <p:push dir="u"/>
       </p:transition>
@@ -16592,30 +16316,24 @@
           <a:p>
             <a:pPr lvl="0"/>
             <a:r>
-              <a:rPr lang="en-SG" smtClean="0"/>
+              <a:rPr lang="en-SG"/>
               <a:t>One Slide</a:t>
             </a:r>
-            <a:endParaRPr lang="en-SG"/>
           </a:p>
           <a:p>
             <a:pPr lvl="0"/>
             <a:r>
-              <a:rPr lang="en-SG" smtClean="0">
+              <a:rPr lang="en-SG">
                 <a:solidFill>
                   <a:srgbClr val="FF0000"/>
                 </a:solidFill>
               </a:rPr>
               <a:t>Two Slides</a:t>
             </a:r>
-            <a:endParaRPr lang="en-SG">
-              <a:solidFill>
-                <a:srgbClr val="FF0000"/>
-              </a:solidFill>
-            </a:endParaRPr>
-          </a:p>
-          <a:p>
-            <a:r>
-              <a:rPr lang="en-SG" smtClean="0">
+          </a:p>
+          <a:p>
+            <a:r>
+              <a:rPr lang="en-SG">
                 <a:solidFill>
                   <a:srgbClr val="000000"/>
                 </a:solidFill>
@@ -16625,7 +16343,7 @@
           </a:p>
           <a:p>
             <a:r>
-              <a:rPr lang="en-SG" smtClean="0">
+              <a:rPr lang="en-SG">
                 <a:solidFill>
                   <a:srgbClr val="000000"/>
                 </a:solidFill>
@@ -16635,7 +16353,7 @@
           </a:p>
           <a:p>
             <a:r>
-              <a:rPr lang="ja-JP" altLang="en-US" smtClean="0">
+              <a:rPr lang="ja-JP" altLang="en-US">
                 <a:solidFill>
                   <a:srgbClr val="000000"/>
                 </a:solidFill>
@@ -16643,7 +16361,7 @@
               <a:t>あいうえお</a:t>
             </a:r>
             <a:r>
-              <a:rPr lang="en-SG" smtClean="0">
+              <a:rPr lang="en-SG">
                 <a:solidFill>
                   <a:srgbClr val="000000"/>
                 </a:solidFill>
@@ -16664,13 +16382,13 @@
   <p:clrMapOvr>
     <a:masterClrMapping/>
   </p:clrMapOvr>
-  <mc:AlternateContent xmlns:mc="http://schemas.openxmlformats.org/markup-compatibility/2006">
-    <mc:Choice xmlns:p14="http://schemas.microsoft.com/office/powerpoint/2010/main" Requires="p14">
+  <mc:AlternateContent xmlns:mc="http://schemas.openxmlformats.org/markup-compatibility/2006" xmlns:p14="http://schemas.microsoft.com/office/powerpoint/2010/main">
+    <mc:Choice Requires="p14">
       <p:transition p14:dur="250">
         <p:fade/>
       </p:transition>
     </mc:Choice>
-    <mc:Fallback>
+    <mc:Fallback xmlns="">
       <p:transition>
         <p:fade/>
       </p:transition>
@@ -16854,7 +16572,7 @@
           <a:lstStyle/>
           <a:p>
             <a:r>
-              <a:rPr lang="en-US" sz="6000" dirty="0" smtClean="0"/>
+              <a:rPr lang="en-US" sz="6000" dirty="0"/>
               <a:t>Test Image</a:t>
             </a:r>
             <a:endParaRPr lang="en-SG" sz="6000" dirty="0"/>
@@ -16894,25 +16612,18 @@
   <p:clrMapOvr>
     <a:masterClrMapping/>
   </p:clrMapOvr>
-  <mc:AlternateContent xmlns:mc="http://schemas.openxmlformats.org/markup-compatibility/2006">
-    <mc:Choice xmlns:p14="http://schemas.microsoft.com/office/powerpoint/2010/main" Requires="p14">
+  <mc:AlternateContent xmlns:mc="http://schemas.openxmlformats.org/markup-compatibility/2006" xmlns:p14="http://schemas.microsoft.com/office/powerpoint/2010/main">
+    <mc:Choice Requires="p14">
       <p:transition spd="slow" p14:dur="800">
         <p:push dir="u"/>
       </p:transition>
     </mc:Choice>
-    <mc:Fallback>
+    <mc:Fallback xmlns="">
       <p:transition spd="slow">
         <p:push dir="u"/>
       </p:transition>
     </mc:Fallback>
   </mc:AlternateContent>
-  <p:timing>
-    <p:tnLst>
-      <p:par>
-        <p:cTn id="1" dur="indefinite" restart="never" nodeType="tmRoot"/>
-      </p:par>
-    </p:tnLst>
-  </p:timing>
 </p:sld>
 </file>
 
@@ -16966,13 +16677,6 @@
   <p:clrMapOvr>
     <a:masterClrMapping/>
   </p:clrMapOvr>
-  <p:timing>
-    <p:tnLst>
-      <p:par>
-        <p:cTn id="1" dur="indefinite" restart="never" nodeType="tmRoot"/>
-      </p:par>
-    </p:tnLst>
-  </p:timing>
 </p:sld>
 </file>
 

--- a/doc/test/AgendaSlidesTextWithSlideNumberDefault.pptx
+++ b/doc/test/AgendaSlidesTextWithSlideNumberDefault.pptx
@@ -35,7 +35,7 @@
     <p:sldId id="314" r:id="rId26"/>
     <p:sldId id="326" r:id="rId27"/>
     <p:sldId id="327" r:id="rId28"/>
-    <p:sldId id="331" r:id="rId29"/>
+    <p:sldId id="328" r:id="rId29"/>
   </p:sldIdLst>
   <p:sldSz cx="9144000" cy="6858000" type="screen4x3"/>
   <p:notesSz cx="6858000" cy="9144000"/>
@@ -184,7 +184,7 @@
             <p14:sldId id="314"/>
             <p14:sldId id="326"/>
             <p14:sldId id="327"/>
-            <p14:sldId id="331"/>
+            <p14:sldId id="328"/>
           </p14:sldIdLst>
         </p14:section>
       </p14:sectionLst>
@@ -289,7 +289,7 @@
           <a:p>
             <a:fld id="{DBF25E5A-1DA2-4ED0-9993-2B21AFA3822E}" type="datetimeFigureOut">
               <a:rPr lang="en-SG" smtClean="0"/>
-              <a:t>23/1/2017</a:t>
+              <a:t>26/1/2016</a:t>
             </a:fld>
             <a:endParaRPr lang="en-SG"/>
           </a:p>
@@ -353,35 +353,35 @@
           <a:p>
             <a:pPr lvl="0"/>
             <a:r>
-              <a:rPr lang="en-US"/>
+              <a:rPr lang="en-US" smtClean="0"/>
               <a:t>Click to edit Master text styles</a:t>
             </a:r>
           </a:p>
           <a:p>
             <a:pPr lvl="1"/>
             <a:r>
-              <a:rPr lang="en-US"/>
+              <a:rPr lang="en-US" smtClean="0"/>
               <a:t>Second level</a:t>
             </a:r>
           </a:p>
           <a:p>
             <a:pPr lvl="2"/>
             <a:r>
-              <a:rPr lang="en-US"/>
+              <a:rPr lang="en-US" smtClean="0"/>
               <a:t>Third level</a:t>
             </a:r>
           </a:p>
           <a:p>
             <a:pPr lvl="3"/>
             <a:r>
-              <a:rPr lang="en-US"/>
+              <a:rPr lang="en-US" smtClean="0"/>
               <a:t>Fourth level</a:t>
             </a:r>
           </a:p>
           <a:p>
             <a:pPr lvl="4"/>
             <a:r>
-              <a:rPr lang="en-US"/>
+              <a:rPr lang="en-US" smtClean="0"/>
               <a:t>Fifth level</a:t>
             </a:r>
             <a:endParaRPr lang="en-SG"/>
@@ -602,9 +602,10 @@
           <a:lstStyle/>
           <a:p>
             <a:r>
-              <a:rPr lang="en-SG"/>
+              <a:rPr lang="en-SG" smtClean="0"/>
               <a:t>This notes page is used to store data - Do not edit the notes. UFBUVGVtcGxhdGVNYXJrZXI=@VGl0bGUgMQ==@UHB0TGFic0FnZW5kYV8mXkBDb250ZW50U2hhcGVfJl5AMjAxNjAxMjYxODAxMjI4MDE1MA==@228010063</a:t>
             </a:r>
+            <a:endParaRPr lang="en-SG"/>
           </a:p>
         </p:txBody>
       </p:sp>
@@ -766,9 +767,10 @@
           <a:lstStyle/>
           <a:p>
             <a:r>
-              <a:rPr lang="en-US"/>
+              <a:rPr lang="en-US" smtClean="0"/>
               <a:t>Click to edit Master title style</a:t>
             </a:r>
+            <a:endParaRPr lang="en-US"/>
           </a:p>
         </p:txBody>
       </p:sp>
@@ -884,9 +886,10 @@
           </a:lstStyle>
           <a:p>
             <a:r>
-              <a:rPr lang="en-US"/>
+              <a:rPr lang="en-US" smtClean="0"/>
               <a:t>Click to edit Master subtitle style</a:t>
             </a:r>
+            <a:endParaRPr lang="en-US"/>
           </a:p>
         </p:txBody>
       </p:sp>
@@ -907,7 +910,7 @@
           <a:p>
             <a:fld id="{E48C683D-3395-46D3-BF9E-903A3AF3FF2D}" type="datetime1">
               <a:rPr lang="en-US" smtClean="0"/>
-              <a:t>1/23/2017</a:t>
+              <a:t>1/26/2016</a:t>
             </a:fld>
             <a:endParaRPr lang="en-US"/>
           </a:p>
@@ -1001,9 +1004,10 @@
           <a:lstStyle/>
           <a:p>
             <a:r>
-              <a:rPr lang="en-US"/>
+              <a:rPr lang="en-US" smtClean="0"/>
               <a:t>Click to edit Master title style</a:t>
             </a:r>
+            <a:endParaRPr lang="en-US"/>
           </a:p>
         </p:txBody>
       </p:sp>
@@ -1024,37 +1028,38 @@
           <a:p>
             <a:pPr lvl="0"/>
             <a:r>
-              <a:rPr lang="en-US"/>
+              <a:rPr lang="en-US" smtClean="0"/>
               <a:t>Click to edit Master text styles</a:t>
             </a:r>
           </a:p>
           <a:p>
             <a:pPr lvl="1"/>
             <a:r>
-              <a:rPr lang="en-US"/>
+              <a:rPr lang="en-US" smtClean="0"/>
               <a:t>Second level</a:t>
             </a:r>
           </a:p>
           <a:p>
             <a:pPr lvl="2"/>
             <a:r>
-              <a:rPr lang="en-US"/>
+              <a:rPr lang="en-US" smtClean="0"/>
               <a:t>Third level</a:t>
             </a:r>
           </a:p>
           <a:p>
             <a:pPr lvl="3"/>
             <a:r>
-              <a:rPr lang="en-US"/>
+              <a:rPr lang="en-US" smtClean="0"/>
               <a:t>Fourth level</a:t>
             </a:r>
           </a:p>
           <a:p>
             <a:pPr lvl="4"/>
             <a:r>
-              <a:rPr lang="en-US"/>
+              <a:rPr lang="en-US" smtClean="0"/>
               <a:t>Fifth level</a:t>
             </a:r>
+            <a:endParaRPr lang="en-US"/>
           </a:p>
         </p:txBody>
       </p:sp>
@@ -1075,7 +1080,7 @@
           <a:p>
             <a:fld id="{74821124-6C44-4AB3-B69D-ECA5CA5FA42B}" type="datetime1">
               <a:rPr lang="en-US" smtClean="0"/>
-              <a:t>1/23/2017</a:t>
+              <a:t>1/26/2016</a:t>
             </a:fld>
             <a:endParaRPr lang="en-US"/>
           </a:p>
@@ -1174,9 +1179,10 @@
           <a:lstStyle/>
           <a:p>
             <a:r>
-              <a:rPr lang="en-US"/>
+              <a:rPr lang="en-US" smtClean="0"/>
               <a:t>Click to edit Master title style</a:t>
             </a:r>
+            <a:endParaRPr lang="en-US"/>
           </a:p>
         </p:txBody>
       </p:sp>
@@ -1202,37 +1208,38 @@
           <a:p>
             <a:pPr lvl="0"/>
             <a:r>
-              <a:rPr lang="en-US"/>
+              <a:rPr lang="en-US" smtClean="0"/>
               <a:t>Click to edit Master text styles</a:t>
             </a:r>
           </a:p>
           <a:p>
             <a:pPr lvl="1"/>
             <a:r>
-              <a:rPr lang="en-US"/>
+              <a:rPr lang="en-US" smtClean="0"/>
               <a:t>Second level</a:t>
             </a:r>
           </a:p>
           <a:p>
             <a:pPr lvl="2"/>
             <a:r>
-              <a:rPr lang="en-US"/>
+              <a:rPr lang="en-US" smtClean="0"/>
               <a:t>Third level</a:t>
             </a:r>
           </a:p>
           <a:p>
             <a:pPr lvl="3"/>
             <a:r>
-              <a:rPr lang="en-US"/>
+              <a:rPr lang="en-US" smtClean="0"/>
               <a:t>Fourth level</a:t>
             </a:r>
           </a:p>
           <a:p>
             <a:pPr lvl="4"/>
             <a:r>
-              <a:rPr lang="en-US"/>
+              <a:rPr lang="en-US" smtClean="0"/>
               <a:t>Fifth level</a:t>
             </a:r>
+            <a:endParaRPr lang="en-US"/>
           </a:p>
         </p:txBody>
       </p:sp>
@@ -1253,7 +1260,7 @@
           <a:p>
             <a:fld id="{88F0F44A-2702-406D-B711-F1B627E409B2}" type="datetime1">
               <a:rPr lang="en-US" smtClean="0"/>
-              <a:t>1/23/2017</a:t>
+              <a:t>1/26/2016</a:t>
             </a:fld>
             <a:endParaRPr lang="en-US"/>
           </a:p>
@@ -1347,7 +1354,7 @@
           <a:lstStyle/>
           <a:p>
             <a:r>
-              <a:rPr lang="en-US"/>
+              <a:rPr lang="en-US" smtClean="0"/>
               <a:t>Click to edit Master title style</a:t>
             </a:r>
             <a:endParaRPr lang="en-SG"/>
@@ -1371,35 +1378,35 @@
           <a:p>
             <a:pPr lvl="0"/>
             <a:r>
-              <a:rPr lang="en-US"/>
+              <a:rPr lang="en-US" smtClean="0"/>
               <a:t>Click to edit Master text styles</a:t>
             </a:r>
           </a:p>
           <a:p>
             <a:pPr lvl="1"/>
             <a:r>
-              <a:rPr lang="en-US"/>
+              <a:rPr lang="en-US" smtClean="0"/>
               <a:t>Second level</a:t>
             </a:r>
           </a:p>
           <a:p>
             <a:pPr lvl="2"/>
             <a:r>
-              <a:rPr lang="en-US"/>
+              <a:rPr lang="en-US" smtClean="0"/>
               <a:t>Third level</a:t>
             </a:r>
           </a:p>
           <a:p>
             <a:pPr lvl="3"/>
             <a:r>
-              <a:rPr lang="en-US"/>
+              <a:rPr lang="en-US" smtClean="0"/>
               <a:t>Fourth level</a:t>
             </a:r>
           </a:p>
           <a:p>
             <a:pPr lvl="4"/>
             <a:r>
-              <a:rPr lang="en-US"/>
+              <a:rPr lang="en-US" smtClean="0"/>
               <a:t>Fifth level</a:t>
             </a:r>
             <a:endParaRPr lang="en-SG"/>
@@ -1423,7 +1430,7 @@
           <a:p>
             <a:fld id="{4FF4215C-EF9E-4499-8028-3F6D416200A1}" type="datetime1">
               <a:rPr lang="en-US" smtClean="0"/>
-              <a:t>1/23/2017</a:t>
+              <a:t>1/26/2016</a:t>
             </a:fld>
             <a:endParaRPr lang="en-US"/>
           </a:p>
@@ -1522,9 +1529,10 @@
           <a:lstStyle/>
           <a:p>
             <a:r>
-              <a:rPr lang="en-US"/>
+              <a:rPr lang="en-US" smtClean="0"/>
               <a:t>Click to edit Master title style</a:t>
             </a:r>
+            <a:endParaRPr lang="en-US"/>
           </a:p>
         </p:txBody>
       </p:sp>
@@ -1640,9 +1648,10 @@
           </a:lstStyle>
           <a:p>
             <a:r>
-              <a:rPr lang="en-US"/>
+              <a:rPr lang="en-US" smtClean="0"/>
               <a:t>Click to edit Master subtitle style</a:t>
             </a:r>
+            <a:endParaRPr lang="en-US"/>
           </a:p>
         </p:txBody>
       </p:sp>
@@ -1663,7 +1672,7 @@
           <a:p>
             <a:fld id="{F52725C5-6827-4E2D-9543-1539AA3954B8}" type="datetime1">
               <a:rPr lang="en-US" smtClean="0"/>
-              <a:t>1/23/2017</a:t>
+              <a:t>1/26/2016</a:t>
             </a:fld>
             <a:endParaRPr lang="en-US"/>
           </a:p>
@@ -1757,9 +1766,10 @@
           <a:lstStyle/>
           <a:p>
             <a:r>
-              <a:rPr lang="en-US"/>
+              <a:rPr lang="en-US" smtClean="0"/>
               <a:t>Click to edit Master title style</a:t>
             </a:r>
+            <a:endParaRPr lang="en-US"/>
           </a:p>
         </p:txBody>
       </p:sp>
@@ -1780,37 +1790,38 @@
           <a:p>
             <a:pPr lvl="0"/>
             <a:r>
-              <a:rPr lang="en-US"/>
+              <a:rPr lang="en-US" smtClean="0"/>
               <a:t>Click to edit Master text styles</a:t>
             </a:r>
           </a:p>
           <a:p>
             <a:pPr lvl="1"/>
             <a:r>
-              <a:rPr lang="en-US"/>
+              <a:rPr lang="en-US" smtClean="0"/>
               <a:t>Second level</a:t>
             </a:r>
           </a:p>
           <a:p>
             <a:pPr lvl="2"/>
             <a:r>
-              <a:rPr lang="en-US"/>
+              <a:rPr lang="en-US" smtClean="0"/>
               <a:t>Third level</a:t>
             </a:r>
           </a:p>
           <a:p>
             <a:pPr lvl="3"/>
             <a:r>
-              <a:rPr lang="en-US"/>
+              <a:rPr lang="en-US" smtClean="0"/>
               <a:t>Fourth level</a:t>
             </a:r>
           </a:p>
           <a:p>
             <a:pPr lvl="4"/>
             <a:r>
-              <a:rPr lang="en-US"/>
+              <a:rPr lang="en-US" smtClean="0"/>
               <a:t>Fifth level</a:t>
             </a:r>
+            <a:endParaRPr lang="en-US"/>
           </a:p>
         </p:txBody>
       </p:sp>
@@ -1831,7 +1842,7 @@
           <a:p>
             <a:fld id="{84C3D210-5214-43E7-8E4B-0BD91EAD03A4}" type="datetime1">
               <a:rPr lang="en-US" smtClean="0"/>
-              <a:t>1/23/2017</a:t>
+              <a:t>1/26/2016</a:t>
             </a:fld>
             <a:endParaRPr lang="en-US"/>
           </a:p>
@@ -1934,9 +1945,10 @@
           </a:lstStyle>
           <a:p>
             <a:r>
-              <a:rPr lang="en-US"/>
+              <a:rPr lang="en-US" smtClean="0"/>
               <a:t>Click to edit Master title style</a:t>
             </a:r>
+            <a:endParaRPr lang="en-US"/>
           </a:p>
         </p:txBody>
       </p:sp>
@@ -2053,7 +2065,7 @@
           <a:p>
             <a:pPr lvl="0"/>
             <a:r>
-              <a:rPr lang="en-US"/>
+              <a:rPr lang="en-US" smtClean="0"/>
               <a:t>Click to edit Master text styles</a:t>
             </a:r>
           </a:p>
@@ -2076,7 +2088,7 @@
           <a:p>
             <a:fld id="{CABE04C8-2FA4-426D-90FA-3147AA463E81}" type="datetime1">
               <a:rPr lang="en-US" smtClean="0"/>
-              <a:t>1/23/2017</a:t>
+              <a:t>1/26/2016</a:t>
             </a:fld>
             <a:endParaRPr lang="en-US"/>
           </a:p>
@@ -2170,9 +2182,10 @@
           <a:lstStyle/>
           <a:p>
             <a:r>
-              <a:rPr lang="en-US"/>
+              <a:rPr lang="en-US" smtClean="0"/>
               <a:t>Click to edit Master title style</a:t>
             </a:r>
+            <a:endParaRPr lang="en-US"/>
           </a:p>
         </p:txBody>
       </p:sp>
@@ -2226,37 +2239,38 @@
           <a:p>
             <a:pPr lvl="0"/>
             <a:r>
-              <a:rPr lang="en-US"/>
+              <a:rPr lang="en-US" smtClean="0"/>
               <a:t>Click to edit Master text styles</a:t>
             </a:r>
           </a:p>
           <a:p>
             <a:pPr lvl="1"/>
             <a:r>
-              <a:rPr lang="en-US"/>
+              <a:rPr lang="en-US" smtClean="0"/>
               <a:t>Second level</a:t>
             </a:r>
           </a:p>
           <a:p>
             <a:pPr lvl="2"/>
             <a:r>
-              <a:rPr lang="en-US"/>
+              <a:rPr lang="en-US" smtClean="0"/>
               <a:t>Third level</a:t>
             </a:r>
           </a:p>
           <a:p>
             <a:pPr lvl="3"/>
             <a:r>
-              <a:rPr lang="en-US"/>
+              <a:rPr lang="en-US" smtClean="0"/>
               <a:t>Fourth level</a:t>
             </a:r>
           </a:p>
           <a:p>
             <a:pPr lvl="4"/>
             <a:r>
-              <a:rPr lang="en-US"/>
+              <a:rPr lang="en-US" smtClean="0"/>
               <a:t>Fifth level</a:t>
             </a:r>
+            <a:endParaRPr lang="en-US"/>
           </a:p>
         </p:txBody>
       </p:sp>
@@ -2310,37 +2324,38 @@
           <a:p>
             <a:pPr lvl="0"/>
             <a:r>
-              <a:rPr lang="en-US"/>
+              <a:rPr lang="en-US" smtClean="0"/>
               <a:t>Click to edit Master text styles</a:t>
             </a:r>
           </a:p>
           <a:p>
             <a:pPr lvl="1"/>
             <a:r>
-              <a:rPr lang="en-US"/>
+              <a:rPr lang="en-US" smtClean="0"/>
               <a:t>Second level</a:t>
             </a:r>
           </a:p>
           <a:p>
             <a:pPr lvl="2"/>
             <a:r>
-              <a:rPr lang="en-US"/>
+              <a:rPr lang="en-US" smtClean="0"/>
               <a:t>Third level</a:t>
             </a:r>
           </a:p>
           <a:p>
             <a:pPr lvl="3"/>
             <a:r>
-              <a:rPr lang="en-US"/>
+              <a:rPr lang="en-US" smtClean="0"/>
               <a:t>Fourth level</a:t>
             </a:r>
           </a:p>
           <a:p>
             <a:pPr lvl="4"/>
             <a:r>
-              <a:rPr lang="en-US"/>
+              <a:rPr lang="en-US" smtClean="0"/>
               <a:t>Fifth level</a:t>
             </a:r>
+            <a:endParaRPr lang="en-US"/>
           </a:p>
         </p:txBody>
       </p:sp>
@@ -2361,7 +2376,7 @@
           <a:p>
             <a:fld id="{16C6764C-CF34-401D-86AA-8E9442BA2BC5}" type="datetime1">
               <a:rPr lang="en-US" smtClean="0"/>
-              <a:t>1/23/2017</a:t>
+              <a:t>1/26/2016</a:t>
             </a:fld>
             <a:endParaRPr lang="en-US"/>
           </a:p>
@@ -2459,9 +2474,10 @@
           </a:lstStyle>
           <a:p>
             <a:r>
-              <a:rPr lang="en-US"/>
+              <a:rPr lang="en-US" smtClean="0"/>
               <a:t>Click to edit Master title style</a:t>
             </a:r>
+            <a:endParaRPr lang="en-US"/>
           </a:p>
         </p:txBody>
       </p:sp>
@@ -2524,7 +2540,7 @@
           <a:p>
             <a:pPr lvl="0"/>
             <a:r>
-              <a:rPr lang="en-US"/>
+              <a:rPr lang="en-US" smtClean="0"/>
               <a:t>Click to edit Master text styles</a:t>
             </a:r>
           </a:p>
@@ -2580,37 +2596,38 @@
           <a:p>
             <a:pPr lvl="0"/>
             <a:r>
-              <a:rPr lang="en-US"/>
+              <a:rPr lang="en-US" smtClean="0"/>
               <a:t>Click to edit Master text styles</a:t>
             </a:r>
           </a:p>
           <a:p>
             <a:pPr lvl="1"/>
             <a:r>
-              <a:rPr lang="en-US"/>
+              <a:rPr lang="en-US" smtClean="0"/>
               <a:t>Second level</a:t>
             </a:r>
           </a:p>
           <a:p>
             <a:pPr lvl="2"/>
             <a:r>
-              <a:rPr lang="en-US"/>
+              <a:rPr lang="en-US" smtClean="0"/>
               <a:t>Third level</a:t>
             </a:r>
           </a:p>
           <a:p>
             <a:pPr lvl="3"/>
             <a:r>
-              <a:rPr lang="en-US"/>
+              <a:rPr lang="en-US" smtClean="0"/>
               <a:t>Fourth level</a:t>
             </a:r>
           </a:p>
           <a:p>
             <a:pPr lvl="4"/>
             <a:r>
-              <a:rPr lang="en-US"/>
+              <a:rPr lang="en-US" smtClean="0"/>
               <a:t>Fifth level</a:t>
             </a:r>
+            <a:endParaRPr lang="en-US"/>
           </a:p>
         </p:txBody>
       </p:sp>
@@ -2673,7 +2690,7 @@
           <a:p>
             <a:pPr lvl="0"/>
             <a:r>
-              <a:rPr lang="en-US"/>
+              <a:rPr lang="en-US" smtClean="0"/>
               <a:t>Click to edit Master text styles</a:t>
             </a:r>
           </a:p>
@@ -2729,37 +2746,38 @@
           <a:p>
             <a:pPr lvl="0"/>
             <a:r>
-              <a:rPr lang="en-US"/>
+              <a:rPr lang="en-US" smtClean="0"/>
               <a:t>Click to edit Master text styles</a:t>
             </a:r>
           </a:p>
           <a:p>
             <a:pPr lvl="1"/>
             <a:r>
-              <a:rPr lang="en-US"/>
+              <a:rPr lang="en-US" smtClean="0"/>
               <a:t>Second level</a:t>
             </a:r>
           </a:p>
           <a:p>
             <a:pPr lvl="2"/>
             <a:r>
-              <a:rPr lang="en-US"/>
+              <a:rPr lang="en-US" smtClean="0"/>
               <a:t>Third level</a:t>
             </a:r>
           </a:p>
           <a:p>
             <a:pPr lvl="3"/>
             <a:r>
-              <a:rPr lang="en-US"/>
+              <a:rPr lang="en-US" smtClean="0"/>
               <a:t>Fourth level</a:t>
             </a:r>
           </a:p>
           <a:p>
             <a:pPr lvl="4"/>
             <a:r>
-              <a:rPr lang="en-US"/>
+              <a:rPr lang="en-US" smtClean="0"/>
               <a:t>Fifth level</a:t>
             </a:r>
+            <a:endParaRPr lang="en-US"/>
           </a:p>
         </p:txBody>
       </p:sp>
@@ -2780,7 +2798,7 @@
           <a:p>
             <a:fld id="{7A6304A5-3728-4433-A75D-59FC32371DB6}" type="datetime1">
               <a:rPr lang="en-US" smtClean="0"/>
-              <a:t>1/23/2017</a:t>
+              <a:t>1/26/2016</a:t>
             </a:fld>
             <a:endParaRPr lang="en-US"/>
           </a:p>
@@ -2874,9 +2892,10 @@
           <a:lstStyle/>
           <a:p>
             <a:r>
-              <a:rPr lang="en-US"/>
+              <a:rPr lang="en-US" smtClean="0"/>
               <a:t>Click to edit Master title style</a:t>
             </a:r>
+            <a:endParaRPr lang="en-US"/>
           </a:p>
         </p:txBody>
       </p:sp>
@@ -2897,7 +2916,7 @@
           <a:p>
             <a:fld id="{ECEC8789-70ED-426B-B532-587D6FE3BE94}" type="datetime1">
               <a:rPr lang="en-US" smtClean="0"/>
-              <a:t>1/23/2017</a:t>
+              <a:t>1/26/2016</a:t>
             </a:fld>
             <a:endParaRPr lang="en-US"/>
           </a:p>
@@ -2992,7 +3011,7 @@
           <a:p>
             <a:fld id="{8BC900E6-7C7F-42EC-9A9D-A635DE0275A7}" type="datetime1">
               <a:rPr lang="en-US" smtClean="0"/>
-              <a:t>1/23/2017</a:t>
+              <a:t>1/26/2016</a:t>
             </a:fld>
             <a:endParaRPr lang="en-US"/>
           </a:p>
@@ -3086,9 +3105,10 @@
           <a:lstStyle/>
           <a:p>
             <a:r>
-              <a:rPr lang="en-US"/>
+              <a:rPr lang="en-US" smtClean="0"/>
               <a:t>Click to edit Master title style</a:t>
             </a:r>
+            <a:endParaRPr lang="en-US"/>
           </a:p>
         </p:txBody>
       </p:sp>
@@ -3109,37 +3129,38 @@
           <a:p>
             <a:pPr lvl="0"/>
             <a:r>
-              <a:rPr lang="en-US"/>
+              <a:rPr lang="en-US" smtClean="0"/>
               <a:t>Click to edit Master text styles</a:t>
             </a:r>
           </a:p>
           <a:p>
             <a:pPr lvl="1"/>
             <a:r>
-              <a:rPr lang="en-US"/>
+              <a:rPr lang="en-US" smtClean="0"/>
               <a:t>Second level</a:t>
             </a:r>
           </a:p>
           <a:p>
             <a:pPr lvl="2"/>
             <a:r>
-              <a:rPr lang="en-US"/>
+              <a:rPr lang="en-US" smtClean="0"/>
               <a:t>Third level</a:t>
             </a:r>
           </a:p>
           <a:p>
             <a:pPr lvl="3"/>
             <a:r>
-              <a:rPr lang="en-US"/>
+              <a:rPr lang="en-US" smtClean="0"/>
               <a:t>Fourth level</a:t>
             </a:r>
           </a:p>
           <a:p>
             <a:pPr lvl="4"/>
             <a:r>
-              <a:rPr lang="en-US"/>
+              <a:rPr lang="en-US" smtClean="0"/>
               <a:t>Fifth level</a:t>
             </a:r>
+            <a:endParaRPr lang="en-US"/>
           </a:p>
         </p:txBody>
       </p:sp>
@@ -3160,7 +3181,7 @@
           <a:p>
             <a:fld id="{841E30D6-B7D9-43E8-B216-0FAF86DD2559}" type="datetime1">
               <a:rPr lang="en-US" smtClean="0"/>
-              <a:t>1/23/2017</a:t>
+              <a:t>1/26/2016</a:t>
             </a:fld>
             <a:endParaRPr lang="en-US"/>
           </a:p>
@@ -3263,9 +3284,10 @@
           </a:lstStyle>
           <a:p>
             <a:r>
-              <a:rPr lang="en-US"/>
+              <a:rPr lang="en-US" smtClean="0"/>
               <a:t>Click to edit Master title style</a:t>
             </a:r>
+            <a:endParaRPr lang="en-US"/>
           </a:p>
         </p:txBody>
       </p:sp>
@@ -3319,37 +3341,38 @@
           <a:p>
             <a:pPr lvl="0"/>
             <a:r>
-              <a:rPr lang="en-US"/>
+              <a:rPr lang="en-US" smtClean="0"/>
               <a:t>Click to edit Master text styles</a:t>
             </a:r>
           </a:p>
           <a:p>
             <a:pPr lvl="1"/>
             <a:r>
-              <a:rPr lang="en-US"/>
+              <a:rPr lang="en-US" smtClean="0"/>
               <a:t>Second level</a:t>
             </a:r>
           </a:p>
           <a:p>
             <a:pPr lvl="2"/>
             <a:r>
-              <a:rPr lang="en-US"/>
+              <a:rPr lang="en-US" smtClean="0"/>
               <a:t>Third level</a:t>
             </a:r>
           </a:p>
           <a:p>
             <a:pPr lvl="3"/>
             <a:r>
-              <a:rPr lang="en-US"/>
+              <a:rPr lang="en-US" smtClean="0"/>
               <a:t>Fourth level</a:t>
             </a:r>
           </a:p>
           <a:p>
             <a:pPr lvl="4"/>
             <a:r>
-              <a:rPr lang="en-US"/>
+              <a:rPr lang="en-US" smtClean="0"/>
               <a:t>Fifth level</a:t>
             </a:r>
+            <a:endParaRPr lang="en-US"/>
           </a:p>
         </p:txBody>
       </p:sp>
@@ -3412,7 +3435,7 @@
           <a:p>
             <a:pPr lvl="0"/>
             <a:r>
-              <a:rPr lang="en-US"/>
+              <a:rPr lang="en-US" smtClean="0"/>
               <a:t>Click to edit Master text styles</a:t>
             </a:r>
           </a:p>
@@ -3435,7 +3458,7 @@
           <a:p>
             <a:fld id="{49B6DA3E-3C8E-4D5C-8441-630DBE174E8D}" type="datetime1">
               <a:rPr lang="en-US" smtClean="0"/>
-              <a:t>1/23/2017</a:t>
+              <a:t>1/26/2016</a:t>
             </a:fld>
             <a:endParaRPr lang="en-US"/>
           </a:p>
@@ -3538,9 +3561,10 @@
           </a:lstStyle>
           <a:p>
             <a:r>
-              <a:rPr lang="en-US"/>
+              <a:rPr lang="en-US" smtClean="0"/>
               <a:t>Click to edit Master title style</a:t>
             </a:r>
+            <a:endParaRPr lang="en-US"/>
           </a:p>
         </p:txBody>
       </p:sp>
@@ -3664,7 +3688,7 @@
           <a:p>
             <a:pPr lvl="0"/>
             <a:r>
-              <a:rPr lang="en-US"/>
+              <a:rPr lang="en-US" smtClean="0"/>
               <a:t>Click to edit Master text styles</a:t>
             </a:r>
           </a:p>
@@ -3687,7 +3711,7 @@
           <a:p>
             <a:fld id="{F97EC72C-BC15-4474-A9FE-7CD8CD567FE0}" type="datetime1">
               <a:rPr lang="en-US" smtClean="0"/>
-              <a:t>1/23/2017</a:t>
+              <a:t>1/26/2016</a:t>
             </a:fld>
             <a:endParaRPr lang="en-US"/>
           </a:p>
@@ -3781,9 +3805,10 @@
           <a:lstStyle/>
           <a:p>
             <a:r>
-              <a:rPr lang="en-US"/>
+              <a:rPr lang="en-US" smtClean="0"/>
               <a:t>Click to edit Master title style</a:t>
             </a:r>
+            <a:endParaRPr lang="en-US"/>
           </a:p>
         </p:txBody>
       </p:sp>
@@ -3804,37 +3829,38 @@
           <a:p>
             <a:pPr lvl="0"/>
             <a:r>
-              <a:rPr lang="en-US"/>
+              <a:rPr lang="en-US" smtClean="0"/>
               <a:t>Click to edit Master text styles</a:t>
             </a:r>
           </a:p>
           <a:p>
             <a:pPr lvl="1"/>
             <a:r>
-              <a:rPr lang="en-US"/>
+              <a:rPr lang="en-US" smtClean="0"/>
               <a:t>Second level</a:t>
             </a:r>
           </a:p>
           <a:p>
             <a:pPr lvl="2"/>
             <a:r>
-              <a:rPr lang="en-US"/>
+              <a:rPr lang="en-US" smtClean="0"/>
               <a:t>Third level</a:t>
             </a:r>
           </a:p>
           <a:p>
             <a:pPr lvl="3"/>
             <a:r>
-              <a:rPr lang="en-US"/>
+              <a:rPr lang="en-US" smtClean="0"/>
               <a:t>Fourth level</a:t>
             </a:r>
           </a:p>
           <a:p>
             <a:pPr lvl="4"/>
             <a:r>
-              <a:rPr lang="en-US"/>
+              <a:rPr lang="en-US" smtClean="0"/>
               <a:t>Fifth level</a:t>
             </a:r>
+            <a:endParaRPr lang="en-US"/>
           </a:p>
         </p:txBody>
       </p:sp>
@@ -3855,7 +3881,7 @@
           <a:p>
             <a:fld id="{7A5C7CC7-A7C7-44A2-A763-681A3139D55C}" type="datetime1">
               <a:rPr lang="en-US" smtClean="0"/>
-              <a:t>1/23/2017</a:t>
+              <a:t>1/26/2016</a:t>
             </a:fld>
             <a:endParaRPr lang="en-US"/>
           </a:p>
@@ -3954,9 +3980,10 @@
           <a:lstStyle/>
           <a:p>
             <a:r>
-              <a:rPr lang="en-US"/>
+              <a:rPr lang="en-US" smtClean="0"/>
               <a:t>Click to edit Master title style</a:t>
             </a:r>
+            <a:endParaRPr lang="en-US"/>
           </a:p>
         </p:txBody>
       </p:sp>
@@ -3982,37 +4009,38 @@
           <a:p>
             <a:pPr lvl="0"/>
             <a:r>
-              <a:rPr lang="en-US"/>
+              <a:rPr lang="en-US" smtClean="0"/>
               <a:t>Click to edit Master text styles</a:t>
             </a:r>
           </a:p>
           <a:p>
             <a:pPr lvl="1"/>
             <a:r>
-              <a:rPr lang="en-US"/>
+              <a:rPr lang="en-US" smtClean="0"/>
               <a:t>Second level</a:t>
             </a:r>
           </a:p>
           <a:p>
             <a:pPr lvl="2"/>
             <a:r>
-              <a:rPr lang="en-US"/>
+              <a:rPr lang="en-US" smtClean="0"/>
               <a:t>Third level</a:t>
             </a:r>
           </a:p>
           <a:p>
             <a:pPr lvl="3"/>
             <a:r>
-              <a:rPr lang="en-US"/>
+              <a:rPr lang="en-US" smtClean="0"/>
               <a:t>Fourth level</a:t>
             </a:r>
           </a:p>
           <a:p>
             <a:pPr lvl="4"/>
             <a:r>
-              <a:rPr lang="en-US"/>
+              <a:rPr lang="en-US" smtClean="0"/>
               <a:t>Fifth level</a:t>
             </a:r>
+            <a:endParaRPr lang="en-US"/>
           </a:p>
         </p:txBody>
       </p:sp>
@@ -4033,7 +4061,7 @@
           <a:p>
             <a:fld id="{E8587F4F-5FAD-4F4C-AFC6-D917D1614028}" type="datetime1">
               <a:rPr lang="en-US" smtClean="0"/>
-              <a:t>1/23/2017</a:t>
+              <a:t>1/26/2016</a:t>
             </a:fld>
             <a:endParaRPr lang="en-US"/>
           </a:p>
@@ -4127,7 +4155,7 @@
           <a:lstStyle/>
           <a:p>
             <a:r>
-              <a:rPr lang="en-US"/>
+              <a:rPr lang="en-US" smtClean="0"/>
               <a:t>Click to edit Master title style</a:t>
             </a:r>
             <a:endParaRPr lang="en-SG"/>
@@ -4151,35 +4179,35 @@
           <a:p>
             <a:pPr lvl="0"/>
             <a:r>
-              <a:rPr lang="en-US"/>
+              <a:rPr lang="en-US" smtClean="0"/>
               <a:t>Click to edit Master text styles</a:t>
             </a:r>
           </a:p>
           <a:p>
             <a:pPr lvl="1"/>
             <a:r>
-              <a:rPr lang="en-US"/>
+              <a:rPr lang="en-US" smtClean="0"/>
               <a:t>Second level</a:t>
             </a:r>
           </a:p>
           <a:p>
             <a:pPr lvl="2"/>
             <a:r>
-              <a:rPr lang="en-US"/>
+              <a:rPr lang="en-US" smtClean="0"/>
               <a:t>Third level</a:t>
             </a:r>
           </a:p>
           <a:p>
             <a:pPr lvl="3"/>
             <a:r>
-              <a:rPr lang="en-US"/>
+              <a:rPr lang="en-US" smtClean="0"/>
               <a:t>Fourth level</a:t>
             </a:r>
           </a:p>
           <a:p>
             <a:pPr lvl="4"/>
             <a:r>
-              <a:rPr lang="en-US"/>
+              <a:rPr lang="en-US" smtClean="0"/>
               <a:t>Fifth level</a:t>
             </a:r>
             <a:endParaRPr lang="en-SG"/>
@@ -4203,7 +4231,7 @@
           <a:p>
             <a:fld id="{A4E079AD-47BF-4602-90E1-6DFC049A5484}" type="datetime1">
               <a:rPr lang="en-US" smtClean="0"/>
-              <a:t>1/23/2017</a:t>
+              <a:t>1/26/2016</a:t>
             </a:fld>
             <a:endParaRPr lang="en-US"/>
           </a:p>
@@ -4310,9 +4338,10 @@
           <a:lstStyle/>
           <a:p>
             <a:r>
-              <a:rPr lang="en-US"/>
+              <a:rPr lang="en-US" smtClean="0"/>
               <a:t>Click to edit Master title style</a:t>
             </a:r>
+            <a:endParaRPr lang="en-US"/>
           </a:p>
         </p:txBody>
       </p:sp>
@@ -4428,9 +4457,10 @@
           </a:lstStyle>
           <a:p>
             <a:r>
-              <a:rPr lang="en-US"/>
+              <a:rPr lang="en-US" smtClean="0"/>
               <a:t>Click to edit Master subtitle style</a:t>
             </a:r>
+            <a:endParaRPr lang="en-US"/>
           </a:p>
         </p:txBody>
       </p:sp>
@@ -4451,7 +4481,7 @@
           <a:p>
             <a:fld id="{A03A44E6-E8D4-49E9-90E3-CACB6DAAD05B}" type="datetime1">
               <a:rPr lang="en-US" smtClean="0"/>
-              <a:t>1/23/2017</a:t>
+              <a:t>1/26/2016</a:t>
             </a:fld>
             <a:endParaRPr lang="en-US"/>
           </a:p>
@@ -4553,9 +4583,10 @@
           <a:lstStyle/>
           <a:p>
             <a:r>
-              <a:rPr lang="en-US"/>
+              <a:rPr lang="en-US" smtClean="0"/>
               <a:t>Click to edit Master title style</a:t>
             </a:r>
+            <a:endParaRPr lang="en-US"/>
           </a:p>
         </p:txBody>
       </p:sp>
@@ -4576,37 +4607,38 @@
           <a:p>
             <a:pPr lvl="0"/>
             <a:r>
-              <a:rPr lang="en-US"/>
+              <a:rPr lang="en-US" smtClean="0"/>
               <a:t>Click to edit Master text styles</a:t>
             </a:r>
           </a:p>
           <a:p>
             <a:pPr lvl="1"/>
             <a:r>
-              <a:rPr lang="en-US"/>
+              <a:rPr lang="en-US" smtClean="0"/>
               <a:t>Second level</a:t>
             </a:r>
           </a:p>
           <a:p>
             <a:pPr lvl="2"/>
             <a:r>
-              <a:rPr lang="en-US"/>
+              <a:rPr lang="en-US" smtClean="0"/>
               <a:t>Third level</a:t>
             </a:r>
           </a:p>
           <a:p>
             <a:pPr lvl="3"/>
             <a:r>
-              <a:rPr lang="en-US"/>
+              <a:rPr lang="en-US" smtClean="0"/>
               <a:t>Fourth level</a:t>
             </a:r>
           </a:p>
           <a:p>
             <a:pPr lvl="4"/>
             <a:r>
-              <a:rPr lang="en-US"/>
+              <a:rPr lang="en-US" smtClean="0"/>
               <a:t>Fifth level</a:t>
             </a:r>
+            <a:endParaRPr lang="en-US"/>
           </a:p>
         </p:txBody>
       </p:sp>
@@ -4627,7 +4659,7 @@
           <a:p>
             <a:fld id="{32DBB816-C144-476E-951D-DEB86EEDC065}" type="datetime1">
               <a:rPr lang="en-US" smtClean="0"/>
-              <a:t>1/23/2017</a:t>
+              <a:t>1/26/2016</a:t>
             </a:fld>
             <a:endParaRPr lang="en-US"/>
           </a:p>
@@ -4738,9 +4770,10 @@
           </a:lstStyle>
           <a:p>
             <a:r>
-              <a:rPr lang="en-US"/>
+              <a:rPr lang="en-US" smtClean="0"/>
               <a:t>Click to edit Master title style</a:t>
             </a:r>
+            <a:endParaRPr lang="en-US"/>
           </a:p>
         </p:txBody>
       </p:sp>
@@ -4857,7 +4890,7 @@
           <a:p>
             <a:pPr lvl="0"/>
             <a:r>
-              <a:rPr lang="en-US"/>
+              <a:rPr lang="en-US" smtClean="0"/>
               <a:t>Click to edit Master text styles</a:t>
             </a:r>
           </a:p>
@@ -4880,7 +4913,7 @@
           <a:p>
             <a:fld id="{65D3BB8F-F6A8-4BB5-A7E1-80E720C01870}" type="datetime1">
               <a:rPr lang="en-US" smtClean="0"/>
-              <a:t>1/23/2017</a:t>
+              <a:t>1/26/2016</a:t>
             </a:fld>
             <a:endParaRPr lang="en-US"/>
           </a:p>
@@ -4982,9 +5015,10 @@
           <a:lstStyle/>
           <a:p>
             <a:r>
-              <a:rPr lang="en-US"/>
+              <a:rPr lang="en-US" smtClean="0"/>
               <a:t>Click to edit Master title style</a:t>
             </a:r>
+            <a:endParaRPr lang="en-US"/>
           </a:p>
         </p:txBody>
       </p:sp>
@@ -5038,37 +5072,38 @@
           <a:p>
             <a:pPr lvl="0"/>
             <a:r>
-              <a:rPr lang="en-US"/>
+              <a:rPr lang="en-US" smtClean="0"/>
               <a:t>Click to edit Master text styles</a:t>
             </a:r>
           </a:p>
           <a:p>
             <a:pPr lvl="1"/>
             <a:r>
-              <a:rPr lang="en-US"/>
+              <a:rPr lang="en-US" smtClean="0"/>
               <a:t>Second level</a:t>
             </a:r>
           </a:p>
           <a:p>
             <a:pPr lvl="2"/>
             <a:r>
-              <a:rPr lang="en-US"/>
+              <a:rPr lang="en-US" smtClean="0"/>
               <a:t>Third level</a:t>
             </a:r>
           </a:p>
           <a:p>
             <a:pPr lvl="3"/>
             <a:r>
-              <a:rPr lang="en-US"/>
+              <a:rPr lang="en-US" smtClean="0"/>
               <a:t>Fourth level</a:t>
             </a:r>
           </a:p>
           <a:p>
             <a:pPr lvl="4"/>
             <a:r>
-              <a:rPr lang="en-US"/>
+              <a:rPr lang="en-US" smtClean="0"/>
               <a:t>Fifth level</a:t>
             </a:r>
+            <a:endParaRPr lang="en-US"/>
           </a:p>
         </p:txBody>
       </p:sp>
@@ -5122,37 +5157,38 @@
           <a:p>
             <a:pPr lvl="0"/>
             <a:r>
-              <a:rPr lang="en-US"/>
+              <a:rPr lang="en-US" smtClean="0"/>
               <a:t>Click to edit Master text styles</a:t>
             </a:r>
           </a:p>
           <a:p>
             <a:pPr lvl="1"/>
             <a:r>
-              <a:rPr lang="en-US"/>
+              <a:rPr lang="en-US" smtClean="0"/>
               <a:t>Second level</a:t>
             </a:r>
           </a:p>
           <a:p>
             <a:pPr lvl="2"/>
             <a:r>
-              <a:rPr lang="en-US"/>
+              <a:rPr lang="en-US" smtClean="0"/>
               <a:t>Third level</a:t>
             </a:r>
           </a:p>
           <a:p>
             <a:pPr lvl="3"/>
             <a:r>
-              <a:rPr lang="en-US"/>
+              <a:rPr lang="en-US" smtClean="0"/>
               <a:t>Fourth level</a:t>
             </a:r>
           </a:p>
           <a:p>
             <a:pPr lvl="4"/>
             <a:r>
-              <a:rPr lang="en-US"/>
+              <a:rPr lang="en-US" smtClean="0"/>
               <a:t>Fifth level</a:t>
             </a:r>
+            <a:endParaRPr lang="en-US"/>
           </a:p>
         </p:txBody>
       </p:sp>
@@ -5173,7 +5209,7 @@
           <a:p>
             <a:fld id="{4A608807-CF6D-4535-941D-9CD5EC0CF299}" type="datetime1">
               <a:rPr lang="en-US" smtClean="0"/>
-              <a:t>1/23/2017</a:t>
+              <a:t>1/26/2016</a:t>
             </a:fld>
             <a:endParaRPr lang="en-US"/>
           </a:p>
@@ -5279,9 +5315,10 @@
           </a:lstStyle>
           <a:p>
             <a:r>
-              <a:rPr lang="en-US"/>
+              <a:rPr lang="en-US" smtClean="0"/>
               <a:t>Click to edit Master title style</a:t>
             </a:r>
+            <a:endParaRPr lang="en-US"/>
           </a:p>
         </p:txBody>
       </p:sp>
@@ -5344,7 +5381,7 @@
           <a:p>
             <a:pPr lvl="0"/>
             <a:r>
-              <a:rPr lang="en-US"/>
+              <a:rPr lang="en-US" smtClean="0"/>
               <a:t>Click to edit Master text styles</a:t>
             </a:r>
           </a:p>
@@ -5400,37 +5437,38 @@
           <a:p>
             <a:pPr lvl="0"/>
             <a:r>
-              <a:rPr lang="en-US"/>
+              <a:rPr lang="en-US" smtClean="0"/>
               <a:t>Click to edit Master text styles</a:t>
             </a:r>
           </a:p>
           <a:p>
             <a:pPr lvl="1"/>
             <a:r>
-              <a:rPr lang="en-US"/>
+              <a:rPr lang="en-US" smtClean="0"/>
               <a:t>Second level</a:t>
             </a:r>
           </a:p>
           <a:p>
             <a:pPr lvl="2"/>
             <a:r>
-              <a:rPr lang="en-US"/>
+              <a:rPr lang="en-US" smtClean="0"/>
               <a:t>Third level</a:t>
             </a:r>
           </a:p>
           <a:p>
             <a:pPr lvl="3"/>
             <a:r>
-              <a:rPr lang="en-US"/>
+              <a:rPr lang="en-US" smtClean="0"/>
               <a:t>Fourth level</a:t>
             </a:r>
           </a:p>
           <a:p>
             <a:pPr lvl="4"/>
             <a:r>
-              <a:rPr lang="en-US"/>
+              <a:rPr lang="en-US" smtClean="0"/>
               <a:t>Fifth level</a:t>
             </a:r>
+            <a:endParaRPr lang="en-US"/>
           </a:p>
         </p:txBody>
       </p:sp>
@@ -5493,7 +5531,7 @@
           <a:p>
             <a:pPr lvl="0"/>
             <a:r>
-              <a:rPr lang="en-US"/>
+              <a:rPr lang="en-US" smtClean="0"/>
               <a:t>Click to edit Master text styles</a:t>
             </a:r>
           </a:p>
@@ -5549,37 +5587,38 @@
           <a:p>
             <a:pPr lvl="0"/>
             <a:r>
-              <a:rPr lang="en-US"/>
+              <a:rPr lang="en-US" smtClean="0"/>
               <a:t>Click to edit Master text styles</a:t>
             </a:r>
           </a:p>
           <a:p>
             <a:pPr lvl="1"/>
             <a:r>
-              <a:rPr lang="en-US"/>
+              <a:rPr lang="en-US" smtClean="0"/>
               <a:t>Second level</a:t>
             </a:r>
           </a:p>
           <a:p>
             <a:pPr lvl="2"/>
             <a:r>
-              <a:rPr lang="en-US"/>
+              <a:rPr lang="en-US" smtClean="0"/>
               <a:t>Third level</a:t>
             </a:r>
           </a:p>
           <a:p>
             <a:pPr lvl="3"/>
             <a:r>
-              <a:rPr lang="en-US"/>
+              <a:rPr lang="en-US" smtClean="0"/>
               <a:t>Fourth level</a:t>
             </a:r>
           </a:p>
           <a:p>
             <a:pPr lvl="4"/>
             <a:r>
-              <a:rPr lang="en-US"/>
+              <a:rPr lang="en-US" smtClean="0"/>
               <a:t>Fifth level</a:t>
             </a:r>
+            <a:endParaRPr lang="en-US"/>
           </a:p>
         </p:txBody>
       </p:sp>
@@ -5600,7 +5639,7 @@
           <a:p>
             <a:fld id="{16B0049A-7B25-4151-A386-BF3C23675314}" type="datetime1">
               <a:rPr lang="en-US" smtClean="0"/>
-              <a:t>1/23/2017</a:t>
+              <a:t>1/26/2016</a:t>
             </a:fld>
             <a:endParaRPr lang="en-US"/>
           </a:p>
@@ -5703,9 +5742,10 @@
           </a:lstStyle>
           <a:p>
             <a:r>
-              <a:rPr lang="en-US"/>
+              <a:rPr lang="en-US" smtClean="0"/>
               <a:t>Click to edit Master title style</a:t>
             </a:r>
+            <a:endParaRPr lang="en-US"/>
           </a:p>
         </p:txBody>
       </p:sp>
@@ -5822,7 +5862,7 @@
           <a:p>
             <a:pPr lvl="0"/>
             <a:r>
-              <a:rPr lang="en-US"/>
+              <a:rPr lang="en-US" smtClean="0"/>
               <a:t>Click to edit Master text styles</a:t>
             </a:r>
           </a:p>
@@ -5845,7 +5885,7 @@
           <a:p>
             <a:fld id="{14C3D302-F44D-4C48-9AB4-E66C7AAD59FC}" type="datetime1">
               <a:rPr lang="en-US" smtClean="0"/>
-              <a:t>1/23/2017</a:t>
+              <a:t>1/26/2016</a:t>
             </a:fld>
             <a:endParaRPr lang="en-US"/>
           </a:p>
@@ -5947,9 +5987,10 @@
           <a:lstStyle/>
           <a:p>
             <a:r>
-              <a:rPr lang="en-US"/>
+              <a:rPr lang="en-US" smtClean="0"/>
               <a:t>Click to edit Master title style</a:t>
             </a:r>
+            <a:endParaRPr lang="en-US"/>
           </a:p>
         </p:txBody>
       </p:sp>
@@ -5970,7 +6011,7 @@
           <a:p>
             <a:fld id="{4669EECD-01E4-4572-8BD0-2717E3AC353F}" type="datetime1">
               <a:rPr lang="en-US" smtClean="0"/>
-              <a:t>1/23/2017</a:t>
+              <a:t>1/26/2016</a:t>
             </a:fld>
             <a:endParaRPr lang="en-US"/>
           </a:p>
@@ -6073,7 +6114,7 @@
           <a:p>
             <a:fld id="{FBF63299-772A-4EF5-BD70-5AE6174D1B6C}" type="datetime1">
               <a:rPr lang="en-US" smtClean="0"/>
-              <a:t>1/23/2017</a:t>
+              <a:t>1/26/2016</a:t>
             </a:fld>
             <a:endParaRPr lang="en-US"/>
           </a:p>
@@ -6184,9 +6225,10 @@
           </a:lstStyle>
           <a:p>
             <a:r>
-              <a:rPr lang="en-US"/>
+              <a:rPr lang="en-US" smtClean="0"/>
               <a:t>Click to edit Master title style</a:t>
             </a:r>
+            <a:endParaRPr lang="en-US"/>
           </a:p>
         </p:txBody>
       </p:sp>
@@ -6240,37 +6282,38 @@
           <a:p>
             <a:pPr lvl="0"/>
             <a:r>
-              <a:rPr lang="en-US"/>
+              <a:rPr lang="en-US" smtClean="0"/>
               <a:t>Click to edit Master text styles</a:t>
             </a:r>
           </a:p>
           <a:p>
             <a:pPr lvl="1"/>
             <a:r>
-              <a:rPr lang="en-US"/>
+              <a:rPr lang="en-US" smtClean="0"/>
               <a:t>Second level</a:t>
             </a:r>
           </a:p>
           <a:p>
             <a:pPr lvl="2"/>
             <a:r>
-              <a:rPr lang="en-US"/>
+              <a:rPr lang="en-US" smtClean="0"/>
               <a:t>Third level</a:t>
             </a:r>
           </a:p>
           <a:p>
             <a:pPr lvl="3"/>
             <a:r>
-              <a:rPr lang="en-US"/>
+              <a:rPr lang="en-US" smtClean="0"/>
               <a:t>Fourth level</a:t>
             </a:r>
           </a:p>
           <a:p>
             <a:pPr lvl="4"/>
             <a:r>
-              <a:rPr lang="en-US"/>
+              <a:rPr lang="en-US" smtClean="0"/>
               <a:t>Fifth level</a:t>
             </a:r>
+            <a:endParaRPr lang="en-US"/>
           </a:p>
         </p:txBody>
       </p:sp>
@@ -6333,7 +6376,7 @@
           <a:p>
             <a:pPr lvl="0"/>
             <a:r>
-              <a:rPr lang="en-US"/>
+              <a:rPr lang="en-US" smtClean="0"/>
               <a:t>Click to edit Master text styles</a:t>
             </a:r>
           </a:p>
@@ -6356,7 +6399,7 @@
           <a:p>
             <a:fld id="{BA37D725-F957-4CB0-95B7-2EACDECFF9EB}" type="datetime1">
               <a:rPr lang="en-US" smtClean="0"/>
-              <a:t>1/23/2017</a:t>
+              <a:t>1/26/2016</a:t>
             </a:fld>
             <a:endParaRPr lang="en-US"/>
           </a:p>
@@ -6467,9 +6510,10 @@
           </a:lstStyle>
           <a:p>
             <a:r>
-              <a:rPr lang="en-US"/>
+              <a:rPr lang="en-US" smtClean="0"/>
               <a:t>Click to edit Master title style</a:t>
             </a:r>
+            <a:endParaRPr lang="en-US"/>
           </a:p>
         </p:txBody>
       </p:sp>
@@ -6593,7 +6637,7 @@
           <a:p>
             <a:pPr lvl="0"/>
             <a:r>
-              <a:rPr lang="en-US"/>
+              <a:rPr lang="en-US" smtClean="0"/>
               <a:t>Click to edit Master text styles</a:t>
             </a:r>
           </a:p>
@@ -6616,7 +6660,7 @@
           <a:p>
             <a:fld id="{C3D550D7-A999-41A7-9C9D-0907FC814ADA}" type="datetime1">
               <a:rPr lang="en-US" smtClean="0"/>
-              <a:t>1/23/2017</a:t>
+              <a:t>1/26/2016</a:t>
             </a:fld>
             <a:endParaRPr lang="en-US"/>
           </a:p>
@@ -6718,9 +6762,10 @@
           <a:lstStyle/>
           <a:p>
             <a:r>
-              <a:rPr lang="en-US"/>
+              <a:rPr lang="en-US" smtClean="0"/>
               <a:t>Click to edit Master title style</a:t>
             </a:r>
+            <a:endParaRPr lang="en-US"/>
           </a:p>
         </p:txBody>
       </p:sp>
@@ -6741,37 +6786,38 @@
           <a:p>
             <a:pPr lvl="0"/>
             <a:r>
-              <a:rPr lang="en-US"/>
+              <a:rPr lang="en-US" smtClean="0"/>
               <a:t>Click to edit Master text styles</a:t>
             </a:r>
           </a:p>
           <a:p>
             <a:pPr lvl="1"/>
             <a:r>
-              <a:rPr lang="en-US"/>
+              <a:rPr lang="en-US" smtClean="0"/>
               <a:t>Second level</a:t>
             </a:r>
           </a:p>
           <a:p>
             <a:pPr lvl="2"/>
             <a:r>
-              <a:rPr lang="en-US"/>
+              <a:rPr lang="en-US" smtClean="0"/>
               <a:t>Third level</a:t>
             </a:r>
           </a:p>
           <a:p>
             <a:pPr lvl="3"/>
             <a:r>
-              <a:rPr lang="en-US"/>
+              <a:rPr lang="en-US" smtClean="0"/>
               <a:t>Fourth level</a:t>
             </a:r>
           </a:p>
           <a:p>
             <a:pPr lvl="4"/>
             <a:r>
-              <a:rPr lang="en-US"/>
+              <a:rPr lang="en-US" smtClean="0"/>
               <a:t>Fifth level</a:t>
             </a:r>
+            <a:endParaRPr lang="en-US"/>
           </a:p>
         </p:txBody>
       </p:sp>
@@ -6792,7 +6838,7 @@
           <a:p>
             <a:fld id="{94CBEF62-12B4-4E5F-BF0F-771E98D7289F}" type="datetime1">
               <a:rPr lang="en-US" smtClean="0"/>
-              <a:t>1/23/2017</a:t>
+              <a:t>1/26/2016</a:t>
             </a:fld>
             <a:endParaRPr lang="en-US"/>
           </a:p>
@@ -6899,9 +6945,10 @@
           <a:lstStyle/>
           <a:p>
             <a:r>
-              <a:rPr lang="en-US"/>
+              <a:rPr lang="en-US" smtClean="0"/>
               <a:t>Click to edit Master title style</a:t>
             </a:r>
+            <a:endParaRPr lang="en-US"/>
           </a:p>
         </p:txBody>
       </p:sp>
@@ -6927,37 +6974,38 @@
           <a:p>
             <a:pPr lvl="0"/>
             <a:r>
-              <a:rPr lang="en-US"/>
+              <a:rPr lang="en-US" smtClean="0"/>
               <a:t>Click to edit Master text styles</a:t>
             </a:r>
           </a:p>
           <a:p>
             <a:pPr lvl="1"/>
             <a:r>
-              <a:rPr lang="en-US"/>
+              <a:rPr lang="en-US" smtClean="0"/>
               <a:t>Second level</a:t>
             </a:r>
           </a:p>
           <a:p>
             <a:pPr lvl="2"/>
             <a:r>
-              <a:rPr lang="en-US"/>
+              <a:rPr lang="en-US" smtClean="0"/>
               <a:t>Third level</a:t>
             </a:r>
           </a:p>
           <a:p>
             <a:pPr lvl="3"/>
             <a:r>
-              <a:rPr lang="en-US"/>
+              <a:rPr lang="en-US" smtClean="0"/>
               <a:t>Fourth level</a:t>
             </a:r>
           </a:p>
           <a:p>
             <a:pPr lvl="4"/>
             <a:r>
-              <a:rPr lang="en-US"/>
+              <a:rPr lang="en-US" smtClean="0"/>
               <a:t>Fifth level</a:t>
             </a:r>
+            <a:endParaRPr lang="en-US"/>
           </a:p>
         </p:txBody>
       </p:sp>
@@ -6978,7 +7026,7 @@
           <a:p>
             <a:fld id="{BCA8447D-ABEA-40EB-B9FF-53F7381F0DEE}" type="datetime1">
               <a:rPr lang="en-US" smtClean="0"/>
-              <a:t>1/23/2017</a:t>
+              <a:t>1/26/2016</a:t>
             </a:fld>
             <a:endParaRPr lang="en-US"/>
           </a:p>
@@ -7072,7 +7120,7 @@
           <a:lstStyle/>
           <a:p>
             <a:r>
-              <a:rPr lang="en-US"/>
+              <a:rPr lang="en-US" smtClean="0"/>
               <a:t>Click to edit Master title style</a:t>
             </a:r>
             <a:endParaRPr lang="en-SG"/>
@@ -7096,35 +7144,35 @@
           <a:p>
             <a:pPr lvl="0"/>
             <a:r>
-              <a:rPr lang="en-US"/>
+              <a:rPr lang="en-US" smtClean="0"/>
               <a:t>Click to edit Master text styles</a:t>
             </a:r>
           </a:p>
           <a:p>
             <a:pPr lvl="1"/>
             <a:r>
-              <a:rPr lang="en-US"/>
+              <a:rPr lang="en-US" smtClean="0"/>
               <a:t>Second level</a:t>
             </a:r>
           </a:p>
           <a:p>
             <a:pPr lvl="2"/>
             <a:r>
-              <a:rPr lang="en-US"/>
+              <a:rPr lang="en-US" smtClean="0"/>
               <a:t>Third level</a:t>
             </a:r>
           </a:p>
           <a:p>
             <a:pPr lvl="3"/>
             <a:r>
-              <a:rPr lang="en-US"/>
+              <a:rPr lang="en-US" smtClean="0"/>
               <a:t>Fourth level</a:t>
             </a:r>
           </a:p>
           <a:p>
             <a:pPr lvl="4"/>
             <a:r>
-              <a:rPr lang="en-US"/>
+              <a:rPr lang="en-US" smtClean="0"/>
               <a:t>Fifth level</a:t>
             </a:r>
             <a:endParaRPr lang="en-SG"/>
@@ -7148,7 +7196,7 @@
           <a:p>
             <a:fld id="{C3A25FC6-4A5B-4D03-B6E2-74CEF1309020}" type="datetime1">
               <a:rPr lang="en-US" smtClean="0"/>
-              <a:t>1/23/2017</a:t>
+              <a:t>1/26/2016</a:t>
             </a:fld>
             <a:endParaRPr lang="en-US"/>
           </a:p>
@@ -7242,9 +7290,10 @@
           <a:lstStyle/>
           <a:p>
             <a:r>
-              <a:rPr lang="en-US"/>
+              <a:rPr lang="en-US" smtClean="0"/>
               <a:t>Click to edit Master title style</a:t>
             </a:r>
+            <a:endParaRPr lang="en-US"/>
           </a:p>
         </p:txBody>
       </p:sp>
@@ -7298,37 +7347,38 @@
           <a:p>
             <a:pPr lvl="0"/>
             <a:r>
-              <a:rPr lang="en-US"/>
+              <a:rPr lang="en-US" smtClean="0"/>
               <a:t>Click to edit Master text styles</a:t>
             </a:r>
           </a:p>
           <a:p>
             <a:pPr lvl="1"/>
             <a:r>
-              <a:rPr lang="en-US"/>
+              <a:rPr lang="en-US" smtClean="0"/>
               <a:t>Second level</a:t>
             </a:r>
           </a:p>
           <a:p>
             <a:pPr lvl="2"/>
             <a:r>
-              <a:rPr lang="en-US"/>
+              <a:rPr lang="en-US" smtClean="0"/>
               <a:t>Third level</a:t>
             </a:r>
           </a:p>
           <a:p>
             <a:pPr lvl="3"/>
             <a:r>
-              <a:rPr lang="en-US"/>
+              <a:rPr lang="en-US" smtClean="0"/>
               <a:t>Fourth level</a:t>
             </a:r>
           </a:p>
           <a:p>
             <a:pPr lvl="4"/>
             <a:r>
-              <a:rPr lang="en-US"/>
+              <a:rPr lang="en-US" smtClean="0"/>
               <a:t>Fifth level</a:t>
             </a:r>
+            <a:endParaRPr lang="en-US"/>
           </a:p>
         </p:txBody>
       </p:sp>
@@ -7382,37 +7432,38 @@
           <a:p>
             <a:pPr lvl="0"/>
             <a:r>
-              <a:rPr lang="en-US"/>
+              <a:rPr lang="en-US" smtClean="0"/>
               <a:t>Click to edit Master text styles</a:t>
             </a:r>
           </a:p>
           <a:p>
             <a:pPr lvl="1"/>
             <a:r>
-              <a:rPr lang="en-US"/>
+              <a:rPr lang="en-US" smtClean="0"/>
               <a:t>Second level</a:t>
             </a:r>
           </a:p>
           <a:p>
             <a:pPr lvl="2"/>
             <a:r>
-              <a:rPr lang="en-US"/>
+              <a:rPr lang="en-US" smtClean="0"/>
               <a:t>Third level</a:t>
             </a:r>
           </a:p>
           <a:p>
             <a:pPr lvl="3"/>
             <a:r>
-              <a:rPr lang="en-US"/>
+              <a:rPr lang="en-US" smtClean="0"/>
               <a:t>Fourth level</a:t>
             </a:r>
           </a:p>
           <a:p>
             <a:pPr lvl="4"/>
             <a:r>
-              <a:rPr lang="en-US"/>
+              <a:rPr lang="en-US" smtClean="0"/>
               <a:t>Fifth level</a:t>
             </a:r>
+            <a:endParaRPr lang="en-US"/>
           </a:p>
         </p:txBody>
       </p:sp>
@@ -7433,7 +7484,7 @@
           <a:p>
             <a:fld id="{4B1E226B-FA54-4BDC-8201-19269D734AFD}" type="datetime1">
               <a:rPr lang="en-US" smtClean="0"/>
-              <a:t>1/23/2017</a:t>
+              <a:t>1/26/2016</a:t>
             </a:fld>
             <a:endParaRPr lang="en-US"/>
           </a:p>
@@ -7531,9 +7582,10 @@
           </a:lstStyle>
           <a:p>
             <a:r>
-              <a:rPr lang="en-US"/>
+              <a:rPr lang="en-US" smtClean="0"/>
               <a:t>Click to edit Master title style</a:t>
             </a:r>
+            <a:endParaRPr lang="en-US"/>
           </a:p>
         </p:txBody>
       </p:sp>
@@ -7596,7 +7648,7 @@
           <a:p>
             <a:pPr lvl="0"/>
             <a:r>
-              <a:rPr lang="en-US"/>
+              <a:rPr lang="en-US" smtClean="0"/>
               <a:t>Click to edit Master text styles</a:t>
             </a:r>
           </a:p>
@@ -7652,37 +7704,38 @@
           <a:p>
             <a:pPr lvl="0"/>
             <a:r>
-              <a:rPr lang="en-US"/>
+              <a:rPr lang="en-US" smtClean="0"/>
               <a:t>Click to edit Master text styles</a:t>
             </a:r>
           </a:p>
           <a:p>
             <a:pPr lvl="1"/>
             <a:r>
-              <a:rPr lang="en-US"/>
+              <a:rPr lang="en-US" smtClean="0"/>
               <a:t>Second level</a:t>
             </a:r>
           </a:p>
           <a:p>
             <a:pPr lvl="2"/>
             <a:r>
-              <a:rPr lang="en-US"/>
+              <a:rPr lang="en-US" smtClean="0"/>
               <a:t>Third level</a:t>
             </a:r>
           </a:p>
           <a:p>
             <a:pPr lvl="3"/>
             <a:r>
-              <a:rPr lang="en-US"/>
+              <a:rPr lang="en-US" smtClean="0"/>
               <a:t>Fourth level</a:t>
             </a:r>
           </a:p>
           <a:p>
             <a:pPr lvl="4"/>
             <a:r>
-              <a:rPr lang="en-US"/>
+              <a:rPr lang="en-US" smtClean="0"/>
               <a:t>Fifth level</a:t>
             </a:r>
+            <a:endParaRPr lang="en-US"/>
           </a:p>
         </p:txBody>
       </p:sp>
@@ -7745,7 +7798,7 @@
           <a:p>
             <a:pPr lvl="0"/>
             <a:r>
-              <a:rPr lang="en-US"/>
+              <a:rPr lang="en-US" smtClean="0"/>
               <a:t>Click to edit Master text styles</a:t>
             </a:r>
           </a:p>
@@ -7801,37 +7854,38 @@
           <a:p>
             <a:pPr lvl="0"/>
             <a:r>
-              <a:rPr lang="en-US"/>
+              <a:rPr lang="en-US" smtClean="0"/>
               <a:t>Click to edit Master text styles</a:t>
             </a:r>
           </a:p>
           <a:p>
             <a:pPr lvl="1"/>
             <a:r>
-              <a:rPr lang="en-US"/>
+              <a:rPr lang="en-US" smtClean="0"/>
               <a:t>Second level</a:t>
             </a:r>
           </a:p>
           <a:p>
             <a:pPr lvl="2"/>
             <a:r>
-              <a:rPr lang="en-US"/>
+              <a:rPr lang="en-US" smtClean="0"/>
               <a:t>Third level</a:t>
             </a:r>
           </a:p>
           <a:p>
             <a:pPr lvl="3"/>
             <a:r>
-              <a:rPr lang="en-US"/>
+              <a:rPr lang="en-US" smtClean="0"/>
               <a:t>Fourth level</a:t>
             </a:r>
           </a:p>
           <a:p>
             <a:pPr lvl="4"/>
             <a:r>
-              <a:rPr lang="en-US"/>
+              <a:rPr lang="en-US" smtClean="0"/>
               <a:t>Fifth level</a:t>
             </a:r>
+            <a:endParaRPr lang="en-US"/>
           </a:p>
         </p:txBody>
       </p:sp>
@@ -7852,7 +7906,7 @@
           <a:p>
             <a:fld id="{A48FD302-A4C5-460E-821E-F0758F7B09DB}" type="datetime1">
               <a:rPr lang="en-US" smtClean="0"/>
-              <a:t>1/23/2017</a:t>
+              <a:t>1/26/2016</a:t>
             </a:fld>
             <a:endParaRPr lang="en-US"/>
           </a:p>
@@ -7946,9 +8000,10 @@
           <a:lstStyle/>
           <a:p>
             <a:r>
-              <a:rPr lang="en-US"/>
+              <a:rPr lang="en-US" smtClean="0"/>
               <a:t>Click to edit Master title style</a:t>
             </a:r>
+            <a:endParaRPr lang="en-US"/>
           </a:p>
         </p:txBody>
       </p:sp>
@@ -7969,7 +8024,7 @@
           <a:p>
             <a:fld id="{64F717C0-D4DB-442B-8C0B-8E7BE0603337}" type="datetime1">
               <a:rPr lang="en-US" smtClean="0"/>
-              <a:t>1/23/2017</a:t>
+              <a:t>1/26/2016</a:t>
             </a:fld>
             <a:endParaRPr lang="en-US"/>
           </a:p>
@@ -8064,7 +8119,7 @@
           <a:p>
             <a:fld id="{63D346FC-DDDE-41B4-8118-AA4FFA556266}" type="datetime1">
               <a:rPr lang="en-US" smtClean="0"/>
-              <a:t>1/23/2017</a:t>
+              <a:t>1/26/2016</a:t>
             </a:fld>
             <a:endParaRPr lang="en-US"/>
           </a:p>
@@ -8167,9 +8222,10 @@
           </a:lstStyle>
           <a:p>
             <a:r>
-              <a:rPr lang="en-US"/>
+              <a:rPr lang="en-US" smtClean="0"/>
               <a:t>Click to edit Master title style</a:t>
             </a:r>
+            <a:endParaRPr lang="en-US"/>
           </a:p>
         </p:txBody>
       </p:sp>
@@ -8223,37 +8279,38 @@
           <a:p>
             <a:pPr lvl="0"/>
             <a:r>
-              <a:rPr lang="en-US"/>
+              <a:rPr lang="en-US" smtClean="0"/>
               <a:t>Click to edit Master text styles</a:t>
             </a:r>
           </a:p>
           <a:p>
             <a:pPr lvl="1"/>
             <a:r>
-              <a:rPr lang="en-US"/>
+              <a:rPr lang="en-US" smtClean="0"/>
               <a:t>Second level</a:t>
             </a:r>
           </a:p>
           <a:p>
             <a:pPr lvl="2"/>
             <a:r>
-              <a:rPr lang="en-US"/>
+              <a:rPr lang="en-US" smtClean="0"/>
               <a:t>Third level</a:t>
             </a:r>
           </a:p>
           <a:p>
             <a:pPr lvl="3"/>
             <a:r>
-              <a:rPr lang="en-US"/>
+              <a:rPr lang="en-US" smtClean="0"/>
               <a:t>Fourth level</a:t>
             </a:r>
           </a:p>
           <a:p>
             <a:pPr lvl="4"/>
             <a:r>
-              <a:rPr lang="en-US"/>
+              <a:rPr lang="en-US" smtClean="0"/>
               <a:t>Fifth level</a:t>
             </a:r>
+            <a:endParaRPr lang="en-US"/>
           </a:p>
         </p:txBody>
       </p:sp>
@@ -8316,7 +8373,7 @@
           <a:p>
             <a:pPr lvl="0"/>
             <a:r>
-              <a:rPr lang="en-US"/>
+              <a:rPr lang="en-US" smtClean="0"/>
               <a:t>Click to edit Master text styles</a:t>
             </a:r>
           </a:p>
@@ -8339,7 +8396,7 @@
           <a:p>
             <a:fld id="{ADB0AC3C-FFED-4EAE-A34D-B9688C9307A5}" type="datetime1">
               <a:rPr lang="en-US" smtClean="0"/>
-              <a:t>1/23/2017</a:t>
+              <a:t>1/26/2016</a:t>
             </a:fld>
             <a:endParaRPr lang="en-US"/>
           </a:p>
@@ -8442,9 +8499,10 @@
           </a:lstStyle>
           <a:p>
             <a:r>
-              <a:rPr lang="en-US"/>
+              <a:rPr lang="en-US" smtClean="0"/>
               <a:t>Click to edit Master title style</a:t>
             </a:r>
+            <a:endParaRPr lang="en-US"/>
           </a:p>
         </p:txBody>
       </p:sp>
@@ -8568,7 +8626,7 @@
           <a:p>
             <a:pPr lvl="0"/>
             <a:r>
-              <a:rPr lang="en-US"/>
+              <a:rPr lang="en-US" smtClean="0"/>
               <a:t>Click to edit Master text styles</a:t>
             </a:r>
           </a:p>
@@ -8591,7 +8649,7 @@
           <a:p>
             <a:fld id="{D7BB1A1F-54B4-4384-8791-9183BFC3954E}" type="datetime1">
               <a:rPr lang="en-US" smtClean="0"/>
-              <a:t>1/23/2017</a:t>
+              <a:t>1/26/2016</a:t>
             </a:fld>
             <a:endParaRPr lang="en-US"/>
           </a:p>
@@ -8700,9 +8758,10 @@
           <a:lstStyle/>
           <a:p>
             <a:r>
-              <a:rPr lang="en-US"/>
+              <a:rPr lang="en-US" smtClean="0"/>
               <a:t>Click to edit Master title style</a:t>
             </a:r>
+            <a:endParaRPr lang="en-US"/>
           </a:p>
         </p:txBody>
       </p:sp>
@@ -8733,37 +8792,38 @@
           <a:p>
             <a:pPr lvl="0"/>
             <a:r>
-              <a:rPr lang="en-US"/>
+              <a:rPr lang="en-US" smtClean="0"/>
               <a:t>Click to edit Master text styles</a:t>
             </a:r>
           </a:p>
           <a:p>
             <a:pPr lvl="1"/>
             <a:r>
-              <a:rPr lang="en-US"/>
+              <a:rPr lang="en-US" smtClean="0"/>
               <a:t>Second level</a:t>
             </a:r>
           </a:p>
           <a:p>
             <a:pPr lvl="2"/>
             <a:r>
-              <a:rPr lang="en-US"/>
+              <a:rPr lang="en-US" smtClean="0"/>
               <a:t>Third level</a:t>
             </a:r>
           </a:p>
           <a:p>
             <a:pPr lvl="3"/>
             <a:r>
-              <a:rPr lang="en-US"/>
+              <a:rPr lang="en-US" smtClean="0"/>
               <a:t>Fourth level</a:t>
             </a:r>
           </a:p>
           <a:p>
             <a:pPr lvl="4"/>
             <a:r>
-              <a:rPr lang="en-US"/>
+              <a:rPr lang="en-US" smtClean="0"/>
               <a:t>Fifth level</a:t>
             </a:r>
+            <a:endParaRPr lang="en-US"/>
           </a:p>
         </p:txBody>
       </p:sp>
@@ -8802,7 +8862,7 @@
           <a:p>
             <a:fld id="{4FF4215C-EF9E-4499-8028-3F6D416200A1}" type="datetime1">
               <a:rPr lang="en-US" smtClean="0"/>
-              <a:t>1/23/2017</a:t>
+              <a:t>1/26/2016</a:t>
             </a:fld>
             <a:endParaRPr lang="en-US"/>
           </a:p>
@@ -9215,9 +9275,10 @@
           <a:lstStyle/>
           <a:p>
             <a:r>
-              <a:rPr lang="en-US"/>
+              <a:rPr lang="en-US" smtClean="0"/>
               <a:t>Click to edit Master title style</a:t>
             </a:r>
+            <a:endParaRPr lang="en-US"/>
           </a:p>
         </p:txBody>
       </p:sp>
@@ -9248,37 +9309,38 @@
           <a:p>
             <a:pPr lvl="0"/>
             <a:r>
-              <a:rPr lang="en-US"/>
+              <a:rPr lang="en-US" smtClean="0"/>
               <a:t>Click to edit Master text styles</a:t>
             </a:r>
           </a:p>
           <a:p>
             <a:pPr lvl="1"/>
             <a:r>
-              <a:rPr lang="en-US"/>
+              <a:rPr lang="en-US" smtClean="0"/>
               <a:t>Second level</a:t>
             </a:r>
           </a:p>
           <a:p>
             <a:pPr lvl="2"/>
             <a:r>
-              <a:rPr lang="en-US"/>
+              <a:rPr lang="en-US" smtClean="0"/>
               <a:t>Third level</a:t>
             </a:r>
           </a:p>
           <a:p>
             <a:pPr lvl="3"/>
             <a:r>
-              <a:rPr lang="en-US"/>
+              <a:rPr lang="en-US" smtClean="0"/>
               <a:t>Fourth level</a:t>
             </a:r>
           </a:p>
           <a:p>
             <a:pPr lvl="4"/>
             <a:r>
-              <a:rPr lang="en-US"/>
+              <a:rPr lang="en-US" smtClean="0"/>
               <a:t>Fifth level</a:t>
             </a:r>
+            <a:endParaRPr lang="en-US"/>
           </a:p>
         </p:txBody>
       </p:sp>
@@ -9317,7 +9379,7 @@
           <a:p>
             <a:fld id="{A4E079AD-47BF-4602-90E1-6DFC049A5484}" type="datetime1">
               <a:rPr lang="en-US" smtClean="0"/>
-              <a:t>1/23/2017</a:t>
+              <a:t>1/26/2016</a:t>
             </a:fld>
             <a:endParaRPr lang="en-US"/>
           </a:p>
@@ -9728,9 +9790,10 @@
           <a:lstStyle/>
           <a:p>
             <a:r>
-              <a:rPr lang="en-US" dirty="0"/>
+              <a:rPr lang="en-US" dirty="0" smtClean="0"/>
               <a:t>Click to edit Master title style</a:t>
             </a:r>
+            <a:endParaRPr lang="en-US" dirty="0"/>
           </a:p>
         </p:txBody>
       </p:sp>
@@ -9761,37 +9824,38 @@
           <a:p>
             <a:pPr lvl="0"/>
             <a:r>
-              <a:rPr lang="en-US"/>
+              <a:rPr lang="en-US" smtClean="0"/>
               <a:t>Click to edit Master text styles</a:t>
             </a:r>
           </a:p>
           <a:p>
             <a:pPr lvl="1"/>
             <a:r>
-              <a:rPr lang="en-US"/>
+              <a:rPr lang="en-US" smtClean="0"/>
               <a:t>Second level</a:t>
             </a:r>
           </a:p>
           <a:p>
             <a:pPr lvl="2"/>
             <a:r>
-              <a:rPr lang="en-US"/>
+              <a:rPr lang="en-US" smtClean="0"/>
               <a:t>Third level</a:t>
             </a:r>
           </a:p>
           <a:p>
             <a:pPr lvl="3"/>
             <a:r>
-              <a:rPr lang="en-US"/>
+              <a:rPr lang="en-US" smtClean="0"/>
               <a:t>Fourth level</a:t>
             </a:r>
           </a:p>
           <a:p>
             <a:pPr lvl="4"/>
             <a:r>
-              <a:rPr lang="en-US"/>
+              <a:rPr lang="en-US" smtClean="0"/>
               <a:t>Fifth level</a:t>
             </a:r>
+            <a:endParaRPr lang="en-US"/>
           </a:p>
         </p:txBody>
       </p:sp>
@@ -9830,7 +9894,7 @@
           <a:p>
             <a:fld id="{C3A25FC6-4A5B-4D03-B6E2-74CEF1309020}" type="datetime1">
               <a:rPr lang="en-US" smtClean="0"/>
-              <a:t>1/23/2017</a:t>
+              <a:t>1/26/2016</a:t>
             </a:fld>
             <a:endParaRPr lang="en-US"/>
           </a:p>
@@ -10233,7 +10297,7 @@
           <a:p>
             <a:pPr algn="ctr"/>
             <a:r>
-              <a:rPr lang="en-SG" b="1">
+              <a:rPr lang="en-SG" b="1" smtClean="0">
                 <a:solidFill>
                   <a:srgbClr val="FFFF00"/>
                 </a:solidFill>
@@ -10244,13 +10308,18 @@
           <a:p>
             <a:pPr algn="ctr"/>
             <a:r>
-              <a:rPr lang="en-SG">
+              <a:rPr lang="en-SG" smtClean="0">
                 <a:solidFill>
                   <a:srgbClr val="FFFFFF"/>
                 </a:solidFill>
               </a:rPr>
               <a:t>Adjust the design of this slide and click the 'Sync Agenda' (in Agenda Lab) to replicate the design in the other slides.</a:t>
             </a:r>
+            <a:endParaRPr lang="en-SG">
+              <a:solidFill>
+                <a:srgbClr val="FFFFFF"/>
+              </a:solidFill>
+            </a:endParaRPr>
           </a:p>
         </p:txBody>
       </p:sp>
@@ -10270,9 +10339,10 @@
           <a:lstStyle/>
           <a:p>
             <a:r>
-              <a:rPr lang="en-SG"/>
+              <a:rPr lang="en-SG" smtClean="0"/>
               <a:t>Agenda</a:t>
             </a:r>
+            <a:endParaRPr lang="en-SG"/>
           </a:p>
         </p:txBody>
       </p:sp>
@@ -10292,7 +10362,7 @@
           <a:lstStyle/>
           <a:p>
             <a:r>
-              <a:rPr lang="en-SG">
+              <a:rPr lang="en-SG" smtClean="0">
                 <a:solidFill>
                   <a:srgbClr val="808080"/>
                 </a:solidFill>
@@ -10302,7 +10372,7 @@
           </a:p>
           <a:p>
             <a:r>
-              <a:rPr lang="en-SG">
+              <a:rPr lang="en-SG" smtClean="0">
                 <a:solidFill>
                   <a:srgbClr val="FF0000"/>
                 </a:solidFill>
@@ -10312,13 +10382,18 @@
           </a:p>
           <a:p>
             <a:r>
-              <a:rPr lang="en-SG">
+              <a:rPr lang="en-SG" smtClean="0">
                 <a:solidFill>
                   <a:srgbClr val="000000"/>
                 </a:solidFill>
               </a:rPr>
               <a:t>Unvisited bullet format</a:t>
             </a:r>
+            <a:endParaRPr lang="en-SG">
+              <a:solidFill>
+                <a:srgbClr val="000000"/>
+              </a:solidFill>
+            </a:endParaRPr>
           </a:p>
         </p:txBody>
       </p:sp>
@@ -10332,13 +10407,13 @@
   <p:clrMapOvr>
     <a:masterClrMapping/>
   </p:clrMapOvr>
-  <mc:AlternateContent xmlns:mc="http://schemas.openxmlformats.org/markup-compatibility/2006" xmlns:p14="http://schemas.microsoft.com/office/powerpoint/2010/main">
-    <mc:Choice Requires="p14">
+  <mc:AlternateContent xmlns:mc="http://schemas.openxmlformats.org/markup-compatibility/2006">
+    <mc:Choice xmlns:p14="http://schemas.microsoft.com/office/powerpoint/2010/main" Requires="p14">
       <p:transition spd="slow" p14:dur="800">
         <p:push dir="u"/>
       </p:transition>
     </mc:Choice>
-    <mc:Fallback xmlns="">
+    <mc:Fallback>
       <p:transition spd="slow">
         <p:push dir="u"/>
       </p:transition>
@@ -10683,24 +10758,30 @@
           <a:p>
             <a:pPr lvl="0"/>
             <a:r>
-              <a:rPr lang="en-SG"/>
+              <a:rPr lang="en-SG" smtClean="0"/>
               <a:t>One Slide</a:t>
             </a:r>
+            <a:endParaRPr lang="en-SG"/>
           </a:p>
           <a:p>
             <a:pPr lvl="0"/>
             <a:r>
-              <a:rPr lang="en-SG">
+              <a:rPr lang="en-SG" smtClean="0">
                 <a:solidFill>
                   <a:srgbClr val="FF0000"/>
                 </a:solidFill>
               </a:rPr>
               <a:t>Two Slides</a:t>
             </a:r>
-          </a:p>
-          <a:p>
-            <a:r>
-              <a:rPr lang="en-SG">
+            <a:endParaRPr lang="en-SG">
+              <a:solidFill>
+                <a:srgbClr val="FF0000"/>
+              </a:solidFill>
+            </a:endParaRPr>
+          </a:p>
+          <a:p>
+            <a:r>
+              <a:rPr lang="en-SG" smtClean="0">
                 <a:solidFill>
                   <a:srgbClr val="000000"/>
                 </a:solidFill>
@@ -10710,7 +10791,7 @@
           </a:p>
           <a:p>
             <a:r>
-              <a:rPr lang="en-SG">
+              <a:rPr lang="en-SG" smtClean="0">
                 <a:solidFill>
                   <a:srgbClr val="000000"/>
                 </a:solidFill>
@@ -10720,7 +10801,7 @@
           </a:p>
           <a:p>
             <a:r>
-              <a:rPr lang="ja-JP" altLang="en-US">
+              <a:rPr lang="ja-JP" altLang="en-US" smtClean="0">
                 <a:solidFill>
                   <a:srgbClr val="000000"/>
                 </a:solidFill>
@@ -10728,7 +10809,7 @@
               <a:t>あいうえお</a:t>
             </a:r>
             <a:r>
-              <a:rPr lang="en-SG">
+              <a:rPr lang="en-SG" smtClean="0">
                 <a:solidFill>
                   <a:srgbClr val="000000"/>
                 </a:solidFill>
@@ -10749,13 +10830,13 @@
   <p:clrMapOvr>
     <a:masterClrMapping/>
   </p:clrMapOvr>
-  <mc:AlternateContent xmlns:mc="http://schemas.openxmlformats.org/markup-compatibility/2006" xmlns:p14="http://schemas.microsoft.com/office/powerpoint/2010/main">
-    <mc:Choice Requires="p14">
+  <mc:AlternateContent xmlns:mc="http://schemas.openxmlformats.org/markup-compatibility/2006">
+    <mc:Choice xmlns:p14="http://schemas.microsoft.com/office/powerpoint/2010/main" Requires="p14">
       <p:transition spd="slow" p14:dur="800">
         <p:push dir="u"/>
       </p:transition>
     </mc:Choice>
-    <mc:Fallback xmlns="">
+    <mc:Fallback>
       <p:transition spd="slow">
         <p:push dir="u"/>
       </p:transition>
@@ -11096,31 +11177,38 @@
           <a:p>
             <a:pPr lvl="0"/>
             <a:r>
-              <a:rPr lang="en-SG"/>
+              <a:rPr lang="en-SG" smtClean="0"/>
               <a:t>One Slide</a:t>
             </a:r>
+            <a:endParaRPr lang="en-SG"/>
           </a:p>
           <a:p>
             <a:pPr lvl="0"/>
             <a:r>
-              <a:rPr lang="en-SG"/>
+              <a:rPr lang="en-SG" smtClean="0"/>
               <a:t>Two Slides</a:t>
             </a:r>
+            <a:endParaRPr lang="en-SG"/>
           </a:p>
           <a:p>
             <a:pPr lvl="0"/>
             <a:r>
-              <a:rPr lang="en-SG">
+              <a:rPr lang="en-SG" smtClean="0">
                 <a:solidFill>
                   <a:srgbClr val="FF0000"/>
                 </a:solidFill>
               </a:rPr>
               <a:t>Same Name</a:t>
             </a:r>
-          </a:p>
-          <a:p>
-            <a:r>
-              <a:rPr lang="en-SG">
+            <a:endParaRPr lang="en-SG">
+              <a:solidFill>
+                <a:srgbClr val="FF0000"/>
+              </a:solidFill>
+            </a:endParaRPr>
+          </a:p>
+          <a:p>
+            <a:r>
+              <a:rPr lang="en-SG" smtClean="0">
                 <a:solidFill>
                   <a:srgbClr val="000000"/>
                 </a:solidFill>
@@ -11130,7 +11218,7 @@
           </a:p>
           <a:p>
             <a:r>
-              <a:rPr lang="ja-JP" altLang="en-US">
+              <a:rPr lang="ja-JP" altLang="en-US" smtClean="0">
                 <a:solidFill>
                   <a:srgbClr val="000000"/>
                 </a:solidFill>
@@ -11138,7 +11226,7 @@
               <a:t>あいうえお</a:t>
             </a:r>
             <a:r>
-              <a:rPr lang="en-SG">
+              <a:rPr lang="en-SG" smtClean="0">
                 <a:solidFill>
                   <a:srgbClr val="000000"/>
                 </a:solidFill>
@@ -11159,13 +11247,13 @@
   <p:clrMapOvr>
     <a:masterClrMapping/>
   </p:clrMapOvr>
-  <mc:AlternateContent xmlns:mc="http://schemas.openxmlformats.org/markup-compatibility/2006" xmlns:p14="http://schemas.microsoft.com/office/powerpoint/2010/main">
-    <mc:Choice Requires="p14">
+  <mc:AlternateContent xmlns:mc="http://schemas.openxmlformats.org/markup-compatibility/2006">
+    <mc:Choice xmlns:p14="http://schemas.microsoft.com/office/powerpoint/2010/main" Requires="p14">
       <p:transition p14:dur="250">
         <p:fade/>
       </p:transition>
     </mc:Choice>
-    <mc:Fallback xmlns="">
+    <mc:Fallback>
       <p:transition>
         <p:fade/>
       </p:transition>
@@ -11433,9 +11521,10 @@
           </a:lstStyle>
           <a:p>
             <a:r>
-              <a:rPr lang="en-US" dirty="0"/>
+              <a:rPr lang="en-US" dirty="0" smtClean="0"/>
               <a:t>Pattern</a:t>
             </a:r>
+            <a:endParaRPr lang="en-US" dirty="0"/>
           </a:p>
         </p:txBody>
       </p:sp>
@@ -11472,18 +11561,25 @@
   <p:clrMapOvr>
     <a:masterClrMapping/>
   </p:clrMapOvr>
-  <mc:AlternateContent xmlns:mc="http://schemas.openxmlformats.org/markup-compatibility/2006" xmlns:p14="http://schemas.microsoft.com/office/powerpoint/2010/main">
-    <mc:Choice Requires="p14">
+  <mc:AlternateContent xmlns:mc="http://schemas.openxmlformats.org/markup-compatibility/2006">
+    <mc:Choice xmlns:p14="http://schemas.microsoft.com/office/powerpoint/2010/main" Requires="p14">
       <p:transition spd="slow" p14:dur="800">
         <p:push dir="u"/>
       </p:transition>
     </mc:Choice>
-    <mc:Fallback xmlns="">
+    <mc:Fallback>
       <p:transition spd="slow">
         <p:push dir="u"/>
       </p:transition>
     </mc:Fallback>
   </mc:AlternateContent>
+  <p:timing>
+    <p:tnLst>
+      <p:par>
+        <p:cTn id="1" dur="indefinite" restart="never" nodeType="tmRoot"/>
+      </p:par>
+    </p:tnLst>
+  </p:timing>
 </p:sld>
 </file>
 
@@ -11537,6 +11633,13 @@
   <p:clrMapOvr>
     <a:masterClrMapping/>
   </p:clrMapOvr>
+  <p:timing>
+    <p:tnLst>
+      <p:par>
+        <p:cTn id="1" dur="indefinite" restart="never" nodeType="tmRoot"/>
+      </p:par>
+    </p:tnLst>
+  </p:timing>
 </p:sld>
 </file>
 
@@ -11767,31 +11870,38 @@
           <a:p>
             <a:pPr lvl="0"/>
             <a:r>
-              <a:rPr lang="en-SG"/>
+              <a:rPr lang="en-SG" smtClean="0"/>
               <a:t>One Slide</a:t>
             </a:r>
+            <a:endParaRPr lang="en-SG"/>
           </a:p>
           <a:p>
             <a:pPr lvl="0"/>
             <a:r>
-              <a:rPr lang="en-SG"/>
+              <a:rPr lang="en-SG" smtClean="0"/>
               <a:t>Two Slides</a:t>
             </a:r>
+            <a:endParaRPr lang="en-SG"/>
           </a:p>
           <a:p>
             <a:pPr lvl="0"/>
             <a:r>
-              <a:rPr lang="en-SG">
+              <a:rPr lang="en-SG" smtClean="0">
                 <a:solidFill>
                   <a:srgbClr val="FF0000"/>
                 </a:solidFill>
               </a:rPr>
               <a:t>Same Name</a:t>
             </a:r>
-          </a:p>
-          <a:p>
-            <a:r>
-              <a:rPr lang="en-SG">
+            <a:endParaRPr lang="en-SG">
+              <a:solidFill>
+                <a:srgbClr val="FF0000"/>
+              </a:solidFill>
+            </a:endParaRPr>
+          </a:p>
+          <a:p>
+            <a:r>
+              <a:rPr lang="en-SG" smtClean="0">
                 <a:solidFill>
                   <a:srgbClr val="000000"/>
                 </a:solidFill>
@@ -11801,7 +11911,7 @@
           </a:p>
           <a:p>
             <a:r>
-              <a:rPr lang="ja-JP" altLang="en-US">
+              <a:rPr lang="ja-JP" altLang="en-US" smtClean="0">
                 <a:solidFill>
                   <a:srgbClr val="000000"/>
                 </a:solidFill>
@@ -11809,7 +11919,7 @@
               <a:t>あいうえお</a:t>
             </a:r>
             <a:r>
-              <a:rPr lang="en-SG">
+              <a:rPr lang="en-SG" smtClean="0">
                 <a:solidFill>
                   <a:srgbClr val="000000"/>
                 </a:solidFill>
@@ -11830,13 +11940,13 @@
   <p:clrMapOvr>
     <a:masterClrMapping/>
   </p:clrMapOvr>
-  <mc:AlternateContent xmlns:mc="http://schemas.openxmlformats.org/markup-compatibility/2006" xmlns:p14="http://schemas.microsoft.com/office/powerpoint/2010/main">
-    <mc:Choice Requires="p14">
+  <mc:AlternateContent xmlns:mc="http://schemas.openxmlformats.org/markup-compatibility/2006">
+    <mc:Choice xmlns:p14="http://schemas.microsoft.com/office/powerpoint/2010/main" Requires="p14">
       <p:transition spd="slow" p14:dur="800">
         <p:push dir="u"/>
       </p:transition>
     </mc:Choice>
-    <mc:Fallback xmlns="">
+    <mc:Fallback>
       <p:transition spd="slow">
         <p:push dir="u"/>
       </p:transition>
@@ -12177,38 +12287,46 @@
           <a:p>
             <a:pPr lvl="0"/>
             <a:r>
-              <a:rPr lang="en-SG"/>
+              <a:rPr lang="en-SG" smtClean="0"/>
               <a:t>One Slide</a:t>
             </a:r>
+            <a:endParaRPr lang="en-SG"/>
           </a:p>
           <a:p>
             <a:pPr lvl="0"/>
             <a:r>
-              <a:rPr lang="en-SG"/>
+              <a:rPr lang="en-SG" smtClean="0"/>
               <a:t>Two Slides</a:t>
             </a:r>
+            <a:endParaRPr lang="en-SG"/>
           </a:p>
           <a:p>
             <a:pPr lvl="0"/>
             <a:r>
-              <a:rPr lang="en-SG"/>
+              <a:rPr lang="en-SG" smtClean="0"/>
               <a:t>Same Name</a:t>
             </a:r>
+            <a:endParaRPr lang="en-SG"/>
           </a:p>
           <a:p>
             <a:pPr lvl="0"/>
             <a:r>
-              <a:rPr lang="en-SG">
+              <a:rPr lang="en-SG" smtClean="0">
                 <a:solidFill>
                   <a:srgbClr val="FF0000"/>
                 </a:solidFill>
               </a:rPr>
               <a:t>Same Name</a:t>
             </a:r>
-          </a:p>
-          <a:p>
-            <a:r>
-              <a:rPr lang="ja-JP" altLang="en-US">
+            <a:endParaRPr lang="en-SG">
+              <a:solidFill>
+                <a:srgbClr val="FF0000"/>
+              </a:solidFill>
+            </a:endParaRPr>
+          </a:p>
+          <a:p>
+            <a:r>
+              <a:rPr lang="ja-JP" altLang="en-US" smtClean="0">
                 <a:solidFill>
                   <a:srgbClr val="000000"/>
                 </a:solidFill>
@@ -12216,7 +12334,7 @@
               <a:t>あいうえお</a:t>
             </a:r>
             <a:r>
-              <a:rPr lang="en-SG">
+              <a:rPr lang="en-SG" smtClean="0">
                 <a:solidFill>
                   <a:srgbClr val="000000"/>
                 </a:solidFill>
@@ -12237,13 +12355,13 @@
   <p:clrMapOvr>
     <a:masterClrMapping/>
   </p:clrMapOvr>
-  <mc:AlternateContent xmlns:mc="http://schemas.openxmlformats.org/markup-compatibility/2006" xmlns:p14="http://schemas.microsoft.com/office/powerpoint/2010/main">
-    <mc:Choice Requires="p14">
+  <mc:AlternateContent xmlns:mc="http://schemas.openxmlformats.org/markup-compatibility/2006">
+    <mc:Choice xmlns:p14="http://schemas.microsoft.com/office/powerpoint/2010/main" Requires="p14">
       <p:transition p14:dur="250">
         <p:fade/>
       </p:transition>
     </mc:Choice>
-    <mc:Fallback xmlns="">
+    <mc:Fallback>
       <p:transition>
         <p:fade/>
       </p:transition>
@@ -12427,7 +12545,7 @@
           <a:lstStyle/>
           <a:p>
             <a:r>
-              <a:rPr lang="en-US" sz="6000" dirty="0"/>
+              <a:rPr lang="en-US" sz="6000" dirty="0" smtClean="0"/>
               <a:t>Test Image</a:t>
             </a:r>
             <a:endParaRPr lang="en-SG" sz="6000" dirty="0"/>
@@ -12467,18 +12585,25 @@
   <p:clrMapOvr>
     <a:masterClrMapping/>
   </p:clrMapOvr>
-  <mc:AlternateContent xmlns:mc="http://schemas.openxmlformats.org/markup-compatibility/2006" xmlns:p14="http://schemas.microsoft.com/office/powerpoint/2010/main">
-    <mc:Choice Requires="p14">
+  <mc:AlternateContent xmlns:mc="http://schemas.openxmlformats.org/markup-compatibility/2006">
+    <mc:Choice xmlns:p14="http://schemas.microsoft.com/office/powerpoint/2010/main" Requires="p14">
       <p:transition spd="slow" p14:dur="800">
         <p:push dir="u"/>
       </p:transition>
     </mc:Choice>
-    <mc:Fallback xmlns="">
+    <mc:Fallback>
       <p:transition spd="slow">
         <p:push dir="u"/>
       </p:transition>
     </mc:Fallback>
   </mc:AlternateContent>
+  <p:timing>
+    <p:tnLst>
+      <p:par>
+        <p:cTn id="1" dur="indefinite" restart="never" nodeType="tmRoot"/>
+      </p:par>
+    </p:tnLst>
+  </p:timing>
 </p:sld>
 </file>
 
@@ -12522,7 +12647,7 @@
           <a:lstStyle/>
           <a:p>
             <a:r>
-              <a:rPr lang="en-US" sz="6000" dirty="0"/>
+              <a:rPr lang="en-US" sz="6000" dirty="0" smtClean="0"/>
               <a:t>A long section</a:t>
             </a:r>
             <a:endParaRPr lang="en-SG" sz="6000" dirty="0"/>
@@ -12562,6 +12687,13 @@
   <p:clrMapOvr>
     <a:masterClrMapping/>
   </p:clrMapOvr>
+  <p:timing>
+    <p:tnLst>
+      <p:par>
+        <p:cTn id="1" dur="indefinite" restart="never" nodeType="tmRoot"/>
+      </p:par>
+    </p:tnLst>
+  </p:timing>
 </p:sld>
 </file>
 
@@ -12623,6 +12755,13 @@
   <p:clrMapOvr>
     <a:masterClrMapping/>
   </p:clrMapOvr>
+  <p:timing>
+    <p:tnLst>
+      <p:par>
+        <p:cTn id="1" dur="indefinite" restart="never" nodeType="tmRoot"/>
+      </p:par>
+    </p:tnLst>
+  </p:timing>
 </p:sld>
 </file>
 
@@ -12685,6 +12824,13 @@
   <p:clrMapOvr>
     <a:masterClrMapping/>
   </p:clrMapOvr>
+  <p:timing>
+    <p:tnLst>
+      <p:par>
+        <p:cTn id="1" dur="indefinite" restart="never" nodeType="tmRoot"/>
+      </p:par>
+    </p:tnLst>
+  </p:timing>
 </p:sld>
 </file>
 
@@ -12723,7 +12869,7 @@
           <a:lstStyle/>
           <a:p>
             <a:r>
-              <a:rPr lang="en-US" sz="5400" b="1" dirty="0" err="1">
+              <a:rPr lang="en-US" sz="5400" b="1" dirty="0" err="1" smtClean="0">
                 <a:solidFill>
                   <a:schemeClr val="accent6">
                     <a:lumMod val="75000"/>
@@ -12733,7 +12879,7 @@
               <a:t>PowerPointLabs</a:t>
             </a:r>
             <a:r>
-              <a:rPr lang="en-US" sz="5400" b="1" dirty="0">
+              <a:rPr lang="en-US" sz="5400" b="1" dirty="0" smtClean="0">
                 <a:solidFill>
                   <a:schemeClr val="accent6">
                     <a:lumMod val="75000"/>
@@ -12771,42 +12917,95 @@
               <a:buNone/>
             </a:pPr>
             <a:r>
+              <a:rPr lang="en-US" b="1" dirty="0" smtClean="0">
+                <a:solidFill>
+                  <a:srgbClr val="0070C0"/>
+                </a:solidFill>
+              </a:rPr>
+              <a:t>General instructions:</a:t>
+            </a:r>
+          </a:p>
+          <a:p>
+            <a:pPr marL="285750" indent="-285750"/>
+            <a:r>
+              <a:rPr lang="en-US" b="1" dirty="0" smtClean="0">
+                <a:solidFill>
+                  <a:srgbClr val="0070C0"/>
+                </a:solidFill>
+              </a:rPr>
+              <a:t>DO </a:t>
+            </a:r>
+            <a:r>
               <a:rPr lang="en-US" b="1" dirty="0">
                 <a:solidFill>
                   <a:srgbClr val="0070C0"/>
                 </a:solidFill>
               </a:rPr>
-              <a:t>General instructions:</a:t>
-            </a:r>
-          </a:p>
-          <a:p>
-            <a:pPr marL="285750" indent="-285750"/>
-            <a:r>
-              <a:rPr lang="en-US" b="1" dirty="0">
+              <a:t>NOT SAVE </a:t>
+            </a:r>
+            <a:r>
+              <a:rPr lang="en-US" dirty="0" smtClean="0">
                 <a:solidFill>
                   <a:srgbClr val="0070C0"/>
                 </a:solidFill>
               </a:rPr>
-              <a:t>DO NOT SAVE </a:t>
-            </a:r>
+              <a:t>these slides after testing. Keep this file in its original form.</a:t>
+            </a:r>
+            <a:endParaRPr lang="en-US" dirty="0">
+              <a:solidFill>
+                <a:srgbClr val="0070C0"/>
+              </a:solidFill>
+            </a:endParaRPr>
+          </a:p>
+          <a:p>
+            <a:pPr marL="285750" indent="-285750"/>
             <a:r>
               <a:rPr lang="en-US" dirty="0">
                 <a:solidFill>
                   <a:srgbClr val="0070C0"/>
                 </a:solidFill>
               </a:rPr>
-              <a:t>these slides after testing. Keep this file in its original form.</a:t>
-            </a:r>
-          </a:p>
-          <a:p>
-            <a:pPr marL="285750" indent="-285750"/>
+              <a:t>If </a:t>
+            </a:r>
+            <a:r>
+              <a:rPr lang="en-US" dirty="0" smtClean="0">
+                <a:solidFill>
+                  <a:srgbClr val="0070C0"/>
+                </a:solidFill>
+              </a:rPr>
+              <a:t>your </a:t>
+            </a:r>
             <a:r>
               <a:rPr lang="en-US" dirty="0">
                 <a:solidFill>
                   <a:srgbClr val="0070C0"/>
                 </a:solidFill>
               </a:rPr>
-              <a:t>If your result is different from the expected output, please submit a bug report (attach slides/screenshots as necessary).</a:t>
+              <a:t>result </a:t>
+            </a:r>
+            <a:r>
+              <a:rPr lang="en-US" dirty="0" smtClean="0">
+                <a:solidFill>
+                  <a:srgbClr val="0070C0"/>
+                </a:solidFill>
+              </a:rPr>
+              <a:t>is different from the </a:t>
+            </a:r>
+            <a:r>
+              <a:rPr lang="en-US" dirty="0">
+                <a:solidFill>
+                  <a:srgbClr val="0070C0"/>
+                </a:solidFill>
+              </a:rPr>
+              <a:t>expected output, </a:t>
+            </a:r>
+            <a:r>
+              <a:rPr lang="en-US" dirty="0" smtClean="0">
+                <a:solidFill>
+                  <a:srgbClr val="0070C0"/>
+                </a:solidFill>
+              </a:rPr>
+              <a:t>please submit a bug report (attach slides/screenshots as necessary).</a:t>
             </a:r>
             <a:endParaRPr lang="en-SG" dirty="0">
               <a:solidFill>
@@ -12852,6 +13051,13 @@
   <p:clrMapOvr>
     <a:masterClrMapping/>
   </p:clrMapOvr>
+  <p:timing>
+    <p:tnLst>
+      <p:par>
+        <p:cTn id="1" dur="indefinite" restart="never" nodeType="tmRoot"/>
+      </p:par>
+    </p:tnLst>
+  </p:timing>
 </p:sld>
 </file>
 
@@ -12905,6 +13111,13 @@
   <p:clrMapOvr>
     <a:masterClrMapping/>
   </p:clrMapOvr>
+  <p:timing>
+    <p:tnLst>
+      <p:par>
+        <p:cTn id="1" dur="indefinite" restart="never" nodeType="tmRoot"/>
+      </p:par>
+    </p:tnLst>
+  </p:timing>
 </p:sld>
 </file>
 
@@ -13135,38 +13348,46 @@
           <a:p>
             <a:pPr lvl="0"/>
             <a:r>
-              <a:rPr lang="en-SG"/>
+              <a:rPr lang="en-SG" smtClean="0"/>
               <a:t>One Slide</a:t>
             </a:r>
+            <a:endParaRPr lang="en-SG"/>
           </a:p>
           <a:p>
             <a:pPr lvl="0"/>
             <a:r>
-              <a:rPr lang="en-SG"/>
+              <a:rPr lang="en-SG" smtClean="0"/>
               <a:t>Two Slides</a:t>
             </a:r>
+            <a:endParaRPr lang="en-SG"/>
           </a:p>
           <a:p>
             <a:pPr lvl="0"/>
             <a:r>
-              <a:rPr lang="en-SG"/>
+              <a:rPr lang="en-SG" smtClean="0"/>
               <a:t>Same Name</a:t>
             </a:r>
+            <a:endParaRPr lang="en-SG"/>
           </a:p>
           <a:p>
             <a:pPr lvl="0"/>
             <a:r>
-              <a:rPr lang="en-SG">
+              <a:rPr lang="en-SG" smtClean="0">
                 <a:solidFill>
                   <a:srgbClr val="FF0000"/>
                 </a:solidFill>
               </a:rPr>
               <a:t>Same Name</a:t>
             </a:r>
-          </a:p>
-          <a:p>
-            <a:r>
-              <a:rPr lang="ja-JP" altLang="en-US">
+            <a:endParaRPr lang="en-SG">
+              <a:solidFill>
+                <a:srgbClr val="FF0000"/>
+              </a:solidFill>
+            </a:endParaRPr>
+          </a:p>
+          <a:p>
+            <a:r>
+              <a:rPr lang="ja-JP" altLang="en-US" smtClean="0">
                 <a:solidFill>
                   <a:srgbClr val="000000"/>
                 </a:solidFill>
@@ -13174,7 +13395,7 @@
               <a:t>あいうえお</a:t>
             </a:r>
             <a:r>
-              <a:rPr lang="en-SG">
+              <a:rPr lang="en-SG" smtClean="0">
                 <a:solidFill>
                   <a:srgbClr val="000000"/>
                 </a:solidFill>
@@ -13195,13 +13416,13 @@
   <p:clrMapOvr>
     <a:masterClrMapping/>
   </p:clrMapOvr>
-  <mc:AlternateContent xmlns:mc="http://schemas.openxmlformats.org/markup-compatibility/2006" xmlns:p14="http://schemas.microsoft.com/office/powerpoint/2010/main">
-    <mc:Choice Requires="p14">
+  <mc:AlternateContent xmlns:mc="http://schemas.openxmlformats.org/markup-compatibility/2006">
+    <mc:Choice xmlns:p14="http://schemas.microsoft.com/office/powerpoint/2010/main" Requires="p14">
       <p:transition spd="slow" p14:dur="800">
         <p:push dir="u"/>
       </p:transition>
     </mc:Choice>
-    <mc:Fallback xmlns="">
+    <mc:Fallback>
       <p:transition spd="slow">
         <p:push dir="u"/>
       </p:transition>
@@ -13542,35 +13763,39 @@
           <a:p>
             <a:pPr lvl="0"/>
             <a:r>
-              <a:rPr lang="en-SG"/>
+              <a:rPr lang="en-SG" smtClean="0"/>
               <a:t>One Slide</a:t>
             </a:r>
+            <a:endParaRPr lang="en-SG"/>
           </a:p>
           <a:p>
             <a:pPr lvl="0"/>
             <a:r>
-              <a:rPr lang="en-SG"/>
+              <a:rPr lang="en-SG" smtClean="0"/>
               <a:t>Two Slides</a:t>
             </a:r>
+            <a:endParaRPr lang="en-SG"/>
           </a:p>
           <a:p>
             <a:pPr lvl="0"/>
             <a:r>
-              <a:rPr lang="en-SG"/>
+              <a:rPr lang="en-SG" smtClean="0"/>
               <a:t>Same Name</a:t>
             </a:r>
+            <a:endParaRPr lang="en-SG"/>
           </a:p>
           <a:p>
             <a:pPr lvl="0"/>
             <a:r>
-              <a:rPr lang="en-SG"/>
+              <a:rPr lang="en-SG" smtClean="0"/>
               <a:t>Same Name</a:t>
             </a:r>
+            <a:endParaRPr lang="en-SG"/>
           </a:p>
           <a:p>
             <a:pPr lvl="0"/>
             <a:r>
-              <a:rPr lang="ja-JP" altLang="en-US">
+              <a:rPr lang="ja-JP" altLang="en-US" smtClean="0">
                 <a:solidFill>
                   <a:srgbClr val="FF0000"/>
                 </a:solidFill>
@@ -13578,13 +13803,18 @@
               <a:t>あいうえお</a:t>
             </a:r>
             <a:r>
-              <a:rPr lang="en-SG">
+              <a:rPr lang="en-SG" smtClean="0">
                 <a:solidFill>
                   <a:srgbClr val="FF0000"/>
                 </a:solidFill>
               </a:rPr>
               <a:t>kl)(*&amp;%$#@85v_+)0_@#%L:CF]1</a:t>
             </a:r>
+            <a:endParaRPr lang="en-SG">
+              <a:solidFill>
+                <a:srgbClr val="FF0000"/>
+              </a:solidFill>
+            </a:endParaRPr>
           </a:p>
           <a:p>
             <a:endParaRPr lang="en-SG"/>
@@ -13601,13 +13831,13 @@
   <p:clrMapOvr>
     <a:masterClrMapping/>
   </p:clrMapOvr>
-  <mc:AlternateContent xmlns:mc="http://schemas.openxmlformats.org/markup-compatibility/2006" xmlns:p14="http://schemas.microsoft.com/office/powerpoint/2010/main">
-    <mc:Choice Requires="p14">
+  <mc:AlternateContent xmlns:mc="http://schemas.openxmlformats.org/markup-compatibility/2006">
+    <mc:Choice xmlns:p14="http://schemas.microsoft.com/office/powerpoint/2010/main" Requires="p14">
       <p:transition p14:dur="250">
         <p:fade/>
       </p:transition>
     </mc:Choice>
-    <mc:Fallback xmlns="">
+    <mc:Fallback>
       <p:transition>
         <p:fade/>
       </p:transition>
@@ -13779,18 +14009,25 @@
   <p:clrMapOvr>
     <a:masterClrMapping/>
   </p:clrMapOvr>
-  <mc:AlternateContent xmlns:mc="http://schemas.openxmlformats.org/markup-compatibility/2006" xmlns:p14="http://schemas.microsoft.com/office/powerpoint/2010/main">
-    <mc:Choice Requires="p14">
+  <mc:AlternateContent xmlns:mc="http://schemas.openxmlformats.org/markup-compatibility/2006">
+    <mc:Choice xmlns:p14="http://schemas.microsoft.com/office/powerpoint/2010/main" Requires="p14">
       <p:transition spd="slow" p14:dur="800">
         <p:push dir="u"/>
       </p:transition>
     </mc:Choice>
-    <mc:Fallback xmlns="">
+    <mc:Fallback>
       <p:transition spd="slow">
         <p:push dir="u"/>
       </p:transition>
     </mc:Fallback>
   </mc:AlternateContent>
+  <p:timing>
+    <p:tnLst>
+      <p:par>
+        <p:cTn id="1" dur="indefinite" restart="never" nodeType="tmRoot"/>
+      </p:par>
+    </p:tnLst>
+  </p:timing>
 </p:sld>
 </file>
 
@@ -14021,35 +14258,39 @@
           <a:p>
             <a:pPr lvl="0"/>
             <a:r>
-              <a:rPr lang="en-SG"/>
+              <a:rPr lang="en-SG" smtClean="0"/>
               <a:t>One Slide</a:t>
             </a:r>
+            <a:endParaRPr lang="en-SG"/>
           </a:p>
           <a:p>
             <a:pPr lvl="0"/>
             <a:r>
-              <a:rPr lang="en-SG"/>
+              <a:rPr lang="en-SG" smtClean="0"/>
               <a:t>Two Slides</a:t>
             </a:r>
+            <a:endParaRPr lang="en-SG"/>
           </a:p>
           <a:p>
             <a:pPr lvl="0"/>
             <a:r>
-              <a:rPr lang="en-SG"/>
+              <a:rPr lang="en-SG" smtClean="0"/>
               <a:t>Same Name</a:t>
             </a:r>
+            <a:endParaRPr lang="en-SG"/>
           </a:p>
           <a:p>
             <a:pPr lvl="0"/>
             <a:r>
-              <a:rPr lang="en-SG"/>
+              <a:rPr lang="en-SG" smtClean="0"/>
               <a:t>Same Name</a:t>
             </a:r>
+            <a:endParaRPr lang="en-SG"/>
           </a:p>
           <a:p>
             <a:pPr lvl="0"/>
             <a:r>
-              <a:rPr lang="ja-JP" altLang="en-US">
+              <a:rPr lang="ja-JP" altLang="en-US" smtClean="0">
                 <a:solidFill>
                   <a:srgbClr val="FF0000"/>
                 </a:solidFill>
@@ -14057,13 +14298,18 @@
               <a:t>あいうえお</a:t>
             </a:r>
             <a:r>
-              <a:rPr lang="en-SG">
+              <a:rPr lang="en-SG" smtClean="0">
                 <a:solidFill>
                   <a:srgbClr val="FF0000"/>
                 </a:solidFill>
               </a:rPr>
               <a:t>kl)(*&amp;%$#@85v_+)0_@#%L:CF]1</a:t>
             </a:r>
+            <a:endParaRPr lang="en-SG">
+              <a:solidFill>
+                <a:srgbClr val="FF0000"/>
+              </a:solidFill>
+            </a:endParaRPr>
           </a:p>
           <a:p>
             <a:endParaRPr lang="en-SG"/>
@@ -14080,13 +14326,13 @@
   <p:clrMapOvr>
     <a:masterClrMapping/>
   </p:clrMapOvr>
-  <mc:AlternateContent xmlns:mc="http://schemas.openxmlformats.org/markup-compatibility/2006" xmlns:p14="http://schemas.microsoft.com/office/powerpoint/2010/main">
-    <mc:Choice Requires="p14">
+  <mc:AlternateContent xmlns:mc="http://schemas.openxmlformats.org/markup-compatibility/2006">
+    <mc:Choice xmlns:p14="http://schemas.microsoft.com/office/powerpoint/2010/main" Requires="p14">
       <p:transition spd="slow" p14:dur="800">
         <p:push dir="u"/>
       </p:transition>
     </mc:Choice>
-    <mc:Fallback xmlns="">
+    <mc:Fallback>
       <p:transition spd="slow">
         <p:push dir="u"/>
       </p:transition>
@@ -14427,41 +14673,46 @@
           <a:p>
             <a:pPr lvl="0"/>
             <a:r>
-              <a:rPr lang="en-SG"/>
+              <a:rPr lang="en-SG" smtClean="0"/>
               <a:t>One Slide</a:t>
             </a:r>
+            <a:endParaRPr lang="en-SG"/>
           </a:p>
           <a:p>
             <a:pPr lvl="0"/>
             <a:r>
-              <a:rPr lang="en-SG"/>
+              <a:rPr lang="en-SG" smtClean="0"/>
               <a:t>Two Slides</a:t>
             </a:r>
+            <a:endParaRPr lang="en-SG"/>
           </a:p>
           <a:p>
             <a:pPr lvl="0"/>
             <a:r>
-              <a:rPr lang="en-SG"/>
+              <a:rPr lang="en-SG" smtClean="0"/>
               <a:t>Same Name</a:t>
             </a:r>
+            <a:endParaRPr lang="en-SG"/>
           </a:p>
           <a:p>
             <a:pPr lvl="0"/>
             <a:r>
-              <a:rPr lang="en-SG"/>
+              <a:rPr lang="en-SG" smtClean="0"/>
               <a:t>Same Name</a:t>
             </a:r>
+            <a:endParaRPr lang="en-SG"/>
           </a:p>
           <a:p>
             <a:pPr lvl="0"/>
             <a:r>
-              <a:rPr lang="ja-JP" altLang="en-US"/>
+              <a:rPr lang="ja-JP" altLang="en-US" smtClean="0"/>
               <a:t>あいうえお</a:t>
             </a:r>
             <a:r>
-              <a:rPr lang="en-SG"/>
+              <a:rPr lang="en-SG" smtClean="0"/>
               <a:t>kl)(*&amp;%$#@85v_+)0_@#%L:CF]1</a:t>
             </a:r>
+            <a:endParaRPr lang="en-SG"/>
           </a:p>
           <a:p>
             <a:endParaRPr lang="en-SG"/>
@@ -14478,13 +14729,13 @@
   <p:clrMapOvr>
     <a:masterClrMapping/>
   </p:clrMapOvr>
-  <mc:AlternateContent xmlns:mc="http://schemas.openxmlformats.org/markup-compatibility/2006" xmlns:p14="http://schemas.microsoft.com/office/powerpoint/2010/main">
-    <mc:Choice Requires="p14">
+  <mc:AlternateContent xmlns:mc="http://schemas.openxmlformats.org/markup-compatibility/2006">
+    <mc:Choice xmlns:p14="http://schemas.microsoft.com/office/powerpoint/2010/main" Requires="p14">
       <p:transition p14:dur="250">
         <p:fade/>
       </p:transition>
     </mc:Choice>
-    <mc:Fallback xmlns="">
+    <mc:Fallback>
       <p:transition>
         <p:fade/>
       </p:transition>
@@ -14642,7 +14893,7 @@
         <p:nvPicPr>
           <p:cNvPr id="3" name="Picture 2"/>
           <p:cNvPicPr>
-            <a:picLocks noChangeAspect="1"/>
+            <a:picLocks/>
           </p:cNvPicPr>
           <p:nvPr/>
         </p:nvPicPr>
@@ -14660,8 +14911,8 @@
         </p:blipFill>
         <p:spPr>
           <a:xfrm>
-            <a:off x="0" y="1029202"/>
-            <a:ext cx="9144000" cy="4799596"/>
+            <a:off x="649224" y="992124"/>
+            <a:ext cx="7845552" cy="4873752"/>
           </a:xfrm>
           <a:prstGeom prst="rect">
             <a:avLst/>
@@ -14671,13 +14922,21 @@
     </p:spTree>
     <p:extLst>
       <p:ext uri="{BB962C8B-B14F-4D97-AF65-F5344CB8AC3E}">
-        <p14:creationId xmlns:p14="http://schemas.microsoft.com/office/powerpoint/2010/main" val="3827446842"/>
+        <p14:creationId xmlns:p14="http://schemas.microsoft.com/office/powerpoint/2010/main" val="3094590778"/>
       </p:ext>
     </p:extLst>
   </p:cSld>
   <p:clrMapOvr>
     <a:masterClrMapping/>
   </p:clrMapOvr>
+  <mc:AlternateContent xmlns:mc="http://schemas.openxmlformats.org/markup-compatibility/2006">
+    <mc:Choice xmlns:p14="http://schemas.microsoft.com/office/powerpoint/2010/main" Requires="p14">
+      <p:transition spd="slow" p14:dur="2000"/>
+    </mc:Choice>
+    <mc:Fallback>
+      <p:transition spd="slow"/>
+    </mc:Fallback>
+  </mc:AlternateContent>
 </p:sld>
 </file>
 
@@ -14907,7 +15166,7 @@
           </a:lstStyle>
           <a:p>
             <a:r>
-              <a:rPr lang="en-SG">
+              <a:rPr lang="en-SG" smtClean="0">
                 <a:solidFill>
                   <a:srgbClr val="000000"/>
                 </a:solidFill>
@@ -14917,7 +15176,7 @@
           </a:p>
           <a:p>
             <a:r>
-              <a:rPr lang="en-SG">
+              <a:rPr lang="en-SG" smtClean="0">
                 <a:solidFill>
                   <a:srgbClr val="000000"/>
                 </a:solidFill>
@@ -14927,7 +15186,7 @@
           </a:p>
           <a:p>
             <a:r>
-              <a:rPr lang="en-SG">
+              <a:rPr lang="en-SG" smtClean="0">
                 <a:solidFill>
                   <a:srgbClr val="000000"/>
                 </a:solidFill>
@@ -14937,7 +15196,7 @@
           </a:p>
           <a:p>
             <a:r>
-              <a:rPr lang="en-SG">
+              <a:rPr lang="en-SG" smtClean="0">
                 <a:solidFill>
                   <a:srgbClr val="000000"/>
                 </a:solidFill>
@@ -14947,7 +15206,7 @@
           </a:p>
           <a:p>
             <a:r>
-              <a:rPr lang="ja-JP" altLang="en-US">
+              <a:rPr lang="ja-JP" altLang="en-US" smtClean="0">
                 <a:solidFill>
                   <a:srgbClr val="000000"/>
                 </a:solidFill>
@@ -14955,7 +15214,7 @@
               <a:t>あいうえお</a:t>
             </a:r>
             <a:r>
-              <a:rPr lang="en-SG">
+              <a:rPr lang="en-SG" smtClean="0">
                 <a:solidFill>
                   <a:srgbClr val="000000"/>
                 </a:solidFill>
@@ -14976,13 +15235,13 @@
   <p:clrMapOvr>
     <a:masterClrMapping/>
   </p:clrMapOvr>
-  <mc:AlternateContent xmlns:mc="http://schemas.openxmlformats.org/markup-compatibility/2006" xmlns:p14="http://schemas.microsoft.com/office/powerpoint/2010/main">
-    <mc:Choice Requires="p14">
+  <mc:AlternateContent xmlns:mc="http://schemas.openxmlformats.org/markup-compatibility/2006">
+    <mc:Choice xmlns:p14="http://schemas.microsoft.com/office/powerpoint/2010/main" Requires="p14">
       <p:transition spd="slow" p14:dur="800">
         <p:push dir="u"/>
       </p:transition>
     </mc:Choice>
-    <mc:Fallback xmlns="">
+    <mc:Fallback>
       <p:transition spd="slow">
         <p:push dir="u"/>
       </p:transition>
@@ -15323,17 +15582,22 @@
           <a:p>
             <a:pPr lvl="0"/>
             <a:r>
-              <a:rPr lang="en-SG">
+              <a:rPr lang="en-SG" smtClean="0">
                 <a:solidFill>
                   <a:srgbClr val="FF0000"/>
                 </a:solidFill>
               </a:rPr>
               <a:t>One Slide</a:t>
             </a:r>
-          </a:p>
-          <a:p>
-            <a:r>
-              <a:rPr lang="en-SG">
+            <a:endParaRPr lang="en-SG">
+              <a:solidFill>
+                <a:srgbClr val="FF0000"/>
+              </a:solidFill>
+            </a:endParaRPr>
+          </a:p>
+          <a:p>
+            <a:r>
+              <a:rPr lang="en-SG" smtClean="0">
                 <a:solidFill>
                   <a:srgbClr val="000000"/>
                 </a:solidFill>
@@ -15343,7 +15607,7 @@
           </a:p>
           <a:p>
             <a:r>
-              <a:rPr lang="en-SG">
+              <a:rPr lang="en-SG" smtClean="0">
                 <a:solidFill>
                   <a:srgbClr val="000000"/>
                 </a:solidFill>
@@ -15353,7 +15617,7 @@
           </a:p>
           <a:p>
             <a:r>
-              <a:rPr lang="en-SG">
+              <a:rPr lang="en-SG" smtClean="0">
                 <a:solidFill>
                   <a:srgbClr val="000000"/>
                 </a:solidFill>
@@ -15363,7 +15627,7 @@
           </a:p>
           <a:p>
             <a:r>
-              <a:rPr lang="ja-JP" altLang="en-US">
+              <a:rPr lang="ja-JP" altLang="en-US" smtClean="0">
                 <a:solidFill>
                   <a:srgbClr val="000000"/>
                 </a:solidFill>
@@ -15371,7 +15635,7 @@
               <a:t>あいうえお</a:t>
             </a:r>
             <a:r>
-              <a:rPr lang="en-SG">
+              <a:rPr lang="en-SG" smtClean="0">
                 <a:solidFill>
                   <a:srgbClr val="000000"/>
                 </a:solidFill>
@@ -15392,13 +15656,13 @@
   <p:clrMapOvr>
     <a:masterClrMapping/>
   </p:clrMapOvr>
-  <mc:AlternateContent xmlns:mc="http://schemas.openxmlformats.org/markup-compatibility/2006" xmlns:p14="http://schemas.microsoft.com/office/powerpoint/2010/main">
-    <mc:Choice Requires="p14">
+  <mc:AlternateContent xmlns:mc="http://schemas.openxmlformats.org/markup-compatibility/2006">
+    <mc:Choice xmlns:p14="http://schemas.microsoft.com/office/powerpoint/2010/main" Requires="p14">
       <p:transition p14:dur="250">
         <p:fade/>
       </p:transition>
     </mc:Choice>
-    <mc:Fallback xmlns="">
+    <mc:Fallback>
       <p:transition>
         <p:fade/>
       </p:transition>
@@ -15563,7 +15827,7 @@
           <a:p>
             <a:pPr algn="l"/>
             <a:r>
-              <a:rPr lang="en-US" sz="7200" dirty="0">
+              <a:rPr lang="en-US" sz="7200" dirty="0" smtClean="0">
                 <a:solidFill>
                   <a:schemeClr val="bg1"/>
                 </a:solidFill>
@@ -15601,7 +15865,7 @@
           <a:lstStyle/>
           <a:p>
             <a:r>
-              <a:rPr lang="en-US" sz="2400" b="1" dirty="0">
+              <a:rPr lang="en-US" sz="2400" b="1" dirty="0" smtClean="0">
                 <a:solidFill>
                   <a:schemeClr val="bg1"/>
                 </a:solidFill>
@@ -15615,7 +15879,7 @@
               <a:buChar char="•"/>
             </a:pPr>
             <a:r>
-              <a:rPr lang="en-US" sz="2400" dirty="0">
+              <a:rPr lang="en-US" sz="2400" dirty="0" smtClean="0">
                 <a:solidFill>
                   <a:schemeClr val="bg1"/>
                 </a:solidFill>
@@ -15658,18 +15922,25 @@
   <p:clrMapOvr>
     <a:masterClrMapping/>
   </p:clrMapOvr>
-  <mc:AlternateContent xmlns:mc="http://schemas.openxmlformats.org/markup-compatibility/2006" xmlns:p14="http://schemas.microsoft.com/office/powerpoint/2010/main">
-    <mc:Choice Requires="p14">
+  <mc:AlternateContent xmlns:mc="http://schemas.openxmlformats.org/markup-compatibility/2006">
+    <mc:Choice xmlns:p14="http://schemas.microsoft.com/office/powerpoint/2010/main" Requires="p14">
       <p:transition spd="slow" p14:dur="800">
         <p:push dir="u"/>
       </p:transition>
     </mc:Choice>
-    <mc:Fallback xmlns="">
+    <mc:Fallback>
       <p:transition spd="slow">
         <p:push dir="u"/>
       </p:transition>
     </mc:Fallback>
   </mc:AlternateContent>
+  <p:timing>
+    <p:tnLst>
+      <p:par>
+        <p:cTn id="1" dur="indefinite" restart="never" nodeType="tmRoot"/>
+      </p:par>
+    </p:tnLst>
+  </p:timing>
 </p:sld>
 </file>
 
@@ -15900,17 +16171,22 @@
           <a:p>
             <a:pPr lvl="0"/>
             <a:r>
-              <a:rPr lang="en-SG">
+              <a:rPr lang="en-SG" smtClean="0">
                 <a:solidFill>
                   <a:srgbClr val="FF0000"/>
                 </a:solidFill>
               </a:rPr>
               <a:t>One Slide</a:t>
             </a:r>
-          </a:p>
-          <a:p>
-            <a:r>
-              <a:rPr lang="en-SG">
+            <a:endParaRPr lang="en-SG">
+              <a:solidFill>
+                <a:srgbClr val="FF0000"/>
+              </a:solidFill>
+            </a:endParaRPr>
+          </a:p>
+          <a:p>
+            <a:r>
+              <a:rPr lang="en-SG" smtClean="0">
                 <a:solidFill>
                   <a:srgbClr val="000000"/>
                 </a:solidFill>
@@ -15920,7 +16196,7 @@
           </a:p>
           <a:p>
             <a:r>
-              <a:rPr lang="en-SG">
+              <a:rPr lang="en-SG" smtClean="0">
                 <a:solidFill>
                   <a:srgbClr val="000000"/>
                 </a:solidFill>
@@ -15930,7 +16206,7 @@
           </a:p>
           <a:p>
             <a:r>
-              <a:rPr lang="en-SG">
+              <a:rPr lang="en-SG" smtClean="0">
                 <a:solidFill>
                   <a:srgbClr val="000000"/>
                 </a:solidFill>
@@ -15940,7 +16216,7 @@
           </a:p>
           <a:p>
             <a:r>
-              <a:rPr lang="ja-JP" altLang="en-US">
+              <a:rPr lang="ja-JP" altLang="en-US" smtClean="0">
                 <a:solidFill>
                   <a:srgbClr val="000000"/>
                 </a:solidFill>
@@ -15948,7 +16224,7 @@
               <a:t>あいうえお</a:t>
             </a:r>
             <a:r>
-              <a:rPr lang="en-SG">
+              <a:rPr lang="en-SG" smtClean="0">
                 <a:solidFill>
                   <a:srgbClr val="000000"/>
                 </a:solidFill>
@@ -15969,13 +16245,13 @@
   <p:clrMapOvr>
     <a:masterClrMapping/>
   </p:clrMapOvr>
-  <mc:AlternateContent xmlns:mc="http://schemas.openxmlformats.org/markup-compatibility/2006" xmlns:p14="http://schemas.microsoft.com/office/powerpoint/2010/main">
-    <mc:Choice Requires="p14">
+  <mc:AlternateContent xmlns:mc="http://schemas.openxmlformats.org/markup-compatibility/2006">
+    <mc:Choice xmlns:p14="http://schemas.microsoft.com/office/powerpoint/2010/main" Requires="p14">
       <p:transition spd="slow" p14:dur="800">
         <p:push dir="u"/>
       </p:transition>
     </mc:Choice>
-    <mc:Fallback xmlns="">
+    <mc:Fallback>
       <p:transition spd="slow">
         <p:push dir="u"/>
       </p:transition>
@@ -16316,24 +16592,30 @@
           <a:p>
             <a:pPr lvl="0"/>
             <a:r>
-              <a:rPr lang="en-SG"/>
+              <a:rPr lang="en-SG" smtClean="0"/>
               <a:t>One Slide</a:t>
             </a:r>
+            <a:endParaRPr lang="en-SG"/>
           </a:p>
           <a:p>
             <a:pPr lvl="0"/>
             <a:r>
-              <a:rPr lang="en-SG">
+              <a:rPr lang="en-SG" smtClean="0">
                 <a:solidFill>
                   <a:srgbClr val="FF0000"/>
                 </a:solidFill>
               </a:rPr>
               <a:t>Two Slides</a:t>
             </a:r>
-          </a:p>
-          <a:p>
-            <a:r>
-              <a:rPr lang="en-SG">
+            <a:endParaRPr lang="en-SG">
+              <a:solidFill>
+                <a:srgbClr val="FF0000"/>
+              </a:solidFill>
+            </a:endParaRPr>
+          </a:p>
+          <a:p>
+            <a:r>
+              <a:rPr lang="en-SG" smtClean="0">
                 <a:solidFill>
                   <a:srgbClr val="000000"/>
                 </a:solidFill>
@@ -16343,7 +16625,7 @@
           </a:p>
           <a:p>
             <a:r>
-              <a:rPr lang="en-SG">
+              <a:rPr lang="en-SG" smtClean="0">
                 <a:solidFill>
                   <a:srgbClr val="000000"/>
                 </a:solidFill>
@@ -16353,7 +16635,7 @@
           </a:p>
           <a:p>
             <a:r>
-              <a:rPr lang="ja-JP" altLang="en-US">
+              <a:rPr lang="ja-JP" altLang="en-US" smtClean="0">
                 <a:solidFill>
                   <a:srgbClr val="000000"/>
                 </a:solidFill>
@@ -16361,7 +16643,7 @@
               <a:t>あいうえお</a:t>
             </a:r>
             <a:r>
-              <a:rPr lang="en-SG">
+              <a:rPr lang="en-SG" smtClean="0">
                 <a:solidFill>
                   <a:srgbClr val="000000"/>
                 </a:solidFill>
@@ -16382,13 +16664,13 @@
   <p:clrMapOvr>
     <a:masterClrMapping/>
   </p:clrMapOvr>
-  <mc:AlternateContent xmlns:mc="http://schemas.openxmlformats.org/markup-compatibility/2006" xmlns:p14="http://schemas.microsoft.com/office/powerpoint/2010/main">
-    <mc:Choice Requires="p14">
+  <mc:AlternateContent xmlns:mc="http://schemas.openxmlformats.org/markup-compatibility/2006">
+    <mc:Choice xmlns:p14="http://schemas.microsoft.com/office/powerpoint/2010/main" Requires="p14">
       <p:transition p14:dur="250">
         <p:fade/>
       </p:transition>
     </mc:Choice>
-    <mc:Fallback xmlns="">
+    <mc:Fallback>
       <p:transition>
         <p:fade/>
       </p:transition>
@@ -16572,7 +16854,7 @@
           <a:lstStyle/>
           <a:p>
             <a:r>
-              <a:rPr lang="en-US" sz="6000" dirty="0"/>
+              <a:rPr lang="en-US" sz="6000" dirty="0" smtClean="0"/>
               <a:t>Test Image</a:t>
             </a:r>
             <a:endParaRPr lang="en-SG" sz="6000" dirty="0"/>
@@ -16612,18 +16894,25 @@
   <p:clrMapOvr>
     <a:masterClrMapping/>
   </p:clrMapOvr>
-  <mc:AlternateContent xmlns:mc="http://schemas.openxmlformats.org/markup-compatibility/2006" xmlns:p14="http://schemas.microsoft.com/office/powerpoint/2010/main">
-    <mc:Choice Requires="p14">
+  <mc:AlternateContent xmlns:mc="http://schemas.openxmlformats.org/markup-compatibility/2006">
+    <mc:Choice xmlns:p14="http://schemas.microsoft.com/office/powerpoint/2010/main" Requires="p14">
       <p:transition spd="slow" p14:dur="800">
         <p:push dir="u"/>
       </p:transition>
     </mc:Choice>
-    <mc:Fallback xmlns="">
+    <mc:Fallback>
       <p:transition spd="slow">
         <p:push dir="u"/>
       </p:transition>
     </mc:Fallback>
   </mc:AlternateContent>
+  <p:timing>
+    <p:tnLst>
+      <p:par>
+        <p:cTn id="1" dur="indefinite" restart="never" nodeType="tmRoot"/>
+      </p:par>
+    </p:tnLst>
+  </p:timing>
 </p:sld>
 </file>
 
@@ -16677,6 +16966,13 @@
   <p:clrMapOvr>
     <a:masterClrMapping/>
   </p:clrMapOvr>
+  <p:timing>
+    <p:tnLst>
+      <p:par>
+        <p:cTn id="1" dur="indefinite" restart="never" nodeType="tmRoot"/>
+      </p:par>
+    </p:tnLst>
+  </p:timing>
 </p:sld>
 </file>
 
